--- a/Powerpoint/27.10.2015 - RdvGrep.pptx
+++ b/Powerpoint/27.10.2015 - RdvGrep.pptx
@@ -7,7 +7,16 @@
   <p:sldIdLst>
     <p:sldId id="256" r:id="rId2"/>
     <p:sldId id="257" r:id="rId3"/>
-    <p:sldId id="259" r:id="rId4"/>
+    <p:sldId id="268" r:id="rId4"/>
+    <p:sldId id="258" r:id="rId5"/>
+    <p:sldId id="259" r:id="rId6"/>
+    <p:sldId id="262" r:id="rId7"/>
+    <p:sldId id="261" r:id="rId8"/>
+    <p:sldId id="263" r:id="rId9"/>
+    <p:sldId id="264" r:id="rId10"/>
+    <p:sldId id="265" r:id="rId11"/>
+    <p:sldId id="266" r:id="rId12"/>
+    <p:sldId id="267" r:id="rId13"/>
   </p:sldIdLst>
   <p:sldSz cx="12192000" cy="6858000"/>
   <p:notesSz cx="6858000" cy="9144000"/>
@@ -106,11 +115,16 @@
       </a:defRPr>
     </a:lvl9pPr>
   </p:defaultTextStyle>
+  <p:extLst>
+    <p:ext uri="{EFAFB233-063F-42B5-8137-9DF3F51BA10A}">
+      <p15:sldGuideLst xmlns:p15="http://schemas.microsoft.com/office/powerpoint/2012/main"/>
+    </p:ext>
+  </p:extLst>
 </p:presentation>
 </file>
 
 <file path=ppt/slideLayouts/slideLayout1.xml><?xml version="1.0" encoding="utf-8"?>
-<p:sldLayout xmlns:a="http://schemas.openxmlformats.org/drawingml/2006/main" xmlns:r="http://schemas.openxmlformats.org/officeDocument/2006/relationships" xmlns:p="http://schemas.openxmlformats.org/presentationml/2006/main" type="title" preserve="1">
+<p:sldLayout xmlns:a="http://schemas.openxmlformats.org/drawingml/2006/main" xmlns:r="http://schemas.openxmlformats.org/officeDocument/2006/relationships" xmlns:p="http://schemas.openxmlformats.org/presentationml/2006/main" preserve="1" userDrawn="1">
   <p:cSld name="Diapositive de titre">
     <p:spTree>
       <p:nvGrpSpPr>
@@ -133,7 +147,7 @@
             <a:spLocks noGrp="1"/>
           </p:cNvSpPr>
           <p:nvPr>
-            <p:ph type="ctrTitle"/>
+            <p:ph type="ctrTitle" hasCustomPrompt="1"/>
           </p:nvPr>
         </p:nvSpPr>
         <p:spPr>
@@ -151,8 +165,8 @@
           </a:lstStyle>
           <a:p>
             <a:r>
-              <a:rPr lang="fr-FR" smtClean="0"/>
-              <a:t>Modifiez le style du titre</a:t>
+              <a:rPr lang="fr-FR" dirty="0" smtClean="0"/>
+              <a:t>Noctambus</a:t>
             </a:r>
             <a:endParaRPr lang="en-US" dirty="0"/>
           </a:p>
@@ -165,7 +179,7 @@
             <a:spLocks noGrp="1"/>
           </p:cNvSpPr>
           <p:nvPr>
-            <p:ph type="subTitle" idx="1"/>
+            <p:ph type="subTitle" idx="1" hasCustomPrompt="1"/>
           </p:nvPr>
         </p:nvSpPr>
         <p:spPr>
@@ -179,7 +193,7 @@
           <a:lstStyle>
             <a:lvl1pPr marL="0" indent="0" algn="l">
               <a:buNone/>
-              <a:defRPr cap="all">
+              <a:defRPr cap="all" baseline="0">
                 <a:solidFill>
                   <a:schemeClr val="accent1"/>
                 </a:solidFill>
@@ -268,78 +282,103 @@
           </a:lstStyle>
           <a:p>
             <a:r>
-              <a:rPr lang="fr-FR" smtClean="0"/>
-              <a:t>Modifiez le style des sous-titres du masque</a:t>
-            </a:r>
-            <a:endParaRPr lang="en-US" dirty="0"/>
+              <a:rPr lang="fr-CH" dirty="0" smtClean="0"/>
+              <a:t>Réunion du dd </a:t>
+            </a:r>
+            <a:r>
+              <a:rPr lang="fr-CH" dirty="0" err="1" smtClean="0"/>
+              <a:t>mmmm</a:t>
+            </a:r>
+            <a:r>
+              <a:rPr lang="fr-CH" dirty="0" smtClean="0"/>
+              <a:t> </a:t>
+            </a:r>
+            <a:r>
+              <a:rPr lang="fr-CH" dirty="0" err="1" smtClean="0"/>
+              <a:t>yyyy</a:t>
+            </a:r>
+            <a:endParaRPr lang="fr-CH" dirty="0"/>
           </a:p>
         </p:txBody>
       </p:sp>
-      <p:sp>
-        <p:nvSpPr>
-          <p:cNvPr id="4" name="Date Placeholder 3"/>
-          <p:cNvSpPr>
-            <a:spLocks noGrp="1"/>
-          </p:cNvSpPr>
-          <p:nvPr>
-            <p:ph type="dt" sz="half" idx="10"/>
-          </p:nvPr>
-        </p:nvSpPr>
-        <p:spPr/>
-        <p:txBody>
-          <a:bodyPr/>
-          <a:lstStyle/>
-          <a:p>
-            <a:fld id="{4AAD347D-5ACD-4C99-B74B-A9C85AD731AF}" type="datetimeFigureOut">
-              <a:rPr lang="en-US" dirty="0"/>
-              <a:t>10/26/2015</a:t>
-            </a:fld>
-            <a:endParaRPr lang="en-US" dirty="0"/>
-          </a:p>
-        </p:txBody>
-      </p:sp>
-      <p:sp>
-        <p:nvSpPr>
-          <p:cNvPr id="5" name="Footer Placeholder 4"/>
-          <p:cNvSpPr>
-            <a:spLocks noGrp="1"/>
-          </p:cNvSpPr>
-          <p:nvPr>
-            <p:ph type="ftr" sz="quarter" idx="11"/>
-          </p:nvPr>
-        </p:nvSpPr>
-        <p:spPr/>
-        <p:txBody>
-          <a:bodyPr/>
-          <a:lstStyle/>
-          <a:p>
-            <a:endParaRPr lang="en-US" dirty="0"/>
-          </a:p>
-        </p:txBody>
-      </p:sp>
-      <p:sp>
-        <p:nvSpPr>
-          <p:cNvPr id="6" name="Slide Number Placeholder 5"/>
-          <p:cNvSpPr>
-            <a:spLocks noGrp="1"/>
-          </p:cNvSpPr>
-          <p:nvPr>
-            <p:ph type="sldNum" sz="quarter" idx="12"/>
-          </p:nvPr>
-        </p:nvSpPr>
-        <p:spPr/>
-        <p:txBody>
-          <a:bodyPr/>
-          <a:lstStyle/>
-          <a:p>
-            <a:fld id="{D57F1E4F-1CFF-5643-939E-02111984F565}" type="slidenum">
-              <a:rPr lang="en-US" dirty="0"/>
-              <a:t>‹N°›</a:t>
-            </a:fld>
-            <a:endParaRPr lang="en-US" dirty="0"/>
-          </a:p>
-        </p:txBody>
-      </p:sp>
+      <p:pic>
+        <p:nvPicPr>
+          <p:cNvPr id="9" name="Image 8" descr="http://www.mobilidee.ch/images/logo_noctambus.png"/>
+          <p:cNvPicPr/>
+          <p:nvPr userDrawn="1"/>
+        </p:nvPicPr>
+        <p:blipFill>
+          <a:blip r:embed="rId2">
+            <a:extLst>
+              <a:ext uri="{28A0092B-C50C-407E-A947-70E740481C1C}">
+                <a14:useLocalDpi xmlns:a14="http://schemas.microsoft.com/office/drawing/2010/main" val="0"/>
+              </a:ext>
+            </a:extLst>
+          </a:blip>
+          <a:srcRect/>
+          <a:stretch>
+            <a:fillRect/>
+          </a:stretch>
+        </p:blipFill>
+        <p:spPr bwMode="auto">
+          <a:xfrm>
+            <a:off x="1154955" y="329030"/>
+            <a:ext cx="2882473" cy="1206451"/>
+          </a:xfrm>
+          <a:prstGeom prst="rect">
+            <a:avLst/>
+          </a:prstGeom>
+          <a:ln>
+            <a:noFill/>
+          </a:ln>
+          <a:effectLst>
+            <a:outerShdw blurRad="190500" algn="tl" rotWithShape="0">
+              <a:srgbClr val="000000">
+                <a:alpha val="70000"/>
+              </a:srgbClr>
+            </a:outerShdw>
+          </a:effectLst>
+        </p:spPr>
+      </p:pic>
+      <p:pic>
+        <p:nvPicPr>
+          <p:cNvPr id="10" name="Image 9" descr="http://www.hesge.ch/heg/sites/all/themes/heg/images/logo.png"/>
+          <p:cNvPicPr/>
+          <p:nvPr userDrawn="1"/>
+        </p:nvPicPr>
+        <p:blipFill>
+          <a:blip r:embed="rId3">
+            <a:extLst>
+              <a:ext uri="{28A0092B-C50C-407E-A947-70E740481C1C}">
+                <a14:useLocalDpi xmlns:a14="http://schemas.microsoft.com/office/drawing/2010/main" val="0"/>
+              </a:ext>
+            </a:extLst>
+          </a:blip>
+          <a:srcRect/>
+          <a:stretch>
+            <a:fillRect/>
+          </a:stretch>
+        </p:blipFill>
+        <p:spPr bwMode="auto">
+          <a:xfrm>
+            <a:off x="5138327" y="223378"/>
+            <a:ext cx="2958904" cy="1299577"/>
+          </a:xfrm>
+          <a:prstGeom prst="rect">
+            <a:avLst/>
+          </a:prstGeom>
+          <a:ln>
+            <a:noFill/>
+          </a:ln>
+          <a:effectLst>
+            <a:outerShdw blurRad="190500" algn="tl" rotWithShape="0">
+              <a:srgbClr val="000000">
+                <a:alpha val="70000"/>
+              </a:srgbClr>
+            </a:outerShdw>
+          </a:effectLst>
+        </p:spPr>
+      </p:pic>
     </p:spTree>
   </p:cSld>
   <p:clrMapOvr>
@@ -545,71 +584,84 @@
           </a:p>
         </p:txBody>
       </p:sp>
-      <p:sp>
-        <p:nvSpPr>
-          <p:cNvPr id="5" name="Date Placeholder 4"/>
-          <p:cNvSpPr>
-            <a:spLocks noGrp="1"/>
-          </p:cNvSpPr>
-          <p:nvPr>
-            <p:ph type="dt" sz="half" idx="10"/>
-          </p:nvPr>
-        </p:nvSpPr>
-        <p:spPr/>
-        <p:txBody>
-          <a:bodyPr/>
-          <a:lstStyle/>
-          <a:p>
-            <a:fld id="{4509A250-FF31-4206-8172-F9D3106AACB1}" type="datetimeFigureOut">
-              <a:rPr lang="en-US" dirty="0"/>
-              <a:t>10/26/2015</a:t>
-            </a:fld>
-            <a:endParaRPr lang="en-US" dirty="0"/>
-          </a:p>
-        </p:txBody>
-      </p:sp>
-      <p:sp>
-        <p:nvSpPr>
-          <p:cNvPr id="6" name="Footer Placeholder 5"/>
-          <p:cNvSpPr>
-            <a:spLocks noGrp="1"/>
-          </p:cNvSpPr>
-          <p:nvPr>
-            <p:ph type="ftr" sz="quarter" idx="11"/>
-          </p:nvPr>
-        </p:nvSpPr>
-        <p:spPr/>
-        <p:txBody>
-          <a:bodyPr/>
-          <a:lstStyle/>
-          <a:p>
-            <a:endParaRPr lang="en-US" dirty="0"/>
-          </a:p>
-        </p:txBody>
-      </p:sp>
-      <p:sp>
-        <p:nvSpPr>
-          <p:cNvPr id="7" name="Slide Number Placeholder 6"/>
-          <p:cNvSpPr>
-            <a:spLocks noGrp="1"/>
-          </p:cNvSpPr>
-          <p:nvPr>
-            <p:ph type="sldNum" sz="quarter" idx="12"/>
-          </p:nvPr>
-        </p:nvSpPr>
-        <p:spPr/>
-        <p:txBody>
-          <a:bodyPr/>
-          <a:lstStyle/>
-          <a:p>
-            <a:fld id="{D57F1E4F-1CFF-5643-939E-02111984F565}" type="slidenum">
-              <a:rPr lang="en-US" dirty="0"/>
-              <a:t>‹N°›</a:t>
-            </a:fld>
-            <a:endParaRPr lang="en-US" dirty="0"/>
-          </a:p>
-        </p:txBody>
-      </p:sp>
+      <p:pic>
+        <p:nvPicPr>
+          <p:cNvPr id="8" name="Image 7" descr="http://www.hesge.ch/heg/sites/all/themes/heg/images/logo.png"/>
+          <p:cNvPicPr/>
+          <p:nvPr userDrawn="1"/>
+        </p:nvPicPr>
+        <p:blipFill>
+          <a:blip r:embed="rId2">
+            <a:extLst>
+              <a:ext uri="{28A0092B-C50C-407E-A947-70E740481C1C}">
+                <a14:useLocalDpi xmlns:a14="http://schemas.microsoft.com/office/drawing/2010/main" val="0"/>
+              </a:ext>
+            </a:extLst>
+          </a:blip>
+          <a:srcRect/>
+          <a:stretch>
+            <a:fillRect/>
+          </a:stretch>
+        </p:blipFill>
+        <p:spPr bwMode="auto">
+          <a:xfrm>
+            <a:off x="9320338" y="6448069"/>
+            <a:ext cx="1459030" cy="409931"/>
+          </a:xfrm>
+          <a:prstGeom prst="rect">
+            <a:avLst/>
+          </a:prstGeom>
+          <a:ln>
+            <a:noFill/>
+          </a:ln>
+          <a:effectLst>
+            <a:outerShdw blurRad="190500" algn="tl" rotWithShape="0">
+              <a:srgbClr val="000000">
+                <a:alpha val="70000"/>
+              </a:srgbClr>
+            </a:outerShdw>
+          </a:effectLst>
+        </p:spPr>
+      </p:pic>
+      <p:pic>
+        <p:nvPicPr>
+          <p:cNvPr id="9" name="Image 8" descr="http://www.mobilidee.ch/images/logo_noctambus.png"/>
+          <p:cNvPicPr/>
+          <p:nvPr userDrawn="1"/>
+        </p:nvPicPr>
+        <p:blipFill>
+          <a:blip r:embed="rId3">
+            <a:extLst>
+              <a:ext uri="{28A0092B-C50C-407E-A947-70E740481C1C}">
+                <a14:useLocalDpi xmlns:a14="http://schemas.microsoft.com/office/drawing/2010/main" val="0"/>
+              </a:ext>
+            </a:extLst>
+          </a:blip>
+          <a:srcRect/>
+          <a:stretch>
+            <a:fillRect/>
+          </a:stretch>
+        </p:blipFill>
+        <p:spPr bwMode="auto">
+          <a:xfrm>
+            <a:off x="10981622" y="6472541"/>
+            <a:ext cx="1210378" cy="385459"/>
+          </a:xfrm>
+          <a:prstGeom prst="rect">
+            <a:avLst/>
+          </a:prstGeom>
+          <a:ln>
+            <a:noFill/>
+          </a:ln>
+          <a:effectLst>
+            <a:outerShdw blurRad="190500" algn="tl" rotWithShape="0">
+              <a:srgbClr val="000000">
+                <a:alpha val="70000"/>
+              </a:srgbClr>
+            </a:outerShdw>
+          </a:effectLst>
+        </p:spPr>
+      </p:pic>
     </p:spTree>
   </p:cSld>
   <p:clrMapOvr>
@@ -734,71 +786,162 @@
           </a:p>
         </p:txBody>
       </p:sp>
-      <p:sp>
-        <p:nvSpPr>
-          <p:cNvPr id="4" name="Date Placeholder 3"/>
-          <p:cNvSpPr>
-            <a:spLocks noGrp="1"/>
-          </p:cNvSpPr>
-          <p:nvPr>
-            <p:ph type="dt" sz="half" idx="10"/>
-          </p:nvPr>
-        </p:nvSpPr>
-        <p:spPr/>
-        <p:txBody>
-          <a:bodyPr/>
-          <a:lstStyle/>
-          <a:p>
-            <a:fld id="{4509A250-FF31-4206-8172-F9D3106AACB1}" type="datetimeFigureOut">
-              <a:rPr lang="en-US" dirty="0"/>
-              <a:t>10/26/2015</a:t>
-            </a:fld>
-            <a:endParaRPr lang="en-US" dirty="0"/>
-          </a:p>
-        </p:txBody>
-      </p:sp>
-      <p:sp>
-        <p:nvSpPr>
-          <p:cNvPr id="5" name="Footer Placeholder 4"/>
-          <p:cNvSpPr>
-            <a:spLocks noGrp="1"/>
-          </p:cNvSpPr>
-          <p:nvPr>
-            <p:ph type="ftr" sz="quarter" idx="11"/>
-          </p:nvPr>
-        </p:nvSpPr>
-        <p:spPr/>
-        <p:txBody>
-          <a:bodyPr/>
-          <a:lstStyle/>
-          <a:p>
-            <a:endParaRPr lang="en-US" dirty="0"/>
-          </a:p>
-        </p:txBody>
-      </p:sp>
-      <p:sp>
-        <p:nvSpPr>
-          <p:cNvPr id="6" name="Slide Number Placeholder 5"/>
-          <p:cNvSpPr>
-            <a:spLocks noGrp="1"/>
-          </p:cNvSpPr>
-          <p:nvPr>
-            <p:ph type="sldNum" sz="quarter" idx="12"/>
-          </p:nvPr>
-        </p:nvSpPr>
-        <p:spPr/>
-        <p:txBody>
-          <a:bodyPr/>
-          <a:lstStyle/>
-          <a:p>
-            <a:fld id="{D57F1E4F-1CFF-5643-939E-02111984F565}" type="slidenum">
-              <a:rPr lang="en-US" dirty="0"/>
-              <a:t>‹N°›</a:t>
-            </a:fld>
-            <a:endParaRPr lang="en-US" dirty="0"/>
-          </a:p>
-        </p:txBody>
-      </p:sp>
+      <p:pic>
+        <p:nvPicPr>
+          <p:cNvPr id="7" name="Image 6" descr="http://www.hesge.ch/heg/sites/all/themes/heg/images/logo.png"/>
+          <p:cNvPicPr/>
+          <p:nvPr userDrawn="1"/>
+        </p:nvPicPr>
+        <p:blipFill>
+          <a:blip r:embed="rId2">
+            <a:extLst>
+              <a:ext uri="{28A0092B-C50C-407E-A947-70E740481C1C}">
+                <a14:useLocalDpi xmlns:a14="http://schemas.microsoft.com/office/drawing/2010/main" val="0"/>
+              </a:ext>
+            </a:extLst>
+          </a:blip>
+          <a:srcRect/>
+          <a:stretch>
+            <a:fillRect/>
+          </a:stretch>
+        </p:blipFill>
+        <p:spPr bwMode="auto">
+          <a:xfrm>
+            <a:off x="9320338" y="6448069"/>
+            <a:ext cx="1459030" cy="409931"/>
+          </a:xfrm>
+          <a:prstGeom prst="rect">
+            <a:avLst/>
+          </a:prstGeom>
+          <a:ln>
+            <a:noFill/>
+          </a:ln>
+          <a:effectLst>
+            <a:outerShdw blurRad="190500" algn="tl" rotWithShape="0">
+              <a:srgbClr val="000000">
+                <a:alpha val="70000"/>
+              </a:srgbClr>
+            </a:outerShdw>
+          </a:effectLst>
+        </p:spPr>
+      </p:pic>
+      <p:pic>
+        <p:nvPicPr>
+          <p:cNvPr id="9" name="Image 8" descr="http://www.mobilidee.ch/images/logo_noctambus.png"/>
+          <p:cNvPicPr/>
+          <p:nvPr userDrawn="1"/>
+        </p:nvPicPr>
+        <p:blipFill>
+          <a:blip r:embed="rId3">
+            <a:extLst>
+              <a:ext uri="{28A0092B-C50C-407E-A947-70E740481C1C}">
+                <a14:useLocalDpi xmlns:a14="http://schemas.microsoft.com/office/drawing/2010/main" val="0"/>
+              </a:ext>
+            </a:extLst>
+          </a:blip>
+          <a:srcRect/>
+          <a:stretch>
+            <a:fillRect/>
+          </a:stretch>
+        </p:blipFill>
+        <p:spPr bwMode="auto">
+          <a:xfrm>
+            <a:off x="10981622" y="6472541"/>
+            <a:ext cx="1210378" cy="385459"/>
+          </a:xfrm>
+          <a:prstGeom prst="rect">
+            <a:avLst/>
+          </a:prstGeom>
+          <a:ln>
+            <a:noFill/>
+          </a:ln>
+          <a:effectLst>
+            <a:outerShdw blurRad="190500" algn="tl" rotWithShape="0">
+              <a:srgbClr val="000000">
+                <a:alpha val="70000"/>
+              </a:srgbClr>
+            </a:outerShdw>
+          </a:effectLst>
+        </p:spPr>
+      </p:pic>
+      <p:pic>
+        <p:nvPicPr>
+          <p:cNvPr id="10" name="Image 9" descr="http://www.hesge.ch/heg/sites/all/themes/heg/images/logo.png"/>
+          <p:cNvPicPr/>
+          <p:nvPr userDrawn="1"/>
+        </p:nvPicPr>
+        <p:blipFill>
+          <a:blip r:embed="rId2">
+            <a:extLst>
+              <a:ext uri="{28A0092B-C50C-407E-A947-70E740481C1C}">
+                <a14:useLocalDpi xmlns:a14="http://schemas.microsoft.com/office/drawing/2010/main" val="0"/>
+              </a:ext>
+            </a:extLst>
+          </a:blip>
+          <a:srcRect/>
+          <a:stretch>
+            <a:fillRect/>
+          </a:stretch>
+        </p:blipFill>
+        <p:spPr bwMode="auto">
+          <a:xfrm>
+            <a:off x="9472738" y="6600469"/>
+            <a:ext cx="1459030" cy="409931"/>
+          </a:xfrm>
+          <a:prstGeom prst="rect">
+            <a:avLst/>
+          </a:prstGeom>
+          <a:ln>
+            <a:noFill/>
+          </a:ln>
+          <a:effectLst>
+            <a:outerShdw blurRad="190500" algn="tl" rotWithShape="0">
+              <a:srgbClr val="000000">
+                <a:alpha val="70000"/>
+              </a:srgbClr>
+            </a:outerShdw>
+          </a:effectLst>
+        </p:spPr>
+      </p:pic>
+      <p:pic>
+        <p:nvPicPr>
+          <p:cNvPr id="11" name="Image 10" descr="http://www.mobilidee.ch/images/logo_noctambus.png"/>
+          <p:cNvPicPr/>
+          <p:nvPr userDrawn="1"/>
+        </p:nvPicPr>
+        <p:blipFill>
+          <a:blip r:embed="rId3">
+            <a:extLst>
+              <a:ext uri="{28A0092B-C50C-407E-A947-70E740481C1C}">
+                <a14:useLocalDpi xmlns:a14="http://schemas.microsoft.com/office/drawing/2010/main" val="0"/>
+              </a:ext>
+            </a:extLst>
+          </a:blip>
+          <a:srcRect/>
+          <a:stretch>
+            <a:fillRect/>
+          </a:stretch>
+        </p:blipFill>
+        <p:spPr bwMode="auto">
+          <a:xfrm>
+            <a:off x="11134022" y="6624941"/>
+            <a:ext cx="1210378" cy="385459"/>
+          </a:xfrm>
+          <a:prstGeom prst="rect">
+            <a:avLst/>
+          </a:prstGeom>
+          <a:ln>
+            <a:noFill/>
+          </a:ln>
+          <a:effectLst>
+            <a:outerShdw blurRad="190500" algn="tl" rotWithShape="0">
+              <a:srgbClr val="000000">
+                <a:alpha val="70000"/>
+              </a:srgbClr>
+            </a:outerShdw>
+          </a:effectLst>
+        </p:spPr>
+      </p:pic>
     </p:spTree>
   </p:cSld>
   <p:clrMapOvr>
@@ -994,71 +1137,6 @@
               <a:rPr lang="fr-FR" smtClean="0"/>
               <a:t>Modifiez les styles du texte du masque</a:t>
             </a:r>
-          </a:p>
-        </p:txBody>
-      </p:sp>
-      <p:sp>
-        <p:nvSpPr>
-          <p:cNvPr id="4" name="Date Placeholder 3"/>
-          <p:cNvSpPr>
-            <a:spLocks noGrp="1"/>
-          </p:cNvSpPr>
-          <p:nvPr>
-            <p:ph type="dt" sz="half" idx="10"/>
-          </p:nvPr>
-        </p:nvSpPr>
-        <p:spPr/>
-        <p:txBody>
-          <a:bodyPr/>
-          <a:lstStyle/>
-          <a:p>
-            <a:fld id="{4509A250-FF31-4206-8172-F9D3106AACB1}" type="datetimeFigureOut">
-              <a:rPr lang="en-US" dirty="0"/>
-              <a:t>10/26/2015</a:t>
-            </a:fld>
-            <a:endParaRPr lang="en-US" dirty="0"/>
-          </a:p>
-        </p:txBody>
-      </p:sp>
-      <p:sp>
-        <p:nvSpPr>
-          <p:cNvPr id="5" name="Footer Placeholder 4"/>
-          <p:cNvSpPr>
-            <a:spLocks noGrp="1"/>
-          </p:cNvSpPr>
-          <p:nvPr>
-            <p:ph type="ftr" sz="quarter" idx="11"/>
-          </p:nvPr>
-        </p:nvSpPr>
-        <p:spPr/>
-        <p:txBody>
-          <a:bodyPr/>
-          <a:lstStyle/>
-          <a:p>
-            <a:endParaRPr lang="en-US" dirty="0"/>
-          </a:p>
-        </p:txBody>
-      </p:sp>
-      <p:sp>
-        <p:nvSpPr>
-          <p:cNvPr id="6" name="Slide Number Placeholder 5"/>
-          <p:cNvSpPr>
-            <a:spLocks noGrp="1"/>
-          </p:cNvSpPr>
-          <p:nvPr>
-            <p:ph type="sldNum" sz="quarter" idx="12"/>
-          </p:nvPr>
-        </p:nvSpPr>
-        <p:spPr/>
-        <p:txBody>
-          <a:bodyPr/>
-          <a:lstStyle/>
-          <a:p>
-            <a:fld id="{D57F1E4F-1CFF-5643-939E-02111984F565}" type="slidenum">
-              <a:rPr lang="en-US" dirty="0"/>
-              <a:t>‹N°›</a:t>
-            </a:fld>
-            <a:endParaRPr lang="en-US" dirty="0"/>
           </a:p>
         </p:txBody>
       </p:sp>
@@ -1324,71 +1402,84 @@
           </a:p>
         </p:txBody>
       </p:sp>
-      <p:sp>
-        <p:nvSpPr>
-          <p:cNvPr id="4" name="Date Placeholder 3"/>
-          <p:cNvSpPr>
-            <a:spLocks noGrp="1"/>
-          </p:cNvSpPr>
-          <p:nvPr>
-            <p:ph type="dt" sz="half" idx="10"/>
-          </p:nvPr>
-        </p:nvSpPr>
-        <p:spPr/>
-        <p:txBody>
-          <a:bodyPr/>
-          <a:lstStyle/>
-          <a:p>
-            <a:fld id="{4509A250-FF31-4206-8172-F9D3106AACB1}" type="datetimeFigureOut">
-              <a:rPr lang="en-US" dirty="0"/>
-              <a:t>10/26/2015</a:t>
-            </a:fld>
-            <a:endParaRPr lang="en-US" dirty="0"/>
-          </a:p>
-        </p:txBody>
-      </p:sp>
-      <p:sp>
-        <p:nvSpPr>
-          <p:cNvPr id="5" name="Footer Placeholder 4"/>
-          <p:cNvSpPr>
-            <a:spLocks noGrp="1"/>
-          </p:cNvSpPr>
-          <p:nvPr>
-            <p:ph type="ftr" sz="quarter" idx="11"/>
-          </p:nvPr>
-        </p:nvSpPr>
-        <p:spPr/>
-        <p:txBody>
-          <a:bodyPr/>
-          <a:lstStyle/>
-          <a:p>
-            <a:endParaRPr lang="en-US" dirty="0"/>
-          </a:p>
-        </p:txBody>
-      </p:sp>
-      <p:sp>
-        <p:nvSpPr>
-          <p:cNvPr id="6" name="Slide Number Placeholder 5"/>
-          <p:cNvSpPr>
-            <a:spLocks noGrp="1"/>
-          </p:cNvSpPr>
-          <p:nvPr>
-            <p:ph type="sldNum" sz="quarter" idx="12"/>
-          </p:nvPr>
-        </p:nvSpPr>
-        <p:spPr/>
-        <p:txBody>
-          <a:bodyPr/>
-          <a:lstStyle/>
-          <a:p>
-            <a:fld id="{D57F1E4F-1CFF-5643-939E-02111984F565}" type="slidenum">
-              <a:rPr lang="en-US" dirty="0"/>
-              <a:t>‹N°›</a:t>
-            </a:fld>
-            <a:endParaRPr lang="en-US" dirty="0"/>
-          </a:p>
-        </p:txBody>
-      </p:sp>
+      <p:pic>
+        <p:nvPicPr>
+          <p:cNvPr id="7" name="Image 6" descr="http://www.hesge.ch/heg/sites/all/themes/heg/images/logo.png"/>
+          <p:cNvPicPr/>
+          <p:nvPr userDrawn="1"/>
+        </p:nvPicPr>
+        <p:blipFill>
+          <a:blip r:embed="rId2">
+            <a:extLst>
+              <a:ext uri="{28A0092B-C50C-407E-A947-70E740481C1C}">
+                <a14:useLocalDpi xmlns:a14="http://schemas.microsoft.com/office/drawing/2010/main" val="0"/>
+              </a:ext>
+            </a:extLst>
+          </a:blip>
+          <a:srcRect/>
+          <a:stretch>
+            <a:fillRect/>
+          </a:stretch>
+        </p:blipFill>
+        <p:spPr bwMode="auto">
+          <a:xfrm>
+            <a:off x="9320338" y="6448069"/>
+            <a:ext cx="1459030" cy="409931"/>
+          </a:xfrm>
+          <a:prstGeom prst="rect">
+            <a:avLst/>
+          </a:prstGeom>
+          <a:ln>
+            <a:noFill/>
+          </a:ln>
+          <a:effectLst>
+            <a:outerShdw blurRad="190500" algn="tl" rotWithShape="0">
+              <a:srgbClr val="000000">
+                <a:alpha val="70000"/>
+              </a:srgbClr>
+            </a:outerShdw>
+          </a:effectLst>
+        </p:spPr>
+      </p:pic>
+      <p:pic>
+        <p:nvPicPr>
+          <p:cNvPr id="8" name="Image 7" descr="http://www.mobilidee.ch/images/logo_noctambus.png"/>
+          <p:cNvPicPr/>
+          <p:nvPr userDrawn="1"/>
+        </p:nvPicPr>
+        <p:blipFill>
+          <a:blip r:embed="rId3">
+            <a:extLst>
+              <a:ext uri="{28A0092B-C50C-407E-A947-70E740481C1C}">
+                <a14:useLocalDpi xmlns:a14="http://schemas.microsoft.com/office/drawing/2010/main" val="0"/>
+              </a:ext>
+            </a:extLst>
+          </a:blip>
+          <a:srcRect/>
+          <a:stretch>
+            <a:fillRect/>
+          </a:stretch>
+        </p:blipFill>
+        <p:spPr bwMode="auto">
+          <a:xfrm>
+            <a:off x="10981622" y="6472541"/>
+            <a:ext cx="1210378" cy="385459"/>
+          </a:xfrm>
+          <a:prstGeom prst="rect">
+            <a:avLst/>
+          </a:prstGeom>
+          <a:ln>
+            <a:noFill/>
+          </a:ln>
+          <a:effectLst>
+            <a:outerShdw blurRad="190500" algn="tl" rotWithShape="0">
+              <a:srgbClr val="000000">
+                <a:alpha val="70000"/>
+              </a:srgbClr>
+            </a:outerShdw>
+          </a:effectLst>
+        </p:spPr>
+      </p:pic>
     </p:spTree>
   </p:cSld>
   <p:clrMapOvr>
@@ -1929,71 +2020,84 @@
           </a:fontRef>
         </p:style>
       </p:cxnSp>
-      <p:sp>
-        <p:nvSpPr>
-          <p:cNvPr id="7" name="Date Placeholder 3"/>
-          <p:cNvSpPr>
-            <a:spLocks noGrp="1"/>
-          </p:cNvSpPr>
-          <p:nvPr>
-            <p:ph type="dt" sz="half" idx="10"/>
-          </p:nvPr>
-        </p:nvSpPr>
-        <p:spPr/>
-        <p:txBody>
-          <a:bodyPr/>
-          <a:lstStyle/>
-          <a:p>
-            <a:fld id="{4509A250-FF31-4206-8172-F9D3106AACB1}" type="datetimeFigureOut">
-              <a:rPr lang="en-US" dirty="0"/>
-              <a:t>10/26/2015</a:t>
-            </a:fld>
-            <a:endParaRPr lang="en-US" dirty="0"/>
-          </a:p>
-        </p:txBody>
-      </p:sp>
-      <p:sp>
-        <p:nvSpPr>
-          <p:cNvPr id="4" name="Footer Placeholder 4"/>
-          <p:cNvSpPr>
-            <a:spLocks noGrp="1"/>
-          </p:cNvSpPr>
-          <p:nvPr>
-            <p:ph type="ftr" sz="quarter" idx="11"/>
-          </p:nvPr>
-        </p:nvSpPr>
-        <p:spPr/>
-        <p:txBody>
-          <a:bodyPr/>
-          <a:lstStyle/>
-          <a:p>
-            <a:endParaRPr lang="en-US" dirty="0"/>
-          </a:p>
-        </p:txBody>
-      </p:sp>
-      <p:sp>
-        <p:nvSpPr>
-          <p:cNvPr id="6" name="Slide Number Placeholder 5"/>
-          <p:cNvSpPr>
-            <a:spLocks noGrp="1"/>
-          </p:cNvSpPr>
-          <p:nvPr>
-            <p:ph type="sldNum" sz="quarter" idx="12"/>
-          </p:nvPr>
-        </p:nvSpPr>
-        <p:spPr/>
-        <p:txBody>
-          <a:bodyPr/>
-          <a:lstStyle/>
-          <a:p>
-            <a:fld id="{D57F1E4F-1CFF-5643-939E-02111984F565}" type="slidenum">
-              <a:rPr lang="en-US" dirty="0"/>
-              <a:t>‹N°›</a:t>
-            </a:fld>
-            <a:endParaRPr lang="en-US" dirty="0"/>
-          </a:p>
-        </p:txBody>
-      </p:sp>
+      <p:pic>
+        <p:nvPicPr>
+          <p:cNvPr id="15" name="Image 14" descr="http://www.hesge.ch/heg/sites/all/themes/heg/images/logo.png"/>
+          <p:cNvPicPr/>
+          <p:nvPr userDrawn="1"/>
+        </p:nvPicPr>
+        <p:blipFill>
+          <a:blip r:embed="rId2">
+            <a:extLst>
+              <a:ext uri="{28A0092B-C50C-407E-A947-70E740481C1C}">
+                <a14:useLocalDpi xmlns:a14="http://schemas.microsoft.com/office/drawing/2010/main" val="0"/>
+              </a:ext>
+            </a:extLst>
+          </a:blip>
+          <a:srcRect/>
+          <a:stretch>
+            <a:fillRect/>
+          </a:stretch>
+        </p:blipFill>
+        <p:spPr bwMode="auto">
+          <a:xfrm>
+            <a:off x="9320338" y="6448069"/>
+            <a:ext cx="1459030" cy="409931"/>
+          </a:xfrm>
+          <a:prstGeom prst="rect">
+            <a:avLst/>
+          </a:prstGeom>
+          <a:ln>
+            <a:noFill/>
+          </a:ln>
+          <a:effectLst>
+            <a:outerShdw blurRad="190500" algn="tl" rotWithShape="0">
+              <a:srgbClr val="000000">
+                <a:alpha val="70000"/>
+              </a:srgbClr>
+            </a:outerShdw>
+          </a:effectLst>
+        </p:spPr>
+      </p:pic>
+      <p:pic>
+        <p:nvPicPr>
+          <p:cNvPr id="21" name="Image 20" descr="http://www.mobilidee.ch/images/logo_noctambus.png"/>
+          <p:cNvPicPr/>
+          <p:nvPr userDrawn="1"/>
+        </p:nvPicPr>
+        <p:blipFill>
+          <a:blip r:embed="rId3">
+            <a:extLst>
+              <a:ext uri="{28A0092B-C50C-407E-A947-70E740481C1C}">
+                <a14:useLocalDpi xmlns:a14="http://schemas.microsoft.com/office/drawing/2010/main" val="0"/>
+              </a:ext>
+            </a:extLst>
+          </a:blip>
+          <a:srcRect/>
+          <a:stretch>
+            <a:fillRect/>
+          </a:stretch>
+        </p:blipFill>
+        <p:spPr bwMode="auto">
+          <a:xfrm>
+            <a:off x="10981622" y="6472541"/>
+            <a:ext cx="1210378" cy="385459"/>
+          </a:xfrm>
+          <a:prstGeom prst="rect">
+            <a:avLst/>
+          </a:prstGeom>
+          <a:ln>
+            <a:noFill/>
+          </a:ln>
+          <a:effectLst>
+            <a:outerShdw blurRad="190500" algn="tl" rotWithShape="0">
+              <a:srgbClr val="000000">
+                <a:alpha val="70000"/>
+              </a:srgbClr>
+            </a:outerShdw>
+          </a:effectLst>
+        </p:spPr>
+      </p:pic>
     </p:spTree>
   </p:cSld>
   <p:clrMapOvr>
@@ -2771,71 +2875,84 @@
           </a:fontRef>
         </p:style>
       </p:cxnSp>
-      <p:sp>
-        <p:nvSpPr>
-          <p:cNvPr id="7" name="Date Placeholder 3"/>
-          <p:cNvSpPr>
-            <a:spLocks noGrp="1"/>
-          </p:cNvSpPr>
-          <p:nvPr>
-            <p:ph type="dt" sz="half" idx="10"/>
-          </p:nvPr>
-        </p:nvSpPr>
-        <p:spPr/>
-        <p:txBody>
-          <a:bodyPr/>
-          <a:lstStyle/>
-          <a:p>
-            <a:fld id="{4509A250-FF31-4206-8172-F9D3106AACB1}" type="datetimeFigureOut">
-              <a:rPr lang="en-US" dirty="0"/>
-              <a:t>10/26/2015</a:t>
-            </a:fld>
-            <a:endParaRPr lang="en-US" dirty="0"/>
-          </a:p>
-        </p:txBody>
-      </p:sp>
-      <p:sp>
-        <p:nvSpPr>
-          <p:cNvPr id="4" name="Footer Placeholder 4"/>
-          <p:cNvSpPr>
-            <a:spLocks noGrp="1"/>
-          </p:cNvSpPr>
-          <p:nvPr>
-            <p:ph type="ftr" sz="quarter" idx="11"/>
-          </p:nvPr>
-        </p:nvSpPr>
-        <p:spPr/>
-        <p:txBody>
-          <a:bodyPr/>
-          <a:lstStyle/>
-          <a:p>
-            <a:endParaRPr lang="en-US" dirty="0"/>
-          </a:p>
-        </p:txBody>
-      </p:sp>
-      <p:sp>
-        <p:nvSpPr>
-          <p:cNvPr id="6" name="Slide Number Placeholder 5"/>
-          <p:cNvSpPr>
-            <a:spLocks noGrp="1"/>
-          </p:cNvSpPr>
-          <p:nvPr>
-            <p:ph type="sldNum" sz="quarter" idx="12"/>
-          </p:nvPr>
-        </p:nvSpPr>
-        <p:spPr/>
-        <p:txBody>
-          <a:bodyPr/>
-          <a:lstStyle/>
-          <a:p>
-            <a:fld id="{D57F1E4F-1CFF-5643-939E-02111984F565}" type="slidenum">
-              <a:rPr lang="en-US" dirty="0"/>
-              <a:t>‹N°›</a:t>
-            </a:fld>
-            <a:endParaRPr lang="en-US" dirty="0"/>
-          </a:p>
-        </p:txBody>
-      </p:sp>
+      <p:pic>
+        <p:nvPicPr>
+          <p:cNvPr id="19" name="Image 18" descr="http://www.hesge.ch/heg/sites/all/themes/heg/images/logo.png"/>
+          <p:cNvPicPr/>
+          <p:nvPr userDrawn="1"/>
+        </p:nvPicPr>
+        <p:blipFill>
+          <a:blip r:embed="rId2">
+            <a:extLst>
+              <a:ext uri="{28A0092B-C50C-407E-A947-70E740481C1C}">
+                <a14:useLocalDpi xmlns:a14="http://schemas.microsoft.com/office/drawing/2010/main" val="0"/>
+              </a:ext>
+            </a:extLst>
+          </a:blip>
+          <a:srcRect/>
+          <a:stretch>
+            <a:fillRect/>
+          </a:stretch>
+        </p:blipFill>
+        <p:spPr bwMode="auto">
+          <a:xfrm>
+            <a:off x="9320338" y="6448069"/>
+            <a:ext cx="1459030" cy="409931"/>
+          </a:xfrm>
+          <a:prstGeom prst="rect">
+            <a:avLst/>
+          </a:prstGeom>
+          <a:ln>
+            <a:noFill/>
+          </a:ln>
+          <a:effectLst>
+            <a:outerShdw blurRad="190500" algn="tl" rotWithShape="0">
+              <a:srgbClr val="000000">
+                <a:alpha val="70000"/>
+              </a:srgbClr>
+            </a:outerShdw>
+          </a:effectLst>
+        </p:spPr>
+      </p:pic>
+      <p:pic>
+        <p:nvPicPr>
+          <p:cNvPr id="20" name="Image 19" descr="http://www.mobilidee.ch/images/logo_noctambus.png"/>
+          <p:cNvPicPr/>
+          <p:nvPr userDrawn="1"/>
+        </p:nvPicPr>
+        <p:blipFill>
+          <a:blip r:embed="rId3">
+            <a:extLst>
+              <a:ext uri="{28A0092B-C50C-407E-A947-70E740481C1C}">
+                <a14:useLocalDpi xmlns:a14="http://schemas.microsoft.com/office/drawing/2010/main" val="0"/>
+              </a:ext>
+            </a:extLst>
+          </a:blip>
+          <a:srcRect/>
+          <a:stretch>
+            <a:fillRect/>
+          </a:stretch>
+        </p:blipFill>
+        <p:spPr bwMode="auto">
+          <a:xfrm>
+            <a:off x="10981622" y="6472541"/>
+            <a:ext cx="1210378" cy="385459"/>
+          </a:xfrm>
+          <a:prstGeom prst="rect">
+            <a:avLst/>
+          </a:prstGeom>
+          <a:ln>
+            <a:noFill/>
+          </a:ln>
+          <a:effectLst>
+            <a:outerShdw blurRad="190500" algn="tl" rotWithShape="0">
+              <a:srgbClr val="000000">
+                <a:alpha val="70000"/>
+              </a:srgbClr>
+            </a:outerShdw>
+          </a:effectLst>
+        </p:spPr>
+      </p:pic>
     </p:spTree>
   </p:cSld>
   <p:clrMapOvr>
@@ -2936,71 +3053,84 @@
           </a:p>
         </p:txBody>
       </p:sp>
-      <p:sp>
-        <p:nvSpPr>
-          <p:cNvPr id="4" name="Date Placeholder 3"/>
-          <p:cNvSpPr>
-            <a:spLocks noGrp="1"/>
-          </p:cNvSpPr>
-          <p:nvPr>
-            <p:ph type="dt" sz="half" idx="10"/>
-          </p:nvPr>
-        </p:nvSpPr>
-        <p:spPr/>
-        <p:txBody>
-          <a:bodyPr/>
-          <a:lstStyle/>
-          <a:p>
-            <a:fld id="{4509A250-FF31-4206-8172-F9D3106AACB1}" type="datetimeFigureOut">
-              <a:rPr lang="en-US" dirty="0"/>
-              <a:t>10/26/2015</a:t>
-            </a:fld>
-            <a:endParaRPr lang="en-US" dirty="0"/>
-          </a:p>
-        </p:txBody>
-      </p:sp>
-      <p:sp>
-        <p:nvSpPr>
-          <p:cNvPr id="5" name="Footer Placeholder 4"/>
-          <p:cNvSpPr>
-            <a:spLocks noGrp="1"/>
-          </p:cNvSpPr>
-          <p:nvPr>
-            <p:ph type="ftr" sz="quarter" idx="11"/>
-          </p:nvPr>
-        </p:nvSpPr>
-        <p:spPr/>
-        <p:txBody>
-          <a:bodyPr/>
-          <a:lstStyle/>
-          <a:p>
-            <a:endParaRPr lang="en-US" dirty="0"/>
-          </a:p>
-        </p:txBody>
-      </p:sp>
-      <p:sp>
-        <p:nvSpPr>
-          <p:cNvPr id="6" name="Slide Number Placeholder 5"/>
-          <p:cNvSpPr>
-            <a:spLocks noGrp="1"/>
-          </p:cNvSpPr>
-          <p:nvPr>
-            <p:ph type="sldNum" sz="quarter" idx="12"/>
-          </p:nvPr>
-        </p:nvSpPr>
-        <p:spPr/>
-        <p:txBody>
-          <a:bodyPr/>
-          <a:lstStyle/>
-          <a:p>
-            <a:fld id="{D57F1E4F-1CFF-5643-939E-02111984F565}" type="slidenum">
-              <a:rPr lang="en-US" dirty="0"/>
-              <a:t>‹N°›</a:t>
-            </a:fld>
-            <a:endParaRPr lang="en-US" dirty="0"/>
-          </a:p>
-        </p:txBody>
-      </p:sp>
+      <p:pic>
+        <p:nvPicPr>
+          <p:cNvPr id="7" name="Image 6" descr="http://www.hesge.ch/heg/sites/all/themes/heg/images/logo.png"/>
+          <p:cNvPicPr/>
+          <p:nvPr userDrawn="1"/>
+        </p:nvPicPr>
+        <p:blipFill>
+          <a:blip r:embed="rId2">
+            <a:extLst>
+              <a:ext uri="{28A0092B-C50C-407E-A947-70E740481C1C}">
+                <a14:useLocalDpi xmlns:a14="http://schemas.microsoft.com/office/drawing/2010/main" val="0"/>
+              </a:ext>
+            </a:extLst>
+          </a:blip>
+          <a:srcRect/>
+          <a:stretch>
+            <a:fillRect/>
+          </a:stretch>
+        </p:blipFill>
+        <p:spPr bwMode="auto">
+          <a:xfrm>
+            <a:off x="9320338" y="6448069"/>
+            <a:ext cx="1459030" cy="409931"/>
+          </a:xfrm>
+          <a:prstGeom prst="rect">
+            <a:avLst/>
+          </a:prstGeom>
+          <a:ln>
+            <a:noFill/>
+          </a:ln>
+          <a:effectLst>
+            <a:outerShdw blurRad="190500" algn="tl" rotWithShape="0">
+              <a:srgbClr val="000000">
+                <a:alpha val="70000"/>
+              </a:srgbClr>
+            </a:outerShdw>
+          </a:effectLst>
+        </p:spPr>
+      </p:pic>
+      <p:pic>
+        <p:nvPicPr>
+          <p:cNvPr id="8" name="Image 7" descr="http://www.mobilidee.ch/images/logo_noctambus.png"/>
+          <p:cNvPicPr/>
+          <p:nvPr userDrawn="1"/>
+        </p:nvPicPr>
+        <p:blipFill>
+          <a:blip r:embed="rId3">
+            <a:extLst>
+              <a:ext uri="{28A0092B-C50C-407E-A947-70E740481C1C}">
+                <a14:useLocalDpi xmlns:a14="http://schemas.microsoft.com/office/drawing/2010/main" val="0"/>
+              </a:ext>
+            </a:extLst>
+          </a:blip>
+          <a:srcRect/>
+          <a:stretch>
+            <a:fillRect/>
+          </a:stretch>
+        </p:blipFill>
+        <p:spPr bwMode="auto">
+          <a:xfrm>
+            <a:off x="10981622" y="6472541"/>
+            <a:ext cx="1210378" cy="385459"/>
+          </a:xfrm>
+          <a:prstGeom prst="rect">
+            <a:avLst/>
+          </a:prstGeom>
+          <a:ln>
+            <a:noFill/>
+          </a:ln>
+          <a:effectLst>
+            <a:outerShdw blurRad="190500" algn="tl" rotWithShape="0">
+              <a:srgbClr val="000000">
+                <a:alpha val="70000"/>
+              </a:srgbClr>
+            </a:outerShdw>
+          </a:effectLst>
+        </p:spPr>
+      </p:pic>
     </p:spTree>
   </p:cSld>
   <p:clrMapOvr>
@@ -3111,71 +3241,84 @@
           </a:p>
         </p:txBody>
       </p:sp>
-      <p:sp>
-        <p:nvSpPr>
-          <p:cNvPr id="4" name="Date Placeholder 3"/>
-          <p:cNvSpPr>
-            <a:spLocks noGrp="1"/>
-          </p:cNvSpPr>
-          <p:nvPr>
-            <p:ph type="dt" sz="half" idx="10"/>
-          </p:nvPr>
-        </p:nvSpPr>
-        <p:spPr/>
-        <p:txBody>
-          <a:bodyPr/>
-          <a:lstStyle/>
-          <a:p>
-            <a:fld id="{4509A250-FF31-4206-8172-F9D3106AACB1}" type="datetimeFigureOut">
-              <a:rPr lang="en-US" dirty="0"/>
-              <a:t>10/26/2015</a:t>
-            </a:fld>
-            <a:endParaRPr lang="en-US" dirty="0"/>
-          </a:p>
-        </p:txBody>
-      </p:sp>
-      <p:sp>
-        <p:nvSpPr>
-          <p:cNvPr id="5" name="Footer Placeholder 4"/>
-          <p:cNvSpPr>
-            <a:spLocks noGrp="1"/>
-          </p:cNvSpPr>
-          <p:nvPr>
-            <p:ph type="ftr" sz="quarter" idx="11"/>
-          </p:nvPr>
-        </p:nvSpPr>
-        <p:spPr/>
-        <p:txBody>
-          <a:bodyPr/>
-          <a:lstStyle/>
-          <a:p>
-            <a:endParaRPr lang="en-US" dirty="0"/>
-          </a:p>
-        </p:txBody>
-      </p:sp>
-      <p:sp>
-        <p:nvSpPr>
-          <p:cNvPr id="6" name="Slide Number Placeholder 5"/>
-          <p:cNvSpPr>
-            <a:spLocks noGrp="1"/>
-          </p:cNvSpPr>
-          <p:nvPr>
-            <p:ph type="sldNum" sz="quarter" idx="12"/>
-          </p:nvPr>
-        </p:nvSpPr>
-        <p:spPr/>
-        <p:txBody>
-          <a:bodyPr/>
-          <a:lstStyle/>
-          <a:p>
-            <a:fld id="{D57F1E4F-1CFF-5643-939E-02111984F565}" type="slidenum">
-              <a:rPr lang="en-US" dirty="0"/>
-              <a:t>‹N°›</a:t>
-            </a:fld>
-            <a:endParaRPr lang="en-US" dirty="0"/>
-          </a:p>
-        </p:txBody>
-      </p:sp>
+      <p:pic>
+        <p:nvPicPr>
+          <p:cNvPr id="7" name="Image 6" descr="http://www.hesge.ch/heg/sites/all/themes/heg/images/logo.png"/>
+          <p:cNvPicPr/>
+          <p:nvPr userDrawn="1"/>
+        </p:nvPicPr>
+        <p:blipFill>
+          <a:blip r:embed="rId2">
+            <a:extLst>
+              <a:ext uri="{28A0092B-C50C-407E-A947-70E740481C1C}">
+                <a14:useLocalDpi xmlns:a14="http://schemas.microsoft.com/office/drawing/2010/main" val="0"/>
+              </a:ext>
+            </a:extLst>
+          </a:blip>
+          <a:srcRect/>
+          <a:stretch>
+            <a:fillRect/>
+          </a:stretch>
+        </p:blipFill>
+        <p:spPr bwMode="auto">
+          <a:xfrm>
+            <a:off x="9320338" y="6448069"/>
+            <a:ext cx="1459030" cy="409931"/>
+          </a:xfrm>
+          <a:prstGeom prst="rect">
+            <a:avLst/>
+          </a:prstGeom>
+          <a:ln>
+            <a:noFill/>
+          </a:ln>
+          <a:effectLst>
+            <a:outerShdw blurRad="190500" algn="tl" rotWithShape="0">
+              <a:srgbClr val="000000">
+                <a:alpha val="70000"/>
+              </a:srgbClr>
+            </a:outerShdw>
+          </a:effectLst>
+        </p:spPr>
+      </p:pic>
+      <p:pic>
+        <p:nvPicPr>
+          <p:cNvPr id="8" name="Image 7" descr="http://www.mobilidee.ch/images/logo_noctambus.png"/>
+          <p:cNvPicPr/>
+          <p:nvPr userDrawn="1"/>
+        </p:nvPicPr>
+        <p:blipFill>
+          <a:blip r:embed="rId3">
+            <a:extLst>
+              <a:ext uri="{28A0092B-C50C-407E-A947-70E740481C1C}">
+                <a14:useLocalDpi xmlns:a14="http://schemas.microsoft.com/office/drawing/2010/main" val="0"/>
+              </a:ext>
+            </a:extLst>
+          </a:blip>
+          <a:srcRect/>
+          <a:stretch>
+            <a:fillRect/>
+          </a:stretch>
+        </p:blipFill>
+        <p:spPr bwMode="auto">
+          <a:xfrm>
+            <a:off x="10981622" y="6472541"/>
+            <a:ext cx="1210378" cy="385459"/>
+          </a:xfrm>
+          <a:prstGeom prst="rect">
+            <a:avLst/>
+          </a:prstGeom>
+          <a:ln>
+            <a:noFill/>
+          </a:ln>
+          <a:effectLst>
+            <a:outerShdw blurRad="190500" algn="tl" rotWithShape="0">
+              <a:srgbClr val="000000">
+                <a:alpha val="70000"/>
+              </a:srgbClr>
+            </a:outerShdw>
+          </a:effectLst>
+        </p:spPr>
+      </p:pic>
     </p:spTree>
   </p:cSld>
   <p:clrMapOvr>
@@ -3276,71 +3419,84 @@
           </a:p>
         </p:txBody>
       </p:sp>
-      <p:sp>
-        <p:nvSpPr>
-          <p:cNvPr id="4" name="Date Placeholder 3"/>
-          <p:cNvSpPr>
-            <a:spLocks noGrp="1"/>
-          </p:cNvSpPr>
-          <p:nvPr>
-            <p:ph type="dt" sz="half" idx="10"/>
-          </p:nvPr>
-        </p:nvSpPr>
-        <p:spPr/>
-        <p:txBody>
-          <a:bodyPr/>
-          <a:lstStyle/>
-          <a:p>
-            <a:fld id="{4509A250-FF31-4206-8172-F9D3106AACB1}" type="datetimeFigureOut">
-              <a:rPr lang="en-US" dirty="0"/>
-              <a:t>10/26/2015</a:t>
-            </a:fld>
-            <a:endParaRPr lang="en-US" dirty="0"/>
-          </a:p>
-        </p:txBody>
-      </p:sp>
-      <p:sp>
-        <p:nvSpPr>
-          <p:cNvPr id="5" name="Footer Placeholder 4"/>
-          <p:cNvSpPr>
-            <a:spLocks noGrp="1"/>
-          </p:cNvSpPr>
-          <p:nvPr>
-            <p:ph type="ftr" sz="quarter" idx="11"/>
-          </p:nvPr>
-        </p:nvSpPr>
-        <p:spPr/>
-        <p:txBody>
-          <a:bodyPr/>
-          <a:lstStyle/>
-          <a:p>
-            <a:endParaRPr lang="en-US" dirty="0"/>
-          </a:p>
-        </p:txBody>
-      </p:sp>
-      <p:sp>
-        <p:nvSpPr>
-          <p:cNvPr id="6" name="Slide Number Placeholder 5"/>
-          <p:cNvSpPr>
-            <a:spLocks noGrp="1"/>
-          </p:cNvSpPr>
-          <p:nvPr>
-            <p:ph type="sldNum" sz="quarter" idx="12"/>
-          </p:nvPr>
-        </p:nvSpPr>
-        <p:spPr/>
-        <p:txBody>
-          <a:bodyPr/>
-          <a:lstStyle/>
-          <a:p>
-            <a:fld id="{D57F1E4F-1CFF-5643-939E-02111984F565}" type="slidenum">
-              <a:rPr lang="en-US" dirty="0"/>
-              <a:t>‹N°›</a:t>
-            </a:fld>
-            <a:endParaRPr lang="en-US" dirty="0"/>
-          </a:p>
-        </p:txBody>
-      </p:sp>
+      <p:pic>
+        <p:nvPicPr>
+          <p:cNvPr id="7" name="Image 6" descr="http://www.hesge.ch/heg/sites/all/themes/heg/images/logo.png"/>
+          <p:cNvPicPr/>
+          <p:nvPr userDrawn="1"/>
+        </p:nvPicPr>
+        <p:blipFill>
+          <a:blip r:embed="rId2">
+            <a:extLst>
+              <a:ext uri="{28A0092B-C50C-407E-A947-70E740481C1C}">
+                <a14:useLocalDpi xmlns:a14="http://schemas.microsoft.com/office/drawing/2010/main" val="0"/>
+              </a:ext>
+            </a:extLst>
+          </a:blip>
+          <a:srcRect/>
+          <a:stretch>
+            <a:fillRect/>
+          </a:stretch>
+        </p:blipFill>
+        <p:spPr bwMode="auto">
+          <a:xfrm>
+            <a:off x="9320338" y="6448069"/>
+            <a:ext cx="1459030" cy="409931"/>
+          </a:xfrm>
+          <a:prstGeom prst="rect">
+            <a:avLst/>
+          </a:prstGeom>
+          <a:ln>
+            <a:noFill/>
+          </a:ln>
+          <a:effectLst>
+            <a:outerShdw blurRad="190500" algn="tl" rotWithShape="0">
+              <a:srgbClr val="000000">
+                <a:alpha val="70000"/>
+              </a:srgbClr>
+            </a:outerShdw>
+          </a:effectLst>
+        </p:spPr>
+      </p:pic>
+      <p:pic>
+        <p:nvPicPr>
+          <p:cNvPr id="8" name="Image 7" descr="http://www.mobilidee.ch/images/logo_noctambus.png"/>
+          <p:cNvPicPr/>
+          <p:nvPr userDrawn="1"/>
+        </p:nvPicPr>
+        <p:blipFill>
+          <a:blip r:embed="rId3">
+            <a:extLst>
+              <a:ext uri="{28A0092B-C50C-407E-A947-70E740481C1C}">
+                <a14:useLocalDpi xmlns:a14="http://schemas.microsoft.com/office/drawing/2010/main" val="0"/>
+              </a:ext>
+            </a:extLst>
+          </a:blip>
+          <a:srcRect/>
+          <a:stretch>
+            <a:fillRect/>
+          </a:stretch>
+        </p:blipFill>
+        <p:spPr bwMode="auto">
+          <a:xfrm>
+            <a:off x="10981622" y="6472541"/>
+            <a:ext cx="1210378" cy="385459"/>
+          </a:xfrm>
+          <a:prstGeom prst="rect">
+            <a:avLst/>
+          </a:prstGeom>
+          <a:ln>
+            <a:noFill/>
+          </a:ln>
+          <a:effectLst>
+            <a:outerShdw blurRad="190500" algn="tl" rotWithShape="0">
+              <a:srgbClr val="000000">
+                <a:alpha val="70000"/>
+              </a:srgbClr>
+            </a:outerShdw>
+          </a:effectLst>
+        </p:spPr>
+      </p:pic>
     </p:spTree>
   </p:cSld>
   <p:clrMapOvr>
@@ -3515,71 +3671,84 @@
           </a:p>
         </p:txBody>
       </p:sp>
-      <p:sp>
-        <p:nvSpPr>
-          <p:cNvPr id="4" name="Date Placeholder 3"/>
-          <p:cNvSpPr>
-            <a:spLocks noGrp="1"/>
-          </p:cNvSpPr>
-          <p:nvPr>
-            <p:ph type="dt" sz="half" idx="10"/>
-          </p:nvPr>
-        </p:nvSpPr>
-        <p:spPr/>
-        <p:txBody>
-          <a:bodyPr/>
-          <a:lstStyle/>
-          <a:p>
-            <a:fld id="{4509A250-FF31-4206-8172-F9D3106AACB1}" type="datetimeFigureOut">
-              <a:rPr lang="en-US" dirty="0"/>
-              <a:t>10/26/2015</a:t>
-            </a:fld>
-            <a:endParaRPr lang="en-US" dirty="0"/>
-          </a:p>
-        </p:txBody>
-      </p:sp>
-      <p:sp>
-        <p:nvSpPr>
-          <p:cNvPr id="5" name="Footer Placeholder 4"/>
-          <p:cNvSpPr>
-            <a:spLocks noGrp="1"/>
-          </p:cNvSpPr>
-          <p:nvPr>
-            <p:ph type="ftr" sz="quarter" idx="11"/>
-          </p:nvPr>
-        </p:nvSpPr>
-        <p:spPr/>
-        <p:txBody>
-          <a:bodyPr/>
-          <a:lstStyle/>
-          <a:p>
-            <a:endParaRPr lang="en-US" dirty="0"/>
-          </a:p>
-        </p:txBody>
-      </p:sp>
-      <p:sp>
-        <p:nvSpPr>
-          <p:cNvPr id="6" name="Slide Number Placeholder 5"/>
-          <p:cNvSpPr>
-            <a:spLocks noGrp="1"/>
-          </p:cNvSpPr>
-          <p:nvPr>
-            <p:ph type="sldNum" sz="quarter" idx="12"/>
-          </p:nvPr>
-        </p:nvSpPr>
-        <p:spPr/>
-        <p:txBody>
-          <a:bodyPr/>
-          <a:lstStyle/>
-          <a:p>
-            <a:fld id="{D57F1E4F-1CFF-5643-939E-02111984F565}" type="slidenum">
-              <a:rPr lang="en-US" dirty="0"/>
-              <a:t>‹N°›</a:t>
-            </a:fld>
-            <a:endParaRPr lang="en-US" dirty="0"/>
-          </a:p>
-        </p:txBody>
-      </p:sp>
+      <p:pic>
+        <p:nvPicPr>
+          <p:cNvPr id="7" name="Image 6" descr="http://www.hesge.ch/heg/sites/all/themes/heg/images/logo.png"/>
+          <p:cNvPicPr/>
+          <p:nvPr userDrawn="1"/>
+        </p:nvPicPr>
+        <p:blipFill>
+          <a:blip r:embed="rId2">
+            <a:extLst>
+              <a:ext uri="{28A0092B-C50C-407E-A947-70E740481C1C}">
+                <a14:useLocalDpi xmlns:a14="http://schemas.microsoft.com/office/drawing/2010/main" val="0"/>
+              </a:ext>
+            </a:extLst>
+          </a:blip>
+          <a:srcRect/>
+          <a:stretch>
+            <a:fillRect/>
+          </a:stretch>
+        </p:blipFill>
+        <p:spPr bwMode="auto">
+          <a:xfrm>
+            <a:off x="9320338" y="6448069"/>
+            <a:ext cx="1459030" cy="409931"/>
+          </a:xfrm>
+          <a:prstGeom prst="rect">
+            <a:avLst/>
+          </a:prstGeom>
+          <a:ln>
+            <a:noFill/>
+          </a:ln>
+          <a:effectLst>
+            <a:outerShdw blurRad="190500" algn="tl" rotWithShape="0">
+              <a:srgbClr val="000000">
+                <a:alpha val="70000"/>
+              </a:srgbClr>
+            </a:outerShdw>
+          </a:effectLst>
+        </p:spPr>
+      </p:pic>
+      <p:pic>
+        <p:nvPicPr>
+          <p:cNvPr id="8" name="Image 7" descr="http://www.mobilidee.ch/images/logo_noctambus.png"/>
+          <p:cNvPicPr/>
+          <p:nvPr userDrawn="1"/>
+        </p:nvPicPr>
+        <p:blipFill>
+          <a:blip r:embed="rId3">
+            <a:extLst>
+              <a:ext uri="{28A0092B-C50C-407E-A947-70E740481C1C}">
+                <a14:useLocalDpi xmlns:a14="http://schemas.microsoft.com/office/drawing/2010/main" val="0"/>
+              </a:ext>
+            </a:extLst>
+          </a:blip>
+          <a:srcRect/>
+          <a:stretch>
+            <a:fillRect/>
+          </a:stretch>
+        </p:blipFill>
+        <p:spPr bwMode="auto">
+          <a:xfrm>
+            <a:off x="10981622" y="6472541"/>
+            <a:ext cx="1210378" cy="385459"/>
+          </a:xfrm>
+          <a:prstGeom prst="rect">
+            <a:avLst/>
+          </a:prstGeom>
+          <a:ln>
+            <a:noFill/>
+          </a:ln>
+          <a:effectLst>
+            <a:outerShdw blurRad="190500" algn="tl" rotWithShape="0">
+              <a:srgbClr val="000000">
+                <a:alpha val="70000"/>
+              </a:srgbClr>
+            </a:outerShdw>
+          </a:effectLst>
+        </p:spPr>
+      </p:pic>
     </p:spTree>
   </p:cSld>
   <p:clrMapOvr>
@@ -3802,71 +3971,84 @@
           </a:p>
         </p:txBody>
       </p:sp>
-      <p:sp>
-        <p:nvSpPr>
-          <p:cNvPr id="5" name="Date Placeholder 4"/>
-          <p:cNvSpPr>
-            <a:spLocks noGrp="1"/>
-          </p:cNvSpPr>
-          <p:nvPr>
-            <p:ph type="dt" sz="half" idx="10"/>
-          </p:nvPr>
-        </p:nvSpPr>
-        <p:spPr/>
-        <p:txBody>
-          <a:bodyPr/>
-          <a:lstStyle/>
-          <a:p>
-            <a:fld id="{4509A250-FF31-4206-8172-F9D3106AACB1}" type="datetimeFigureOut">
-              <a:rPr lang="en-US" dirty="0"/>
-              <a:t>10/26/2015</a:t>
-            </a:fld>
-            <a:endParaRPr lang="en-US" dirty="0"/>
-          </a:p>
-        </p:txBody>
-      </p:sp>
-      <p:sp>
-        <p:nvSpPr>
-          <p:cNvPr id="6" name="Footer Placeholder 5"/>
-          <p:cNvSpPr>
-            <a:spLocks noGrp="1"/>
-          </p:cNvSpPr>
-          <p:nvPr>
-            <p:ph type="ftr" sz="quarter" idx="11"/>
-          </p:nvPr>
-        </p:nvSpPr>
-        <p:spPr/>
-        <p:txBody>
-          <a:bodyPr/>
-          <a:lstStyle/>
-          <a:p>
-            <a:endParaRPr lang="en-US" dirty="0"/>
-          </a:p>
-        </p:txBody>
-      </p:sp>
-      <p:sp>
-        <p:nvSpPr>
-          <p:cNvPr id="7" name="Slide Number Placeholder 6"/>
-          <p:cNvSpPr>
-            <a:spLocks noGrp="1"/>
-          </p:cNvSpPr>
-          <p:nvPr>
-            <p:ph type="sldNum" sz="quarter" idx="12"/>
-          </p:nvPr>
-        </p:nvSpPr>
-        <p:spPr/>
-        <p:txBody>
-          <a:bodyPr/>
-          <a:lstStyle/>
-          <a:p>
-            <a:fld id="{D57F1E4F-1CFF-5643-939E-02111984F565}" type="slidenum">
-              <a:rPr lang="en-US" dirty="0"/>
-              <a:t>‹N°›</a:t>
-            </a:fld>
-            <a:endParaRPr lang="en-US" dirty="0"/>
-          </a:p>
-        </p:txBody>
-      </p:sp>
+      <p:pic>
+        <p:nvPicPr>
+          <p:cNvPr id="8" name="Image 7" descr="http://www.hesge.ch/heg/sites/all/themes/heg/images/logo.png"/>
+          <p:cNvPicPr/>
+          <p:nvPr userDrawn="1"/>
+        </p:nvPicPr>
+        <p:blipFill>
+          <a:blip r:embed="rId2">
+            <a:extLst>
+              <a:ext uri="{28A0092B-C50C-407E-A947-70E740481C1C}">
+                <a14:useLocalDpi xmlns:a14="http://schemas.microsoft.com/office/drawing/2010/main" val="0"/>
+              </a:ext>
+            </a:extLst>
+          </a:blip>
+          <a:srcRect/>
+          <a:stretch>
+            <a:fillRect/>
+          </a:stretch>
+        </p:blipFill>
+        <p:spPr bwMode="auto">
+          <a:xfrm>
+            <a:off x="9320338" y="6448069"/>
+            <a:ext cx="1459030" cy="409931"/>
+          </a:xfrm>
+          <a:prstGeom prst="rect">
+            <a:avLst/>
+          </a:prstGeom>
+          <a:ln>
+            <a:noFill/>
+          </a:ln>
+          <a:effectLst>
+            <a:outerShdw blurRad="190500" algn="tl" rotWithShape="0">
+              <a:srgbClr val="000000">
+                <a:alpha val="70000"/>
+              </a:srgbClr>
+            </a:outerShdw>
+          </a:effectLst>
+        </p:spPr>
+      </p:pic>
+      <p:pic>
+        <p:nvPicPr>
+          <p:cNvPr id="9" name="Image 8" descr="http://www.mobilidee.ch/images/logo_noctambus.png"/>
+          <p:cNvPicPr/>
+          <p:nvPr userDrawn="1"/>
+        </p:nvPicPr>
+        <p:blipFill>
+          <a:blip r:embed="rId3">
+            <a:extLst>
+              <a:ext uri="{28A0092B-C50C-407E-A947-70E740481C1C}">
+                <a14:useLocalDpi xmlns:a14="http://schemas.microsoft.com/office/drawing/2010/main" val="0"/>
+              </a:ext>
+            </a:extLst>
+          </a:blip>
+          <a:srcRect/>
+          <a:stretch>
+            <a:fillRect/>
+          </a:stretch>
+        </p:blipFill>
+        <p:spPr bwMode="auto">
+          <a:xfrm>
+            <a:off x="10981622" y="6472541"/>
+            <a:ext cx="1210378" cy="385459"/>
+          </a:xfrm>
+          <a:prstGeom prst="rect">
+            <a:avLst/>
+          </a:prstGeom>
+          <a:ln>
+            <a:noFill/>
+          </a:ln>
+          <a:effectLst>
+            <a:outerShdw blurRad="190500" algn="tl" rotWithShape="0">
+              <a:srgbClr val="000000">
+                <a:alpha val="70000"/>
+              </a:srgbClr>
+            </a:outerShdw>
+          </a:effectLst>
+        </p:spPr>
+      </p:pic>
     </p:spTree>
   </p:cSld>
   <p:clrMapOvr>
@@ -4235,71 +4417,84 @@
           </a:p>
         </p:txBody>
       </p:sp>
-      <p:sp>
-        <p:nvSpPr>
-          <p:cNvPr id="7" name="Date Placeholder 6"/>
-          <p:cNvSpPr>
-            <a:spLocks noGrp="1"/>
-          </p:cNvSpPr>
-          <p:nvPr>
-            <p:ph type="dt" sz="half" idx="10"/>
-          </p:nvPr>
-        </p:nvSpPr>
-        <p:spPr/>
-        <p:txBody>
-          <a:bodyPr/>
-          <a:lstStyle/>
-          <a:p>
-            <a:fld id="{4509A250-FF31-4206-8172-F9D3106AACB1}" type="datetimeFigureOut">
-              <a:rPr lang="en-US" dirty="0"/>
-              <a:t>10/26/2015</a:t>
-            </a:fld>
-            <a:endParaRPr lang="en-US" dirty="0"/>
-          </a:p>
-        </p:txBody>
-      </p:sp>
-      <p:sp>
-        <p:nvSpPr>
-          <p:cNvPr id="8" name="Footer Placeholder 7"/>
-          <p:cNvSpPr>
-            <a:spLocks noGrp="1"/>
-          </p:cNvSpPr>
-          <p:nvPr>
-            <p:ph type="ftr" sz="quarter" idx="11"/>
-          </p:nvPr>
-        </p:nvSpPr>
-        <p:spPr/>
-        <p:txBody>
-          <a:bodyPr/>
-          <a:lstStyle/>
-          <a:p>
-            <a:endParaRPr lang="en-US" dirty="0"/>
-          </a:p>
-        </p:txBody>
-      </p:sp>
-      <p:sp>
-        <p:nvSpPr>
-          <p:cNvPr id="9" name="Slide Number Placeholder 8"/>
-          <p:cNvSpPr>
-            <a:spLocks noGrp="1"/>
-          </p:cNvSpPr>
-          <p:nvPr>
-            <p:ph type="sldNum" sz="quarter" idx="12"/>
-          </p:nvPr>
-        </p:nvSpPr>
-        <p:spPr/>
-        <p:txBody>
-          <a:bodyPr/>
-          <a:lstStyle/>
-          <a:p>
-            <a:fld id="{D57F1E4F-1CFF-5643-939E-02111984F565}" type="slidenum">
-              <a:rPr lang="en-US" dirty="0"/>
-              <a:t>‹N°›</a:t>
-            </a:fld>
-            <a:endParaRPr lang="en-US" dirty="0"/>
-          </a:p>
-        </p:txBody>
-      </p:sp>
+      <p:pic>
+        <p:nvPicPr>
+          <p:cNvPr id="10" name="Image 9" descr="http://www.hesge.ch/heg/sites/all/themes/heg/images/logo.png"/>
+          <p:cNvPicPr/>
+          <p:nvPr userDrawn="1"/>
+        </p:nvPicPr>
+        <p:blipFill>
+          <a:blip r:embed="rId2">
+            <a:extLst>
+              <a:ext uri="{28A0092B-C50C-407E-A947-70E740481C1C}">
+                <a14:useLocalDpi xmlns:a14="http://schemas.microsoft.com/office/drawing/2010/main" val="0"/>
+              </a:ext>
+            </a:extLst>
+          </a:blip>
+          <a:srcRect/>
+          <a:stretch>
+            <a:fillRect/>
+          </a:stretch>
+        </p:blipFill>
+        <p:spPr bwMode="auto">
+          <a:xfrm>
+            <a:off x="9320338" y="6448069"/>
+            <a:ext cx="1459030" cy="409931"/>
+          </a:xfrm>
+          <a:prstGeom prst="rect">
+            <a:avLst/>
+          </a:prstGeom>
+          <a:ln>
+            <a:noFill/>
+          </a:ln>
+          <a:effectLst>
+            <a:outerShdw blurRad="190500" algn="tl" rotWithShape="0">
+              <a:srgbClr val="000000">
+                <a:alpha val="70000"/>
+              </a:srgbClr>
+            </a:outerShdw>
+          </a:effectLst>
+        </p:spPr>
+      </p:pic>
+      <p:pic>
+        <p:nvPicPr>
+          <p:cNvPr id="11" name="Image 10" descr="http://www.mobilidee.ch/images/logo_noctambus.png"/>
+          <p:cNvPicPr/>
+          <p:nvPr userDrawn="1"/>
+        </p:nvPicPr>
+        <p:blipFill>
+          <a:blip r:embed="rId3">
+            <a:extLst>
+              <a:ext uri="{28A0092B-C50C-407E-A947-70E740481C1C}">
+                <a14:useLocalDpi xmlns:a14="http://schemas.microsoft.com/office/drawing/2010/main" val="0"/>
+              </a:ext>
+            </a:extLst>
+          </a:blip>
+          <a:srcRect/>
+          <a:stretch>
+            <a:fillRect/>
+          </a:stretch>
+        </p:blipFill>
+        <p:spPr bwMode="auto">
+          <a:xfrm>
+            <a:off x="10981622" y="6472541"/>
+            <a:ext cx="1210378" cy="385459"/>
+          </a:xfrm>
+          <a:prstGeom prst="rect">
+            <a:avLst/>
+          </a:prstGeom>
+          <a:ln>
+            <a:noFill/>
+          </a:ln>
+          <a:effectLst>
+            <a:outerShdw blurRad="190500" algn="tl" rotWithShape="0">
+              <a:srgbClr val="000000">
+                <a:alpha val="70000"/>
+              </a:srgbClr>
+            </a:outerShdw>
+          </a:effectLst>
+        </p:spPr>
+      </p:pic>
     </p:spTree>
   </p:cSld>
   <p:clrMapOvr>
@@ -4348,71 +4543,84 @@
           </a:p>
         </p:txBody>
       </p:sp>
-      <p:sp>
-        <p:nvSpPr>
-          <p:cNvPr id="7" name="Date Placeholder 2"/>
-          <p:cNvSpPr>
-            <a:spLocks noGrp="1"/>
-          </p:cNvSpPr>
-          <p:nvPr>
-            <p:ph type="dt" sz="half" idx="10"/>
-          </p:nvPr>
-        </p:nvSpPr>
-        <p:spPr/>
-        <p:txBody>
-          <a:bodyPr/>
-          <a:lstStyle/>
-          <a:p>
-            <a:fld id="{4509A250-FF31-4206-8172-F9D3106AACB1}" type="datetimeFigureOut">
-              <a:rPr lang="en-US" dirty="0"/>
-              <a:t>10/26/2015</a:t>
-            </a:fld>
-            <a:endParaRPr lang="en-US" dirty="0"/>
-          </a:p>
-        </p:txBody>
-      </p:sp>
-      <p:sp>
-        <p:nvSpPr>
-          <p:cNvPr id="5" name="Footer Placeholder 3"/>
-          <p:cNvSpPr>
-            <a:spLocks noGrp="1"/>
-          </p:cNvSpPr>
-          <p:nvPr>
-            <p:ph type="ftr" sz="quarter" idx="11"/>
-          </p:nvPr>
-        </p:nvSpPr>
-        <p:spPr/>
-        <p:txBody>
-          <a:bodyPr/>
-          <a:lstStyle/>
-          <a:p>
-            <a:endParaRPr lang="en-US" dirty="0"/>
-          </a:p>
-        </p:txBody>
-      </p:sp>
-      <p:sp>
-        <p:nvSpPr>
-          <p:cNvPr id="6" name="Slide Number Placeholder 4"/>
-          <p:cNvSpPr>
-            <a:spLocks noGrp="1"/>
-          </p:cNvSpPr>
-          <p:nvPr>
-            <p:ph type="sldNum" sz="quarter" idx="12"/>
-          </p:nvPr>
-        </p:nvSpPr>
-        <p:spPr/>
-        <p:txBody>
-          <a:bodyPr/>
-          <a:lstStyle/>
-          <a:p>
-            <a:fld id="{D57F1E4F-1CFF-5643-939E-02111984F565}" type="slidenum">
-              <a:rPr lang="en-US" dirty="0"/>
-              <a:t>‹N°›</a:t>
-            </a:fld>
-            <a:endParaRPr lang="en-US" dirty="0"/>
-          </a:p>
-        </p:txBody>
-      </p:sp>
+      <p:pic>
+        <p:nvPicPr>
+          <p:cNvPr id="8" name="Image 7" descr="http://www.hesge.ch/heg/sites/all/themes/heg/images/logo.png"/>
+          <p:cNvPicPr/>
+          <p:nvPr userDrawn="1"/>
+        </p:nvPicPr>
+        <p:blipFill>
+          <a:blip r:embed="rId2">
+            <a:extLst>
+              <a:ext uri="{28A0092B-C50C-407E-A947-70E740481C1C}">
+                <a14:useLocalDpi xmlns:a14="http://schemas.microsoft.com/office/drawing/2010/main" val="0"/>
+              </a:ext>
+            </a:extLst>
+          </a:blip>
+          <a:srcRect/>
+          <a:stretch>
+            <a:fillRect/>
+          </a:stretch>
+        </p:blipFill>
+        <p:spPr bwMode="auto">
+          <a:xfrm>
+            <a:off x="9320338" y="6448069"/>
+            <a:ext cx="1459030" cy="409931"/>
+          </a:xfrm>
+          <a:prstGeom prst="rect">
+            <a:avLst/>
+          </a:prstGeom>
+          <a:ln>
+            <a:noFill/>
+          </a:ln>
+          <a:effectLst>
+            <a:outerShdw blurRad="190500" algn="tl" rotWithShape="0">
+              <a:srgbClr val="000000">
+                <a:alpha val="70000"/>
+              </a:srgbClr>
+            </a:outerShdw>
+          </a:effectLst>
+        </p:spPr>
+      </p:pic>
+      <p:pic>
+        <p:nvPicPr>
+          <p:cNvPr id="9" name="Image 8" descr="http://www.mobilidee.ch/images/logo_noctambus.png"/>
+          <p:cNvPicPr/>
+          <p:nvPr userDrawn="1"/>
+        </p:nvPicPr>
+        <p:blipFill>
+          <a:blip r:embed="rId3">
+            <a:extLst>
+              <a:ext uri="{28A0092B-C50C-407E-A947-70E740481C1C}">
+                <a14:useLocalDpi xmlns:a14="http://schemas.microsoft.com/office/drawing/2010/main" val="0"/>
+              </a:ext>
+            </a:extLst>
+          </a:blip>
+          <a:srcRect/>
+          <a:stretch>
+            <a:fillRect/>
+          </a:stretch>
+        </p:blipFill>
+        <p:spPr bwMode="auto">
+          <a:xfrm>
+            <a:off x="10981622" y="6472541"/>
+            <a:ext cx="1210378" cy="385459"/>
+          </a:xfrm>
+          <a:prstGeom prst="rect">
+            <a:avLst/>
+          </a:prstGeom>
+          <a:ln>
+            <a:noFill/>
+          </a:ln>
+          <a:effectLst>
+            <a:outerShdw blurRad="190500" algn="tl" rotWithShape="0">
+              <a:srgbClr val="000000">
+                <a:alpha val="70000"/>
+              </a:srgbClr>
+            </a:outerShdw>
+          </a:effectLst>
+        </p:spPr>
+      </p:pic>
     </p:spTree>
   </p:cSld>
   <p:clrMapOvr>
@@ -4438,71 +4646,84 @@
           <a:chExt cx="0" cy="0"/>
         </a:xfrm>
       </p:grpSpPr>
-      <p:sp>
-        <p:nvSpPr>
-          <p:cNvPr id="7" name="Date Placeholder 1"/>
-          <p:cNvSpPr>
-            <a:spLocks noGrp="1"/>
-          </p:cNvSpPr>
-          <p:nvPr>
-            <p:ph type="dt" sz="half" idx="10"/>
-          </p:nvPr>
-        </p:nvSpPr>
-        <p:spPr/>
-        <p:txBody>
-          <a:bodyPr/>
-          <a:lstStyle/>
-          <a:p>
-            <a:fld id="{4509A250-FF31-4206-8172-F9D3106AACB1}" type="datetimeFigureOut">
-              <a:rPr lang="en-US" dirty="0"/>
-              <a:t>10/26/2015</a:t>
-            </a:fld>
-            <a:endParaRPr lang="en-US" dirty="0"/>
-          </a:p>
-        </p:txBody>
-      </p:sp>
-      <p:sp>
-        <p:nvSpPr>
-          <p:cNvPr id="5" name="Footer Placeholder 2"/>
-          <p:cNvSpPr>
-            <a:spLocks noGrp="1"/>
-          </p:cNvSpPr>
-          <p:nvPr>
-            <p:ph type="ftr" sz="quarter" idx="11"/>
-          </p:nvPr>
-        </p:nvSpPr>
-        <p:spPr/>
-        <p:txBody>
-          <a:bodyPr/>
-          <a:lstStyle/>
-          <a:p>
-            <a:endParaRPr lang="en-US" dirty="0"/>
-          </a:p>
-        </p:txBody>
-      </p:sp>
-      <p:sp>
-        <p:nvSpPr>
-          <p:cNvPr id="6" name="Slide Number Placeholder 3"/>
-          <p:cNvSpPr>
-            <a:spLocks noGrp="1"/>
-          </p:cNvSpPr>
-          <p:nvPr>
-            <p:ph type="sldNum" sz="quarter" idx="12"/>
-          </p:nvPr>
-        </p:nvSpPr>
-        <p:spPr/>
-        <p:txBody>
-          <a:bodyPr/>
-          <a:lstStyle/>
-          <a:p>
-            <a:fld id="{D57F1E4F-1CFF-5643-939E-02111984F565}" type="slidenum">
-              <a:rPr lang="en-US" dirty="0"/>
-              <a:t>‹N°›</a:t>
-            </a:fld>
-            <a:endParaRPr lang="en-US" dirty="0"/>
-          </a:p>
-        </p:txBody>
-      </p:sp>
+      <p:pic>
+        <p:nvPicPr>
+          <p:cNvPr id="8" name="Image 7" descr="http://www.hesge.ch/heg/sites/all/themes/heg/images/logo.png"/>
+          <p:cNvPicPr/>
+          <p:nvPr userDrawn="1"/>
+        </p:nvPicPr>
+        <p:blipFill>
+          <a:blip r:embed="rId2">
+            <a:extLst>
+              <a:ext uri="{28A0092B-C50C-407E-A947-70E740481C1C}">
+                <a14:useLocalDpi xmlns:a14="http://schemas.microsoft.com/office/drawing/2010/main" val="0"/>
+              </a:ext>
+            </a:extLst>
+          </a:blip>
+          <a:srcRect/>
+          <a:stretch>
+            <a:fillRect/>
+          </a:stretch>
+        </p:blipFill>
+        <p:spPr bwMode="auto">
+          <a:xfrm>
+            <a:off x="9320338" y="6448069"/>
+            <a:ext cx="1459030" cy="409931"/>
+          </a:xfrm>
+          <a:prstGeom prst="rect">
+            <a:avLst/>
+          </a:prstGeom>
+          <a:ln>
+            <a:noFill/>
+          </a:ln>
+          <a:effectLst>
+            <a:outerShdw blurRad="190500" algn="tl" rotWithShape="0">
+              <a:srgbClr val="000000">
+                <a:alpha val="70000"/>
+              </a:srgbClr>
+            </a:outerShdw>
+          </a:effectLst>
+        </p:spPr>
+      </p:pic>
+      <p:pic>
+        <p:nvPicPr>
+          <p:cNvPr id="9" name="Image 8" descr="http://www.mobilidee.ch/images/logo_noctambus.png"/>
+          <p:cNvPicPr/>
+          <p:nvPr userDrawn="1"/>
+        </p:nvPicPr>
+        <p:blipFill>
+          <a:blip r:embed="rId3">
+            <a:extLst>
+              <a:ext uri="{28A0092B-C50C-407E-A947-70E740481C1C}">
+                <a14:useLocalDpi xmlns:a14="http://schemas.microsoft.com/office/drawing/2010/main" val="0"/>
+              </a:ext>
+            </a:extLst>
+          </a:blip>
+          <a:srcRect/>
+          <a:stretch>
+            <a:fillRect/>
+          </a:stretch>
+        </p:blipFill>
+        <p:spPr bwMode="auto">
+          <a:xfrm>
+            <a:off x="10981622" y="6472541"/>
+            <a:ext cx="1210378" cy="385459"/>
+          </a:xfrm>
+          <a:prstGeom prst="rect">
+            <a:avLst/>
+          </a:prstGeom>
+          <a:ln>
+            <a:noFill/>
+          </a:ln>
+          <a:effectLst>
+            <a:outerShdw blurRad="190500" algn="tl" rotWithShape="0">
+              <a:srgbClr val="000000">
+                <a:alpha val="70000"/>
+              </a:srgbClr>
+            </a:outerShdw>
+          </a:effectLst>
+        </p:spPr>
+      </p:pic>
     </p:spTree>
   </p:cSld>
   <p:clrMapOvr>
@@ -4712,71 +4933,84 @@
           </a:p>
         </p:txBody>
       </p:sp>
-      <p:sp>
-        <p:nvSpPr>
-          <p:cNvPr id="7" name="Date Placeholder 4"/>
-          <p:cNvSpPr>
-            <a:spLocks noGrp="1"/>
-          </p:cNvSpPr>
-          <p:nvPr>
-            <p:ph type="dt" sz="half" idx="10"/>
-          </p:nvPr>
-        </p:nvSpPr>
-        <p:spPr/>
-        <p:txBody>
-          <a:bodyPr/>
-          <a:lstStyle/>
-          <a:p>
-            <a:fld id="{4509A250-FF31-4206-8172-F9D3106AACB1}" type="datetimeFigureOut">
-              <a:rPr lang="en-US" dirty="0"/>
-              <a:t>10/26/2015</a:t>
-            </a:fld>
-            <a:endParaRPr lang="en-US" dirty="0"/>
-          </a:p>
-        </p:txBody>
-      </p:sp>
-      <p:sp>
-        <p:nvSpPr>
-          <p:cNvPr id="5" name="Footer Placeholder 5"/>
-          <p:cNvSpPr>
-            <a:spLocks noGrp="1"/>
-          </p:cNvSpPr>
-          <p:nvPr>
-            <p:ph type="ftr" sz="quarter" idx="11"/>
-          </p:nvPr>
-        </p:nvSpPr>
-        <p:spPr/>
-        <p:txBody>
-          <a:bodyPr/>
-          <a:lstStyle/>
-          <a:p>
-            <a:endParaRPr lang="en-US" dirty="0"/>
-          </a:p>
-        </p:txBody>
-      </p:sp>
-      <p:sp>
-        <p:nvSpPr>
-          <p:cNvPr id="6" name="Slide Number Placeholder 6"/>
-          <p:cNvSpPr>
-            <a:spLocks noGrp="1"/>
-          </p:cNvSpPr>
-          <p:nvPr>
-            <p:ph type="sldNum" sz="quarter" idx="12"/>
-          </p:nvPr>
-        </p:nvSpPr>
-        <p:spPr/>
-        <p:txBody>
-          <a:bodyPr/>
-          <a:lstStyle/>
-          <a:p>
-            <a:fld id="{D57F1E4F-1CFF-5643-939E-02111984F565}" type="slidenum">
-              <a:rPr lang="en-US" dirty="0"/>
-              <a:t>‹N°›</a:t>
-            </a:fld>
-            <a:endParaRPr lang="en-US" dirty="0"/>
-          </a:p>
-        </p:txBody>
-      </p:sp>
+      <p:pic>
+        <p:nvPicPr>
+          <p:cNvPr id="8" name="Image 7" descr="http://www.hesge.ch/heg/sites/all/themes/heg/images/logo.png"/>
+          <p:cNvPicPr/>
+          <p:nvPr userDrawn="1"/>
+        </p:nvPicPr>
+        <p:blipFill>
+          <a:blip r:embed="rId2">
+            <a:extLst>
+              <a:ext uri="{28A0092B-C50C-407E-A947-70E740481C1C}">
+                <a14:useLocalDpi xmlns:a14="http://schemas.microsoft.com/office/drawing/2010/main" val="0"/>
+              </a:ext>
+            </a:extLst>
+          </a:blip>
+          <a:srcRect/>
+          <a:stretch>
+            <a:fillRect/>
+          </a:stretch>
+        </p:blipFill>
+        <p:spPr bwMode="auto">
+          <a:xfrm>
+            <a:off x="9320338" y="6448069"/>
+            <a:ext cx="1459030" cy="409931"/>
+          </a:xfrm>
+          <a:prstGeom prst="rect">
+            <a:avLst/>
+          </a:prstGeom>
+          <a:ln>
+            <a:noFill/>
+          </a:ln>
+          <a:effectLst>
+            <a:outerShdw blurRad="190500" algn="tl" rotWithShape="0">
+              <a:srgbClr val="000000">
+                <a:alpha val="70000"/>
+              </a:srgbClr>
+            </a:outerShdw>
+          </a:effectLst>
+        </p:spPr>
+      </p:pic>
+      <p:pic>
+        <p:nvPicPr>
+          <p:cNvPr id="9" name="Image 8" descr="http://www.mobilidee.ch/images/logo_noctambus.png"/>
+          <p:cNvPicPr/>
+          <p:nvPr userDrawn="1"/>
+        </p:nvPicPr>
+        <p:blipFill>
+          <a:blip r:embed="rId3">
+            <a:extLst>
+              <a:ext uri="{28A0092B-C50C-407E-A947-70E740481C1C}">
+                <a14:useLocalDpi xmlns:a14="http://schemas.microsoft.com/office/drawing/2010/main" val="0"/>
+              </a:ext>
+            </a:extLst>
+          </a:blip>
+          <a:srcRect/>
+          <a:stretch>
+            <a:fillRect/>
+          </a:stretch>
+        </p:blipFill>
+        <p:spPr bwMode="auto">
+          <a:xfrm>
+            <a:off x="10981622" y="6472541"/>
+            <a:ext cx="1210378" cy="385459"/>
+          </a:xfrm>
+          <a:prstGeom prst="rect">
+            <a:avLst/>
+          </a:prstGeom>
+          <a:ln>
+            <a:noFill/>
+          </a:ln>
+          <a:effectLst>
+            <a:outerShdw blurRad="190500" algn="tl" rotWithShape="0">
+              <a:srgbClr val="000000">
+                <a:alpha val="70000"/>
+              </a:srgbClr>
+            </a:outerShdw>
+          </a:effectLst>
+        </p:spPr>
+      </p:pic>
     </p:spTree>
   </p:cSld>
   <p:clrMapOvr>
@@ -4982,71 +5216,84 @@
           </a:p>
         </p:txBody>
       </p:sp>
-      <p:sp>
-        <p:nvSpPr>
-          <p:cNvPr id="5" name="Date Placeholder 4"/>
-          <p:cNvSpPr>
-            <a:spLocks noGrp="1"/>
-          </p:cNvSpPr>
-          <p:nvPr>
-            <p:ph type="dt" sz="half" idx="10"/>
-          </p:nvPr>
-        </p:nvSpPr>
-        <p:spPr/>
-        <p:txBody>
-          <a:bodyPr/>
-          <a:lstStyle/>
-          <a:p>
-            <a:fld id="{4509A250-FF31-4206-8172-F9D3106AACB1}" type="datetimeFigureOut">
-              <a:rPr lang="en-US" dirty="0"/>
-              <a:t>10/26/2015</a:t>
-            </a:fld>
-            <a:endParaRPr lang="en-US" dirty="0"/>
-          </a:p>
-        </p:txBody>
-      </p:sp>
-      <p:sp>
-        <p:nvSpPr>
-          <p:cNvPr id="6" name="Footer Placeholder 5"/>
-          <p:cNvSpPr>
-            <a:spLocks noGrp="1"/>
-          </p:cNvSpPr>
-          <p:nvPr>
-            <p:ph type="ftr" sz="quarter" idx="11"/>
-          </p:nvPr>
-        </p:nvSpPr>
-        <p:spPr/>
-        <p:txBody>
-          <a:bodyPr/>
-          <a:lstStyle/>
-          <a:p>
-            <a:endParaRPr lang="en-US" dirty="0"/>
-          </a:p>
-        </p:txBody>
-      </p:sp>
-      <p:sp>
-        <p:nvSpPr>
-          <p:cNvPr id="7" name="Slide Number Placeholder 6"/>
-          <p:cNvSpPr>
-            <a:spLocks noGrp="1"/>
-          </p:cNvSpPr>
-          <p:nvPr>
-            <p:ph type="sldNum" sz="quarter" idx="12"/>
-          </p:nvPr>
-        </p:nvSpPr>
-        <p:spPr/>
-        <p:txBody>
-          <a:bodyPr/>
-          <a:lstStyle/>
-          <a:p>
-            <a:fld id="{D57F1E4F-1CFF-5643-939E-02111984F565}" type="slidenum">
-              <a:rPr lang="en-US" dirty="0"/>
-              <a:t>‹N°›</a:t>
-            </a:fld>
-            <a:endParaRPr lang="en-US" dirty="0"/>
-          </a:p>
-        </p:txBody>
-      </p:sp>
+      <p:pic>
+        <p:nvPicPr>
+          <p:cNvPr id="8" name="Image 7" descr="http://www.hesge.ch/heg/sites/all/themes/heg/images/logo.png"/>
+          <p:cNvPicPr/>
+          <p:nvPr userDrawn="1"/>
+        </p:nvPicPr>
+        <p:blipFill>
+          <a:blip r:embed="rId2">
+            <a:extLst>
+              <a:ext uri="{28A0092B-C50C-407E-A947-70E740481C1C}">
+                <a14:useLocalDpi xmlns:a14="http://schemas.microsoft.com/office/drawing/2010/main" val="0"/>
+              </a:ext>
+            </a:extLst>
+          </a:blip>
+          <a:srcRect/>
+          <a:stretch>
+            <a:fillRect/>
+          </a:stretch>
+        </p:blipFill>
+        <p:spPr bwMode="auto">
+          <a:xfrm>
+            <a:off x="9320338" y="6448069"/>
+            <a:ext cx="1459030" cy="409931"/>
+          </a:xfrm>
+          <a:prstGeom prst="rect">
+            <a:avLst/>
+          </a:prstGeom>
+          <a:ln>
+            <a:noFill/>
+          </a:ln>
+          <a:effectLst>
+            <a:outerShdw blurRad="190500" algn="tl" rotWithShape="0">
+              <a:srgbClr val="000000">
+                <a:alpha val="70000"/>
+              </a:srgbClr>
+            </a:outerShdw>
+          </a:effectLst>
+        </p:spPr>
+      </p:pic>
+      <p:pic>
+        <p:nvPicPr>
+          <p:cNvPr id="9" name="Image 8" descr="http://www.mobilidee.ch/images/logo_noctambus.png"/>
+          <p:cNvPicPr/>
+          <p:nvPr userDrawn="1"/>
+        </p:nvPicPr>
+        <p:blipFill>
+          <a:blip r:embed="rId3">
+            <a:extLst>
+              <a:ext uri="{28A0092B-C50C-407E-A947-70E740481C1C}">
+                <a14:useLocalDpi xmlns:a14="http://schemas.microsoft.com/office/drawing/2010/main" val="0"/>
+              </a:ext>
+            </a:extLst>
+          </a:blip>
+          <a:srcRect/>
+          <a:stretch>
+            <a:fillRect/>
+          </a:stretch>
+        </p:blipFill>
+        <p:spPr bwMode="auto">
+          <a:xfrm>
+            <a:off x="10981622" y="6472541"/>
+            <a:ext cx="1210378" cy="385459"/>
+          </a:xfrm>
+          <a:prstGeom prst="rect">
+            <a:avLst/>
+          </a:prstGeom>
+          <a:ln>
+            <a:noFill/>
+          </a:ln>
+          <a:effectLst>
+            <a:outerShdw blurRad="190500" algn="tl" rotWithShape="0">
+              <a:srgbClr val="000000">
+                <a:alpha val="70000"/>
+              </a:srgbClr>
+            </a:outerShdw>
+          </a:effectLst>
+        </p:spPr>
+      </p:pic>
     </p:spTree>
   </p:cSld>
   <p:clrMapOvr>
@@ -5423,7 +5670,7 @@
           <a:p>
             <a:fld id="{4509A250-FF31-4206-8172-F9D3106AACB1}" type="datetimeFigureOut">
               <a:rPr lang="en-US" dirty="0"/>
-              <a:t>10/26/2015</a:t>
+              <a:t>10/27/2015</a:t>
             </a:fld>
             <a:endParaRPr lang="en-US" dirty="0"/>
           </a:p>
@@ -5928,6 +6175,9 @@
           </p:cNvSpPr>
           <p:nvPr>
             <p:ph type="ctrTitle"/>
+            <p:custDataLst>
+              <p:tags r:id="rId1"/>
+            </p:custDataLst>
           </p:nvPr>
         </p:nvSpPr>
         <p:spPr/>
@@ -5951,6 +6201,9 @@
           </p:cNvSpPr>
           <p:nvPr>
             <p:ph type="subTitle" idx="1"/>
+            <p:custDataLst>
+              <p:tags r:id="rId2"/>
+            </p:custDataLst>
           </p:nvPr>
         </p:nvSpPr>
         <p:spPr/>
@@ -5966,94 +6219,3254 @@
           </a:p>
         </p:txBody>
       </p:sp>
-      <p:pic>
-        <p:nvPicPr>
-          <p:cNvPr id="4" name="Image 3" descr="http://www.mobilidee.ch/images/logo_noctambus.png"/>
-          <p:cNvPicPr/>
-          <p:nvPr/>
-        </p:nvPicPr>
-        <p:blipFill>
-          <a:blip r:embed="rId2">
-            <a:extLst>
-              <a:ext uri="{28A0092B-C50C-407E-A947-70E740481C1C}">
-                <a14:useLocalDpi xmlns:a14="http://schemas.microsoft.com/office/drawing/2010/main" val="0"/>
-              </a:ext>
-            </a:extLst>
-          </a:blip>
-          <a:srcRect/>
-          <a:stretch>
-            <a:fillRect/>
-          </a:stretch>
-        </p:blipFill>
-        <p:spPr bwMode="auto">
-          <a:xfrm>
-            <a:off x="1154954" y="523875"/>
-            <a:ext cx="2882473" cy="1206451"/>
-          </a:xfrm>
-          <a:prstGeom prst="rect">
-            <a:avLst/>
-          </a:prstGeom>
-          <a:ln>
-            <a:noFill/>
-          </a:ln>
-          <a:effectLst>
-            <a:outerShdw blurRad="190500" algn="tl" rotWithShape="0">
-              <a:srgbClr val="000000">
-                <a:alpha val="70000"/>
-              </a:srgbClr>
-            </a:outerShdw>
-          </a:effectLst>
-        </p:spPr>
-      </p:pic>
-      <p:pic>
-        <p:nvPicPr>
-          <p:cNvPr id="5" name="Image 4" descr="http://www.hesge.ch/heg/sites/all/themes/heg/images/logo.png"/>
-          <p:cNvPicPr/>
-          <p:nvPr/>
-        </p:nvPicPr>
-        <p:blipFill>
-          <a:blip r:embed="rId3">
-            <a:extLst>
-              <a:ext uri="{28A0092B-C50C-407E-A947-70E740481C1C}">
-                <a14:useLocalDpi xmlns:a14="http://schemas.microsoft.com/office/drawing/2010/main" val="0"/>
-              </a:ext>
-            </a:extLst>
-          </a:blip>
-          <a:srcRect/>
-          <a:stretch>
-            <a:fillRect/>
-          </a:stretch>
-        </p:blipFill>
-        <p:spPr bwMode="auto">
-          <a:xfrm>
-            <a:off x="5567784" y="477311"/>
-            <a:ext cx="2958904" cy="1299577"/>
-          </a:xfrm>
-          <a:prstGeom prst="rect">
-            <a:avLst/>
-          </a:prstGeom>
-          <a:ln>
-            <a:noFill/>
-          </a:ln>
-          <a:effectLst>
-            <a:outerShdw blurRad="190500" algn="tl" rotWithShape="0">
-              <a:srgbClr val="000000">
-                <a:alpha val="70000"/>
-              </a:srgbClr>
-            </a:outerShdw>
-          </a:effectLst>
-        </p:spPr>
-      </p:pic>
     </p:spTree>
     <p:extLst>
       <p:ext uri="{BB962C8B-B14F-4D97-AF65-F5344CB8AC3E}">
-        <p14:creationId xmlns:p14="http://schemas.microsoft.com/office/powerpoint/2010/main" val="3763268385"/>
+        <p14:creationId xmlns:p14="http://schemas.microsoft.com/office/powerpoint/2010/main" val="3707268867"/>
       </p:ext>
     </p:extLst>
   </p:cSld>
   <p:clrMapOvr>
     <a:masterClrMapping/>
   </p:clrMapOvr>
+  <p:timing>
+    <p:tnLst>
+      <p:par>
+        <p:cTn id="1" dur="indefinite" restart="never" nodeType="tmRoot"/>
+      </p:par>
+    </p:tnLst>
+  </p:timing>
+</p:sld>
+</file>
+
+<file path=ppt/slides/slide10.xml><?xml version="1.0" encoding="utf-8"?>
+<p:sld xmlns:a="http://schemas.openxmlformats.org/drawingml/2006/main" xmlns:r="http://schemas.openxmlformats.org/officeDocument/2006/relationships" xmlns:p="http://schemas.openxmlformats.org/presentationml/2006/main">
+  <p:cSld>
+    <p:spTree>
+      <p:nvGrpSpPr>
+        <p:cNvPr id="1" name=""/>
+        <p:cNvGrpSpPr/>
+        <p:nvPr/>
+      </p:nvGrpSpPr>
+      <p:grpSpPr>
+        <a:xfrm>
+          <a:off x="0" y="0"/>
+          <a:ext cx="0" cy="0"/>
+          <a:chOff x="0" y="0"/>
+          <a:chExt cx="0" cy="0"/>
+        </a:xfrm>
+      </p:grpSpPr>
+      <p:sp>
+        <p:nvSpPr>
+          <p:cNvPr id="2" name="Titre 1"/>
+          <p:cNvSpPr>
+            <a:spLocks noGrp="1"/>
+          </p:cNvSpPr>
+          <p:nvPr>
+            <p:ph type="title"/>
+            <p:custDataLst>
+              <p:tags r:id="rId1"/>
+            </p:custDataLst>
+          </p:nvPr>
+        </p:nvSpPr>
+        <p:spPr/>
+        <p:txBody>
+          <a:bodyPr/>
+          <a:lstStyle/>
+          <a:p>
+            <a:r>
+              <a:rPr lang="fr-CH" dirty="0" smtClean="0"/>
+              <a:t>Liste des risques 4	</a:t>
+            </a:r>
+            <a:endParaRPr lang="fr-CH" dirty="0"/>
+          </a:p>
+        </p:txBody>
+      </p:sp>
+      <p:graphicFrame>
+        <p:nvGraphicFramePr>
+          <p:cNvPr id="4" name="Espace réservé du contenu 3"/>
+          <p:cNvGraphicFramePr>
+            <a:graphicFrameLocks noGrp="1"/>
+          </p:cNvGraphicFramePr>
+          <p:nvPr>
+            <p:ph idx="1"/>
+            <p:custDataLst>
+              <p:tags r:id="rId2"/>
+            </p:custDataLst>
+            <p:extLst>
+              <p:ext uri="{D42A27DB-BD31-4B8C-83A1-F6EECF244321}">
+                <p14:modId xmlns:p14="http://schemas.microsoft.com/office/powerpoint/2010/main" val="2388227729"/>
+              </p:ext>
+            </p:extLst>
+          </p:nvPr>
+        </p:nvGraphicFramePr>
+        <p:xfrm>
+          <a:off x="871723" y="2285920"/>
+          <a:ext cx="8905874" cy="3188210"/>
+        </p:xfrm>
+        <a:graphic>
+          <a:graphicData uri="http://schemas.openxmlformats.org/drawingml/2006/table">
+            <a:tbl>
+              <a:tblPr firstRow="1" firstCol="1" bandRow="1">
+                <a:tableStyleId>{5C22544A-7EE6-4342-B048-85BDC9FD1C3A}</a:tableStyleId>
+              </a:tblPr>
+              <a:tblGrid>
+                <a:gridCol w="507855"/>
+                <a:gridCol w="2098711"/>
+                <a:gridCol w="844944"/>
+                <a:gridCol w="844944"/>
+                <a:gridCol w="844944"/>
+                <a:gridCol w="844944"/>
+                <a:gridCol w="1036659"/>
+                <a:gridCol w="1882873"/>
+              </a:tblGrid>
+              <a:tr h="0">
+                <a:tc>
+                  <a:txBody>
+                    <a:bodyPr/>
+                    <a:lstStyle/>
+                    <a:p>
+                      <a:pPr algn="ctr">
+                        <a:lnSpc>
+                          <a:spcPct val="115000"/>
+                        </a:lnSpc>
+                        <a:spcAft>
+                          <a:spcPts val="0"/>
+                        </a:spcAft>
+                      </a:pPr>
+                      <a:r>
+                        <a:rPr lang="fr-CH" sz="1200" dirty="0">
+                          <a:solidFill>
+                            <a:schemeClr val="bg1">
+                              <a:lumMod val="95000"/>
+                              <a:lumOff val="5000"/>
+                            </a:schemeClr>
+                          </a:solidFill>
+                          <a:effectLst/>
+                        </a:rPr>
+                        <a:t> </a:t>
+                      </a:r>
+                      <a:endParaRPr lang="fr-CH" sz="1200" dirty="0">
+                        <a:solidFill>
+                          <a:schemeClr val="bg1">
+                            <a:lumMod val="95000"/>
+                            <a:lumOff val="5000"/>
+                          </a:schemeClr>
+                        </a:solidFill>
+                        <a:effectLst/>
+                        <a:latin typeface="Calibri" panose="020F0502020204030204" pitchFamily="34" charset="0"/>
+                        <a:ea typeface="Calibri" panose="020F0502020204030204" pitchFamily="34" charset="0"/>
+                        <a:cs typeface="Times New Roman" panose="02020603050405020304" pitchFamily="18" charset="0"/>
+                      </a:endParaRPr>
+                    </a:p>
+                  </a:txBody>
+                  <a:tcPr marL="68580" marR="68580" marT="0" marB="0" anchor="ctr"/>
+                </a:tc>
+                <a:tc>
+                  <a:txBody>
+                    <a:bodyPr/>
+                    <a:lstStyle/>
+                    <a:p>
+                      <a:pPr algn="ctr">
+                        <a:lnSpc>
+                          <a:spcPct val="115000"/>
+                        </a:lnSpc>
+                        <a:spcAft>
+                          <a:spcPts val="0"/>
+                        </a:spcAft>
+                      </a:pPr>
+                      <a:r>
+                        <a:rPr lang="fr-CH" sz="1200">
+                          <a:solidFill>
+                            <a:schemeClr val="bg1">
+                              <a:lumMod val="95000"/>
+                              <a:lumOff val="5000"/>
+                            </a:schemeClr>
+                          </a:solidFill>
+                          <a:effectLst/>
+                        </a:rPr>
+                        <a:t>Description</a:t>
+                      </a:r>
+                      <a:endParaRPr lang="fr-CH" sz="1200">
+                        <a:solidFill>
+                          <a:schemeClr val="bg1">
+                            <a:lumMod val="95000"/>
+                            <a:lumOff val="5000"/>
+                          </a:schemeClr>
+                        </a:solidFill>
+                        <a:effectLst/>
+                        <a:latin typeface="Calibri" panose="020F0502020204030204" pitchFamily="34" charset="0"/>
+                        <a:ea typeface="Calibri" panose="020F0502020204030204" pitchFamily="34" charset="0"/>
+                        <a:cs typeface="Times New Roman" panose="02020603050405020304" pitchFamily="18" charset="0"/>
+                      </a:endParaRPr>
+                    </a:p>
+                  </a:txBody>
+                  <a:tcPr marL="68580" marR="68580" marT="0" marB="0" anchor="ctr"/>
+                </a:tc>
+                <a:tc>
+                  <a:txBody>
+                    <a:bodyPr/>
+                    <a:lstStyle/>
+                    <a:p>
+                      <a:pPr algn="ctr">
+                        <a:lnSpc>
+                          <a:spcPct val="115000"/>
+                        </a:lnSpc>
+                        <a:spcAft>
+                          <a:spcPts val="0"/>
+                        </a:spcAft>
+                      </a:pPr>
+                      <a:r>
+                        <a:rPr lang="fr-CH" sz="1200">
+                          <a:solidFill>
+                            <a:schemeClr val="bg1">
+                              <a:lumMod val="95000"/>
+                              <a:lumOff val="5000"/>
+                            </a:schemeClr>
+                          </a:solidFill>
+                          <a:effectLst/>
+                        </a:rPr>
+                        <a:t>Probabilité</a:t>
+                      </a:r>
+                    </a:p>
+                    <a:p>
+                      <a:pPr algn="ctr">
+                        <a:lnSpc>
+                          <a:spcPct val="115000"/>
+                        </a:lnSpc>
+                        <a:spcAft>
+                          <a:spcPts val="0"/>
+                        </a:spcAft>
+                      </a:pPr>
+                      <a:r>
+                        <a:rPr lang="fr-CH" sz="1200">
+                          <a:solidFill>
+                            <a:schemeClr val="bg1">
+                              <a:lumMod val="95000"/>
+                              <a:lumOff val="5000"/>
+                            </a:schemeClr>
+                          </a:solidFill>
+                          <a:effectLst/>
+                        </a:rPr>
+                        <a:t>(P)</a:t>
+                      </a:r>
+                      <a:endParaRPr lang="fr-CH" sz="1200">
+                        <a:solidFill>
+                          <a:schemeClr val="bg1">
+                            <a:lumMod val="95000"/>
+                            <a:lumOff val="5000"/>
+                          </a:schemeClr>
+                        </a:solidFill>
+                        <a:effectLst/>
+                        <a:latin typeface="Calibri" panose="020F0502020204030204" pitchFamily="34" charset="0"/>
+                        <a:ea typeface="Calibri" panose="020F0502020204030204" pitchFamily="34" charset="0"/>
+                        <a:cs typeface="Times New Roman" panose="02020603050405020304" pitchFamily="18" charset="0"/>
+                      </a:endParaRPr>
+                    </a:p>
+                  </a:txBody>
+                  <a:tcPr marL="68580" marR="68580" marT="0" marB="0" anchor="ctr"/>
+                </a:tc>
+                <a:tc>
+                  <a:txBody>
+                    <a:bodyPr/>
+                    <a:lstStyle/>
+                    <a:p>
+                      <a:pPr algn="ctr">
+                        <a:lnSpc>
+                          <a:spcPct val="115000"/>
+                        </a:lnSpc>
+                        <a:spcAft>
+                          <a:spcPts val="0"/>
+                        </a:spcAft>
+                      </a:pPr>
+                      <a:r>
+                        <a:rPr lang="fr-CH" sz="1200">
+                          <a:solidFill>
+                            <a:schemeClr val="bg1">
+                              <a:lumMod val="95000"/>
+                              <a:lumOff val="5000"/>
+                            </a:schemeClr>
+                          </a:solidFill>
+                          <a:effectLst/>
+                        </a:rPr>
+                        <a:t>Impact</a:t>
+                      </a:r>
+                    </a:p>
+                    <a:p>
+                      <a:pPr algn="ctr">
+                        <a:lnSpc>
+                          <a:spcPct val="115000"/>
+                        </a:lnSpc>
+                        <a:spcAft>
+                          <a:spcPts val="0"/>
+                        </a:spcAft>
+                      </a:pPr>
+                      <a:r>
+                        <a:rPr lang="fr-CH" sz="1200">
+                          <a:solidFill>
+                            <a:schemeClr val="bg1">
+                              <a:lumMod val="95000"/>
+                              <a:lumOff val="5000"/>
+                            </a:schemeClr>
+                          </a:solidFill>
+                          <a:effectLst/>
+                        </a:rPr>
+                        <a:t>(I)</a:t>
+                      </a:r>
+                      <a:endParaRPr lang="fr-CH" sz="1200">
+                        <a:solidFill>
+                          <a:schemeClr val="bg1">
+                            <a:lumMod val="95000"/>
+                            <a:lumOff val="5000"/>
+                          </a:schemeClr>
+                        </a:solidFill>
+                        <a:effectLst/>
+                        <a:latin typeface="Calibri" panose="020F0502020204030204" pitchFamily="34" charset="0"/>
+                        <a:ea typeface="Calibri" panose="020F0502020204030204" pitchFamily="34" charset="0"/>
+                        <a:cs typeface="Times New Roman" panose="02020603050405020304" pitchFamily="18" charset="0"/>
+                      </a:endParaRPr>
+                    </a:p>
+                  </a:txBody>
+                  <a:tcPr marL="68580" marR="68580" marT="0" marB="0" anchor="ctr"/>
+                </a:tc>
+                <a:tc>
+                  <a:txBody>
+                    <a:bodyPr/>
+                    <a:lstStyle/>
+                    <a:p>
+                      <a:pPr algn="ctr">
+                        <a:lnSpc>
+                          <a:spcPct val="115000"/>
+                        </a:lnSpc>
+                        <a:spcAft>
+                          <a:spcPts val="0"/>
+                        </a:spcAft>
+                      </a:pPr>
+                      <a:r>
+                        <a:rPr lang="fr-CH" sz="1200">
+                          <a:solidFill>
+                            <a:schemeClr val="bg1">
+                              <a:lumMod val="95000"/>
+                              <a:lumOff val="5000"/>
+                            </a:schemeClr>
+                          </a:solidFill>
+                          <a:effectLst/>
+                        </a:rPr>
+                        <a:t>Détection</a:t>
+                      </a:r>
+                    </a:p>
+                    <a:p>
+                      <a:pPr algn="ctr">
+                        <a:lnSpc>
+                          <a:spcPct val="115000"/>
+                        </a:lnSpc>
+                        <a:spcAft>
+                          <a:spcPts val="0"/>
+                        </a:spcAft>
+                      </a:pPr>
+                      <a:r>
+                        <a:rPr lang="fr-CH" sz="1200">
+                          <a:solidFill>
+                            <a:schemeClr val="bg1">
+                              <a:lumMod val="95000"/>
+                              <a:lumOff val="5000"/>
+                            </a:schemeClr>
+                          </a:solidFill>
+                          <a:effectLst/>
+                        </a:rPr>
+                        <a:t>(Pr)</a:t>
+                      </a:r>
+                      <a:endParaRPr lang="fr-CH" sz="1200">
+                        <a:solidFill>
+                          <a:schemeClr val="bg1">
+                            <a:lumMod val="95000"/>
+                            <a:lumOff val="5000"/>
+                          </a:schemeClr>
+                        </a:solidFill>
+                        <a:effectLst/>
+                        <a:latin typeface="Calibri" panose="020F0502020204030204" pitchFamily="34" charset="0"/>
+                        <a:ea typeface="Calibri" panose="020F0502020204030204" pitchFamily="34" charset="0"/>
+                        <a:cs typeface="Times New Roman" panose="02020603050405020304" pitchFamily="18" charset="0"/>
+                      </a:endParaRPr>
+                    </a:p>
+                  </a:txBody>
+                  <a:tcPr marL="68580" marR="68580" marT="0" marB="0" anchor="ctr"/>
+                </a:tc>
+                <a:tc>
+                  <a:txBody>
+                    <a:bodyPr/>
+                    <a:lstStyle/>
+                    <a:p>
+                      <a:pPr algn="ctr">
+                        <a:lnSpc>
+                          <a:spcPct val="115000"/>
+                        </a:lnSpc>
+                        <a:spcAft>
+                          <a:spcPts val="0"/>
+                        </a:spcAft>
+                      </a:pPr>
+                      <a:r>
+                        <a:rPr lang="fr-CH" sz="1200">
+                          <a:solidFill>
+                            <a:schemeClr val="bg1">
+                              <a:lumMod val="95000"/>
+                              <a:lumOff val="5000"/>
+                            </a:schemeClr>
+                          </a:solidFill>
+                          <a:effectLst/>
+                        </a:rPr>
+                        <a:t>Maîtrise</a:t>
+                      </a:r>
+                    </a:p>
+                    <a:p>
+                      <a:pPr algn="ctr">
+                        <a:lnSpc>
+                          <a:spcPct val="115000"/>
+                        </a:lnSpc>
+                        <a:spcAft>
+                          <a:spcPts val="0"/>
+                        </a:spcAft>
+                      </a:pPr>
+                      <a:r>
+                        <a:rPr lang="fr-CH" sz="1200">
+                          <a:solidFill>
+                            <a:schemeClr val="bg1">
+                              <a:lumMod val="95000"/>
+                              <a:lumOff val="5000"/>
+                            </a:schemeClr>
+                          </a:solidFill>
+                          <a:effectLst/>
+                        </a:rPr>
+                        <a:t>(M)</a:t>
+                      </a:r>
+                      <a:endParaRPr lang="fr-CH" sz="1200">
+                        <a:solidFill>
+                          <a:schemeClr val="bg1">
+                            <a:lumMod val="95000"/>
+                            <a:lumOff val="5000"/>
+                          </a:schemeClr>
+                        </a:solidFill>
+                        <a:effectLst/>
+                        <a:latin typeface="Calibri" panose="020F0502020204030204" pitchFamily="34" charset="0"/>
+                        <a:ea typeface="Calibri" panose="020F0502020204030204" pitchFamily="34" charset="0"/>
+                        <a:cs typeface="Times New Roman" panose="02020603050405020304" pitchFamily="18" charset="0"/>
+                      </a:endParaRPr>
+                    </a:p>
+                  </a:txBody>
+                  <a:tcPr marL="68580" marR="68580" marT="0" marB="0" anchor="ctr"/>
+                </a:tc>
+                <a:tc>
+                  <a:txBody>
+                    <a:bodyPr/>
+                    <a:lstStyle/>
+                    <a:p>
+                      <a:pPr algn="ctr">
+                        <a:lnSpc>
+                          <a:spcPct val="115000"/>
+                        </a:lnSpc>
+                        <a:spcAft>
+                          <a:spcPts val="0"/>
+                        </a:spcAft>
+                      </a:pPr>
+                      <a:r>
+                        <a:rPr lang="fr-CH" sz="1200">
+                          <a:solidFill>
+                            <a:schemeClr val="bg1">
+                              <a:lumMod val="95000"/>
+                              <a:lumOff val="5000"/>
+                            </a:schemeClr>
+                          </a:solidFill>
+                          <a:effectLst/>
+                        </a:rPr>
+                        <a:t>Criticité</a:t>
+                      </a:r>
+                    </a:p>
+                    <a:p>
+                      <a:pPr algn="ctr">
+                        <a:lnSpc>
+                          <a:spcPct val="115000"/>
+                        </a:lnSpc>
+                        <a:spcAft>
+                          <a:spcPts val="0"/>
+                        </a:spcAft>
+                      </a:pPr>
+                      <a:r>
+                        <a:rPr lang="fr-CH" sz="1200">
+                          <a:solidFill>
+                            <a:schemeClr val="bg1">
+                              <a:lumMod val="95000"/>
+                              <a:lumOff val="5000"/>
+                            </a:schemeClr>
+                          </a:solidFill>
+                          <a:effectLst/>
+                        </a:rPr>
+                        <a:t>(P*I*Pr*M)</a:t>
+                      </a:r>
+                      <a:endParaRPr lang="fr-CH" sz="1200">
+                        <a:solidFill>
+                          <a:schemeClr val="bg1">
+                            <a:lumMod val="95000"/>
+                            <a:lumOff val="5000"/>
+                          </a:schemeClr>
+                        </a:solidFill>
+                        <a:effectLst/>
+                        <a:latin typeface="Calibri" panose="020F0502020204030204" pitchFamily="34" charset="0"/>
+                        <a:ea typeface="Calibri" panose="020F0502020204030204" pitchFamily="34" charset="0"/>
+                        <a:cs typeface="Times New Roman" panose="02020603050405020304" pitchFamily="18" charset="0"/>
+                      </a:endParaRPr>
+                    </a:p>
+                  </a:txBody>
+                  <a:tcPr marL="68580" marR="68580" marT="0" marB="0" anchor="ctr"/>
+                </a:tc>
+                <a:tc>
+                  <a:txBody>
+                    <a:bodyPr/>
+                    <a:lstStyle/>
+                    <a:p>
+                      <a:pPr algn="ctr">
+                        <a:lnSpc>
+                          <a:spcPct val="115000"/>
+                        </a:lnSpc>
+                        <a:spcAft>
+                          <a:spcPts val="0"/>
+                        </a:spcAft>
+                      </a:pPr>
+                      <a:r>
+                        <a:rPr lang="fr-CH" sz="1200" dirty="0">
+                          <a:solidFill>
+                            <a:schemeClr val="bg1">
+                              <a:lumMod val="95000"/>
+                              <a:lumOff val="5000"/>
+                            </a:schemeClr>
+                          </a:solidFill>
+                          <a:effectLst/>
+                        </a:rPr>
+                        <a:t>Niveau de risque</a:t>
+                      </a:r>
+                      <a:endParaRPr lang="fr-CH" sz="1200" dirty="0">
+                        <a:solidFill>
+                          <a:schemeClr val="bg1">
+                            <a:lumMod val="95000"/>
+                            <a:lumOff val="5000"/>
+                          </a:schemeClr>
+                        </a:solidFill>
+                        <a:effectLst/>
+                        <a:latin typeface="Calibri" panose="020F0502020204030204" pitchFamily="34" charset="0"/>
+                        <a:ea typeface="Calibri" panose="020F0502020204030204" pitchFamily="34" charset="0"/>
+                        <a:cs typeface="Times New Roman" panose="02020603050405020304" pitchFamily="18" charset="0"/>
+                      </a:endParaRPr>
+                    </a:p>
+                  </a:txBody>
+                  <a:tcPr marL="68580" marR="68580" marT="0" marB="0" anchor="ctr"/>
+                </a:tc>
+              </a:tr>
+              <a:tr h="512445">
+                <a:tc>
+                  <a:txBody>
+                    <a:bodyPr/>
+                    <a:lstStyle/>
+                    <a:p>
+                      <a:pPr algn="ctr">
+                        <a:lnSpc>
+                          <a:spcPct val="115000"/>
+                        </a:lnSpc>
+                        <a:spcAft>
+                          <a:spcPts val="0"/>
+                        </a:spcAft>
+                      </a:pPr>
+                      <a:r>
+                        <a:rPr lang="fr-CH" sz="1200">
+                          <a:solidFill>
+                            <a:schemeClr val="bg1">
+                              <a:lumMod val="95000"/>
+                              <a:lumOff val="5000"/>
+                            </a:schemeClr>
+                          </a:solidFill>
+                          <a:effectLst/>
+                        </a:rPr>
+                        <a:t>RH01</a:t>
+                      </a:r>
+                      <a:endParaRPr lang="fr-CH" sz="1200">
+                        <a:solidFill>
+                          <a:schemeClr val="bg1">
+                            <a:lumMod val="95000"/>
+                            <a:lumOff val="5000"/>
+                          </a:schemeClr>
+                        </a:solidFill>
+                        <a:effectLst/>
+                        <a:latin typeface="Calibri" panose="020F0502020204030204" pitchFamily="34" charset="0"/>
+                        <a:ea typeface="Calibri" panose="020F0502020204030204" pitchFamily="34" charset="0"/>
+                        <a:cs typeface="Times New Roman" panose="02020603050405020304" pitchFamily="18" charset="0"/>
+                      </a:endParaRPr>
+                    </a:p>
+                  </a:txBody>
+                  <a:tcPr marL="68580" marR="68580" marT="0" marB="0" anchor="ctr"/>
+                </a:tc>
+                <a:tc>
+                  <a:txBody>
+                    <a:bodyPr/>
+                    <a:lstStyle/>
+                    <a:p>
+                      <a:pPr algn="l">
+                        <a:lnSpc>
+                          <a:spcPct val="115000"/>
+                        </a:lnSpc>
+                        <a:spcAft>
+                          <a:spcPts val="0"/>
+                        </a:spcAft>
+                      </a:pPr>
+                      <a:r>
+                        <a:rPr lang="fr-CH" sz="1200">
+                          <a:solidFill>
+                            <a:schemeClr val="bg1">
+                              <a:lumMod val="95000"/>
+                              <a:lumOff val="5000"/>
+                            </a:schemeClr>
+                          </a:solidFill>
+                          <a:effectLst/>
+                        </a:rPr>
+                        <a:t>Mauvaise communication entre le mandant et le groupe</a:t>
+                      </a:r>
+                      <a:endParaRPr lang="fr-CH" sz="1200">
+                        <a:solidFill>
+                          <a:schemeClr val="bg1">
+                            <a:lumMod val="95000"/>
+                            <a:lumOff val="5000"/>
+                          </a:schemeClr>
+                        </a:solidFill>
+                        <a:effectLst/>
+                        <a:latin typeface="Calibri" panose="020F0502020204030204" pitchFamily="34" charset="0"/>
+                        <a:ea typeface="Calibri" panose="020F0502020204030204" pitchFamily="34" charset="0"/>
+                        <a:cs typeface="Times New Roman" panose="02020603050405020304" pitchFamily="18" charset="0"/>
+                      </a:endParaRPr>
+                    </a:p>
+                  </a:txBody>
+                  <a:tcPr marL="68580" marR="68580" marT="0" marB="0" anchor="ctr"/>
+                </a:tc>
+                <a:tc>
+                  <a:txBody>
+                    <a:bodyPr/>
+                    <a:lstStyle/>
+                    <a:p>
+                      <a:pPr algn="ctr">
+                        <a:lnSpc>
+                          <a:spcPct val="115000"/>
+                        </a:lnSpc>
+                        <a:spcAft>
+                          <a:spcPts val="0"/>
+                        </a:spcAft>
+                      </a:pPr>
+                      <a:r>
+                        <a:rPr lang="fr-CH" sz="1200">
+                          <a:solidFill>
+                            <a:schemeClr val="bg1">
+                              <a:lumMod val="95000"/>
+                              <a:lumOff val="5000"/>
+                            </a:schemeClr>
+                          </a:solidFill>
+                          <a:effectLst/>
+                        </a:rPr>
+                        <a:t>2</a:t>
+                      </a:r>
+                      <a:endParaRPr lang="fr-CH" sz="1200">
+                        <a:solidFill>
+                          <a:schemeClr val="bg1">
+                            <a:lumMod val="95000"/>
+                            <a:lumOff val="5000"/>
+                          </a:schemeClr>
+                        </a:solidFill>
+                        <a:effectLst/>
+                        <a:latin typeface="Calibri" panose="020F0502020204030204" pitchFamily="34" charset="0"/>
+                        <a:ea typeface="Calibri" panose="020F0502020204030204" pitchFamily="34" charset="0"/>
+                        <a:cs typeface="Times New Roman" panose="02020603050405020304" pitchFamily="18" charset="0"/>
+                      </a:endParaRPr>
+                    </a:p>
+                  </a:txBody>
+                  <a:tcPr marL="68580" marR="68580" marT="0" marB="0" anchor="ctr"/>
+                </a:tc>
+                <a:tc>
+                  <a:txBody>
+                    <a:bodyPr/>
+                    <a:lstStyle/>
+                    <a:p>
+                      <a:pPr algn="ctr">
+                        <a:lnSpc>
+                          <a:spcPct val="115000"/>
+                        </a:lnSpc>
+                        <a:spcAft>
+                          <a:spcPts val="0"/>
+                        </a:spcAft>
+                      </a:pPr>
+                      <a:r>
+                        <a:rPr lang="fr-CH" sz="1200">
+                          <a:solidFill>
+                            <a:schemeClr val="bg1">
+                              <a:lumMod val="95000"/>
+                              <a:lumOff val="5000"/>
+                            </a:schemeClr>
+                          </a:solidFill>
+                          <a:effectLst/>
+                        </a:rPr>
+                        <a:t>2</a:t>
+                      </a:r>
+                      <a:endParaRPr lang="fr-CH" sz="1200">
+                        <a:solidFill>
+                          <a:schemeClr val="bg1">
+                            <a:lumMod val="95000"/>
+                            <a:lumOff val="5000"/>
+                          </a:schemeClr>
+                        </a:solidFill>
+                        <a:effectLst/>
+                        <a:latin typeface="Calibri" panose="020F0502020204030204" pitchFamily="34" charset="0"/>
+                        <a:ea typeface="Calibri" panose="020F0502020204030204" pitchFamily="34" charset="0"/>
+                        <a:cs typeface="Times New Roman" panose="02020603050405020304" pitchFamily="18" charset="0"/>
+                      </a:endParaRPr>
+                    </a:p>
+                  </a:txBody>
+                  <a:tcPr marL="68580" marR="68580" marT="0" marB="0" anchor="ctr"/>
+                </a:tc>
+                <a:tc>
+                  <a:txBody>
+                    <a:bodyPr/>
+                    <a:lstStyle/>
+                    <a:p>
+                      <a:pPr algn="ctr">
+                        <a:lnSpc>
+                          <a:spcPct val="115000"/>
+                        </a:lnSpc>
+                        <a:spcAft>
+                          <a:spcPts val="0"/>
+                        </a:spcAft>
+                      </a:pPr>
+                      <a:r>
+                        <a:rPr lang="fr-CH" sz="1200">
+                          <a:solidFill>
+                            <a:schemeClr val="bg1">
+                              <a:lumMod val="95000"/>
+                              <a:lumOff val="5000"/>
+                            </a:schemeClr>
+                          </a:solidFill>
+                          <a:effectLst/>
+                        </a:rPr>
+                        <a:t>1</a:t>
+                      </a:r>
+                      <a:endParaRPr lang="fr-CH" sz="1200">
+                        <a:solidFill>
+                          <a:schemeClr val="bg1">
+                            <a:lumMod val="95000"/>
+                            <a:lumOff val="5000"/>
+                          </a:schemeClr>
+                        </a:solidFill>
+                        <a:effectLst/>
+                        <a:latin typeface="Calibri" panose="020F0502020204030204" pitchFamily="34" charset="0"/>
+                        <a:ea typeface="Calibri" panose="020F0502020204030204" pitchFamily="34" charset="0"/>
+                        <a:cs typeface="Times New Roman" panose="02020603050405020304" pitchFamily="18" charset="0"/>
+                      </a:endParaRPr>
+                    </a:p>
+                  </a:txBody>
+                  <a:tcPr marL="68580" marR="68580" marT="0" marB="0" anchor="ctr"/>
+                </a:tc>
+                <a:tc>
+                  <a:txBody>
+                    <a:bodyPr/>
+                    <a:lstStyle/>
+                    <a:p>
+                      <a:pPr algn="ctr">
+                        <a:lnSpc>
+                          <a:spcPct val="115000"/>
+                        </a:lnSpc>
+                        <a:spcAft>
+                          <a:spcPts val="0"/>
+                        </a:spcAft>
+                      </a:pPr>
+                      <a:r>
+                        <a:rPr lang="fr-CH" sz="1200" dirty="0">
+                          <a:solidFill>
+                            <a:schemeClr val="bg1">
+                              <a:lumMod val="95000"/>
+                              <a:lumOff val="5000"/>
+                            </a:schemeClr>
+                          </a:solidFill>
+                          <a:effectLst/>
+                        </a:rPr>
+                        <a:t>2</a:t>
+                      </a:r>
+                      <a:endParaRPr lang="fr-CH" sz="1200" dirty="0">
+                        <a:solidFill>
+                          <a:schemeClr val="bg1">
+                            <a:lumMod val="95000"/>
+                            <a:lumOff val="5000"/>
+                          </a:schemeClr>
+                        </a:solidFill>
+                        <a:effectLst/>
+                        <a:latin typeface="Calibri" panose="020F0502020204030204" pitchFamily="34" charset="0"/>
+                        <a:ea typeface="Calibri" panose="020F0502020204030204" pitchFamily="34" charset="0"/>
+                        <a:cs typeface="Times New Roman" panose="02020603050405020304" pitchFamily="18" charset="0"/>
+                      </a:endParaRPr>
+                    </a:p>
+                  </a:txBody>
+                  <a:tcPr marL="68580" marR="68580" marT="0" marB="0" anchor="ctr"/>
+                </a:tc>
+                <a:tc>
+                  <a:txBody>
+                    <a:bodyPr/>
+                    <a:lstStyle/>
+                    <a:p>
+                      <a:pPr algn="ctr">
+                        <a:lnSpc>
+                          <a:spcPct val="115000"/>
+                        </a:lnSpc>
+                        <a:spcAft>
+                          <a:spcPts val="0"/>
+                        </a:spcAft>
+                      </a:pPr>
+                      <a:r>
+                        <a:rPr lang="fr-CH" sz="1200">
+                          <a:solidFill>
+                            <a:schemeClr val="bg1">
+                              <a:lumMod val="95000"/>
+                              <a:lumOff val="5000"/>
+                            </a:schemeClr>
+                          </a:solidFill>
+                          <a:effectLst/>
+                        </a:rPr>
+                        <a:t>8</a:t>
+                      </a:r>
+                      <a:endParaRPr lang="fr-CH" sz="1200">
+                        <a:solidFill>
+                          <a:schemeClr val="bg1">
+                            <a:lumMod val="95000"/>
+                            <a:lumOff val="5000"/>
+                          </a:schemeClr>
+                        </a:solidFill>
+                        <a:effectLst/>
+                        <a:latin typeface="Calibri" panose="020F0502020204030204" pitchFamily="34" charset="0"/>
+                        <a:ea typeface="Calibri" panose="020F0502020204030204" pitchFamily="34" charset="0"/>
+                        <a:cs typeface="Times New Roman" panose="02020603050405020304" pitchFamily="18" charset="0"/>
+                      </a:endParaRPr>
+                    </a:p>
+                  </a:txBody>
+                  <a:tcPr marL="68580" marR="68580" marT="0" marB="0" anchor="ctr"/>
+                </a:tc>
+                <a:tc>
+                  <a:txBody>
+                    <a:bodyPr/>
+                    <a:lstStyle/>
+                    <a:p>
+                      <a:pPr algn="ctr">
+                        <a:lnSpc>
+                          <a:spcPct val="115000"/>
+                        </a:lnSpc>
+                        <a:spcAft>
+                          <a:spcPts val="0"/>
+                        </a:spcAft>
+                      </a:pPr>
+                      <a:r>
+                        <a:rPr lang="fr-CH" sz="1200">
+                          <a:solidFill>
+                            <a:schemeClr val="bg1">
+                              <a:lumMod val="95000"/>
+                              <a:lumOff val="5000"/>
+                            </a:schemeClr>
+                          </a:solidFill>
+                          <a:effectLst/>
+                        </a:rPr>
+                        <a:t>Moyen</a:t>
+                      </a:r>
+                      <a:endParaRPr lang="fr-CH" sz="1200">
+                        <a:solidFill>
+                          <a:schemeClr val="bg1">
+                            <a:lumMod val="95000"/>
+                            <a:lumOff val="5000"/>
+                          </a:schemeClr>
+                        </a:solidFill>
+                        <a:effectLst/>
+                        <a:latin typeface="Calibri" panose="020F0502020204030204" pitchFamily="34" charset="0"/>
+                        <a:ea typeface="Calibri" panose="020F0502020204030204" pitchFamily="34" charset="0"/>
+                        <a:cs typeface="Times New Roman" panose="02020603050405020304" pitchFamily="18" charset="0"/>
+                      </a:endParaRPr>
+                    </a:p>
+                  </a:txBody>
+                  <a:tcPr marL="68580" marR="68580" marT="0" marB="0" anchor="ctr"/>
+                </a:tc>
+              </a:tr>
+              <a:tr h="267335">
+                <a:tc>
+                  <a:txBody>
+                    <a:bodyPr/>
+                    <a:lstStyle/>
+                    <a:p>
+                      <a:pPr algn="ctr">
+                        <a:lnSpc>
+                          <a:spcPct val="115000"/>
+                        </a:lnSpc>
+                        <a:spcAft>
+                          <a:spcPts val="0"/>
+                        </a:spcAft>
+                      </a:pPr>
+                      <a:r>
+                        <a:rPr lang="fr-CH" sz="1200">
+                          <a:solidFill>
+                            <a:schemeClr val="bg1">
+                              <a:lumMod val="95000"/>
+                              <a:lumOff val="5000"/>
+                            </a:schemeClr>
+                          </a:solidFill>
+                          <a:effectLst/>
+                        </a:rPr>
+                        <a:t>RH02</a:t>
+                      </a:r>
+                      <a:endParaRPr lang="fr-CH" sz="1200">
+                        <a:solidFill>
+                          <a:schemeClr val="bg1">
+                            <a:lumMod val="95000"/>
+                            <a:lumOff val="5000"/>
+                          </a:schemeClr>
+                        </a:solidFill>
+                        <a:effectLst/>
+                        <a:latin typeface="Calibri" panose="020F0502020204030204" pitchFamily="34" charset="0"/>
+                        <a:ea typeface="Calibri" panose="020F0502020204030204" pitchFamily="34" charset="0"/>
+                        <a:cs typeface="Times New Roman" panose="02020603050405020304" pitchFamily="18" charset="0"/>
+                      </a:endParaRPr>
+                    </a:p>
+                  </a:txBody>
+                  <a:tcPr marL="68580" marR="68580" marT="0" marB="0" anchor="ctr"/>
+                </a:tc>
+                <a:tc>
+                  <a:txBody>
+                    <a:bodyPr/>
+                    <a:lstStyle/>
+                    <a:p>
+                      <a:pPr algn="l">
+                        <a:lnSpc>
+                          <a:spcPct val="115000"/>
+                        </a:lnSpc>
+                        <a:spcAft>
+                          <a:spcPts val="0"/>
+                        </a:spcAft>
+                      </a:pPr>
+                      <a:r>
+                        <a:rPr lang="fr-CH" sz="1200">
+                          <a:solidFill>
+                            <a:schemeClr val="bg1">
+                              <a:lumMod val="95000"/>
+                              <a:lumOff val="5000"/>
+                            </a:schemeClr>
+                          </a:solidFill>
+                          <a:effectLst/>
+                        </a:rPr>
+                        <a:t>Absence du mandant</a:t>
+                      </a:r>
+                      <a:endParaRPr lang="fr-CH" sz="1200">
+                        <a:solidFill>
+                          <a:schemeClr val="bg1">
+                            <a:lumMod val="95000"/>
+                            <a:lumOff val="5000"/>
+                          </a:schemeClr>
+                        </a:solidFill>
+                        <a:effectLst/>
+                        <a:latin typeface="Calibri" panose="020F0502020204030204" pitchFamily="34" charset="0"/>
+                        <a:ea typeface="Calibri" panose="020F0502020204030204" pitchFamily="34" charset="0"/>
+                        <a:cs typeface="Times New Roman" panose="02020603050405020304" pitchFamily="18" charset="0"/>
+                      </a:endParaRPr>
+                    </a:p>
+                  </a:txBody>
+                  <a:tcPr marL="68580" marR="68580" marT="0" marB="0" anchor="ctr"/>
+                </a:tc>
+                <a:tc>
+                  <a:txBody>
+                    <a:bodyPr/>
+                    <a:lstStyle/>
+                    <a:p>
+                      <a:pPr algn="ctr">
+                        <a:lnSpc>
+                          <a:spcPct val="115000"/>
+                        </a:lnSpc>
+                        <a:spcAft>
+                          <a:spcPts val="0"/>
+                        </a:spcAft>
+                      </a:pPr>
+                      <a:r>
+                        <a:rPr lang="fr-CH" sz="1200">
+                          <a:solidFill>
+                            <a:schemeClr val="bg1">
+                              <a:lumMod val="95000"/>
+                              <a:lumOff val="5000"/>
+                            </a:schemeClr>
+                          </a:solidFill>
+                          <a:effectLst/>
+                        </a:rPr>
+                        <a:t>1</a:t>
+                      </a:r>
+                      <a:endParaRPr lang="fr-CH" sz="1200">
+                        <a:solidFill>
+                          <a:schemeClr val="bg1">
+                            <a:lumMod val="95000"/>
+                            <a:lumOff val="5000"/>
+                          </a:schemeClr>
+                        </a:solidFill>
+                        <a:effectLst/>
+                        <a:latin typeface="Calibri" panose="020F0502020204030204" pitchFamily="34" charset="0"/>
+                        <a:ea typeface="Calibri" panose="020F0502020204030204" pitchFamily="34" charset="0"/>
+                        <a:cs typeface="Times New Roman" panose="02020603050405020304" pitchFamily="18" charset="0"/>
+                      </a:endParaRPr>
+                    </a:p>
+                  </a:txBody>
+                  <a:tcPr marL="68580" marR="68580" marT="0" marB="0" anchor="ctr"/>
+                </a:tc>
+                <a:tc>
+                  <a:txBody>
+                    <a:bodyPr/>
+                    <a:lstStyle/>
+                    <a:p>
+                      <a:pPr algn="ctr">
+                        <a:lnSpc>
+                          <a:spcPct val="115000"/>
+                        </a:lnSpc>
+                        <a:spcAft>
+                          <a:spcPts val="0"/>
+                        </a:spcAft>
+                      </a:pPr>
+                      <a:r>
+                        <a:rPr lang="fr-CH" sz="1200">
+                          <a:solidFill>
+                            <a:schemeClr val="bg1">
+                              <a:lumMod val="95000"/>
+                              <a:lumOff val="5000"/>
+                            </a:schemeClr>
+                          </a:solidFill>
+                          <a:effectLst/>
+                        </a:rPr>
+                        <a:t>1</a:t>
+                      </a:r>
+                      <a:endParaRPr lang="fr-CH" sz="1200">
+                        <a:solidFill>
+                          <a:schemeClr val="bg1">
+                            <a:lumMod val="95000"/>
+                            <a:lumOff val="5000"/>
+                          </a:schemeClr>
+                        </a:solidFill>
+                        <a:effectLst/>
+                        <a:latin typeface="Calibri" panose="020F0502020204030204" pitchFamily="34" charset="0"/>
+                        <a:ea typeface="Calibri" panose="020F0502020204030204" pitchFamily="34" charset="0"/>
+                        <a:cs typeface="Times New Roman" panose="02020603050405020304" pitchFamily="18" charset="0"/>
+                      </a:endParaRPr>
+                    </a:p>
+                  </a:txBody>
+                  <a:tcPr marL="68580" marR="68580" marT="0" marB="0" anchor="ctr"/>
+                </a:tc>
+                <a:tc>
+                  <a:txBody>
+                    <a:bodyPr/>
+                    <a:lstStyle/>
+                    <a:p>
+                      <a:pPr algn="ctr">
+                        <a:lnSpc>
+                          <a:spcPct val="115000"/>
+                        </a:lnSpc>
+                        <a:spcAft>
+                          <a:spcPts val="0"/>
+                        </a:spcAft>
+                      </a:pPr>
+                      <a:r>
+                        <a:rPr lang="fr-CH" sz="1200">
+                          <a:solidFill>
+                            <a:schemeClr val="bg1">
+                              <a:lumMod val="95000"/>
+                              <a:lumOff val="5000"/>
+                            </a:schemeClr>
+                          </a:solidFill>
+                          <a:effectLst/>
+                        </a:rPr>
+                        <a:t>1</a:t>
+                      </a:r>
+                      <a:endParaRPr lang="fr-CH" sz="1200">
+                        <a:solidFill>
+                          <a:schemeClr val="bg1">
+                            <a:lumMod val="95000"/>
+                            <a:lumOff val="5000"/>
+                          </a:schemeClr>
+                        </a:solidFill>
+                        <a:effectLst/>
+                        <a:latin typeface="Calibri" panose="020F0502020204030204" pitchFamily="34" charset="0"/>
+                        <a:ea typeface="Calibri" panose="020F0502020204030204" pitchFamily="34" charset="0"/>
+                        <a:cs typeface="Times New Roman" panose="02020603050405020304" pitchFamily="18" charset="0"/>
+                      </a:endParaRPr>
+                    </a:p>
+                  </a:txBody>
+                  <a:tcPr marL="68580" marR="68580" marT="0" marB="0" anchor="ctr"/>
+                </a:tc>
+                <a:tc>
+                  <a:txBody>
+                    <a:bodyPr/>
+                    <a:lstStyle/>
+                    <a:p>
+                      <a:pPr algn="ctr">
+                        <a:lnSpc>
+                          <a:spcPct val="115000"/>
+                        </a:lnSpc>
+                        <a:spcAft>
+                          <a:spcPts val="0"/>
+                        </a:spcAft>
+                      </a:pPr>
+                      <a:r>
+                        <a:rPr lang="fr-CH" sz="1200">
+                          <a:solidFill>
+                            <a:schemeClr val="bg1">
+                              <a:lumMod val="95000"/>
+                              <a:lumOff val="5000"/>
+                            </a:schemeClr>
+                          </a:solidFill>
+                          <a:effectLst/>
+                        </a:rPr>
+                        <a:t>2</a:t>
+                      </a:r>
+                      <a:endParaRPr lang="fr-CH" sz="1200">
+                        <a:solidFill>
+                          <a:schemeClr val="bg1">
+                            <a:lumMod val="95000"/>
+                            <a:lumOff val="5000"/>
+                          </a:schemeClr>
+                        </a:solidFill>
+                        <a:effectLst/>
+                        <a:latin typeface="Calibri" panose="020F0502020204030204" pitchFamily="34" charset="0"/>
+                        <a:ea typeface="Calibri" panose="020F0502020204030204" pitchFamily="34" charset="0"/>
+                        <a:cs typeface="Times New Roman" panose="02020603050405020304" pitchFamily="18" charset="0"/>
+                      </a:endParaRPr>
+                    </a:p>
+                  </a:txBody>
+                  <a:tcPr marL="68580" marR="68580" marT="0" marB="0" anchor="ctr"/>
+                </a:tc>
+                <a:tc>
+                  <a:txBody>
+                    <a:bodyPr/>
+                    <a:lstStyle/>
+                    <a:p>
+                      <a:pPr algn="ctr">
+                        <a:lnSpc>
+                          <a:spcPct val="115000"/>
+                        </a:lnSpc>
+                        <a:spcAft>
+                          <a:spcPts val="0"/>
+                        </a:spcAft>
+                      </a:pPr>
+                      <a:r>
+                        <a:rPr lang="fr-CH" sz="1200">
+                          <a:solidFill>
+                            <a:schemeClr val="bg1">
+                              <a:lumMod val="95000"/>
+                              <a:lumOff val="5000"/>
+                            </a:schemeClr>
+                          </a:solidFill>
+                          <a:effectLst/>
+                        </a:rPr>
+                        <a:t>2</a:t>
+                      </a:r>
+                      <a:endParaRPr lang="fr-CH" sz="1200">
+                        <a:solidFill>
+                          <a:schemeClr val="bg1">
+                            <a:lumMod val="95000"/>
+                            <a:lumOff val="5000"/>
+                          </a:schemeClr>
+                        </a:solidFill>
+                        <a:effectLst/>
+                        <a:latin typeface="Calibri" panose="020F0502020204030204" pitchFamily="34" charset="0"/>
+                        <a:ea typeface="Calibri" panose="020F0502020204030204" pitchFamily="34" charset="0"/>
+                        <a:cs typeface="Times New Roman" panose="02020603050405020304" pitchFamily="18" charset="0"/>
+                      </a:endParaRPr>
+                    </a:p>
+                  </a:txBody>
+                  <a:tcPr marL="68580" marR="68580" marT="0" marB="0" anchor="ctr"/>
+                </a:tc>
+                <a:tc>
+                  <a:txBody>
+                    <a:bodyPr/>
+                    <a:lstStyle/>
+                    <a:p>
+                      <a:pPr algn="ctr">
+                        <a:lnSpc>
+                          <a:spcPct val="115000"/>
+                        </a:lnSpc>
+                        <a:spcAft>
+                          <a:spcPts val="0"/>
+                        </a:spcAft>
+                      </a:pPr>
+                      <a:r>
+                        <a:rPr lang="fr-CH" sz="1200">
+                          <a:solidFill>
+                            <a:schemeClr val="bg1">
+                              <a:lumMod val="95000"/>
+                              <a:lumOff val="5000"/>
+                            </a:schemeClr>
+                          </a:solidFill>
+                          <a:effectLst/>
+                        </a:rPr>
+                        <a:t>Faible</a:t>
+                      </a:r>
+                      <a:endParaRPr lang="fr-CH" sz="1200">
+                        <a:solidFill>
+                          <a:schemeClr val="bg1">
+                            <a:lumMod val="95000"/>
+                            <a:lumOff val="5000"/>
+                          </a:schemeClr>
+                        </a:solidFill>
+                        <a:effectLst/>
+                        <a:latin typeface="Calibri" panose="020F0502020204030204" pitchFamily="34" charset="0"/>
+                        <a:ea typeface="Calibri" panose="020F0502020204030204" pitchFamily="34" charset="0"/>
+                        <a:cs typeface="Times New Roman" panose="02020603050405020304" pitchFamily="18" charset="0"/>
+                      </a:endParaRPr>
+                    </a:p>
+                  </a:txBody>
+                  <a:tcPr marL="68580" marR="68580" marT="0" marB="0" anchor="ctr"/>
+                </a:tc>
+              </a:tr>
+              <a:tr h="441960">
+                <a:tc>
+                  <a:txBody>
+                    <a:bodyPr/>
+                    <a:lstStyle/>
+                    <a:p>
+                      <a:pPr algn="ctr">
+                        <a:lnSpc>
+                          <a:spcPct val="115000"/>
+                        </a:lnSpc>
+                        <a:spcAft>
+                          <a:spcPts val="0"/>
+                        </a:spcAft>
+                      </a:pPr>
+                      <a:r>
+                        <a:rPr lang="fr-CH" sz="1200">
+                          <a:solidFill>
+                            <a:schemeClr val="bg1">
+                              <a:lumMod val="95000"/>
+                              <a:lumOff val="5000"/>
+                            </a:schemeClr>
+                          </a:solidFill>
+                          <a:effectLst/>
+                        </a:rPr>
+                        <a:t>RH03</a:t>
+                      </a:r>
+                      <a:endParaRPr lang="fr-CH" sz="1200">
+                        <a:solidFill>
+                          <a:schemeClr val="bg1">
+                            <a:lumMod val="95000"/>
+                            <a:lumOff val="5000"/>
+                          </a:schemeClr>
+                        </a:solidFill>
+                        <a:effectLst/>
+                        <a:latin typeface="Calibri" panose="020F0502020204030204" pitchFamily="34" charset="0"/>
+                        <a:ea typeface="Calibri" panose="020F0502020204030204" pitchFamily="34" charset="0"/>
+                        <a:cs typeface="Times New Roman" panose="02020603050405020304" pitchFamily="18" charset="0"/>
+                      </a:endParaRPr>
+                    </a:p>
+                  </a:txBody>
+                  <a:tcPr marL="68580" marR="68580" marT="0" marB="0" anchor="ctr"/>
+                </a:tc>
+                <a:tc>
+                  <a:txBody>
+                    <a:bodyPr/>
+                    <a:lstStyle/>
+                    <a:p>
+                      <a:pPr algn="l">
+                        <a:lnSpc>
+                          <a:spcPct val="115000"/>
+                        </a:lnSpc>
+                        <a:spcAft>
+                          <a:spcPts val="0"/>
+                        </a:spcAft>
+                      </a:pPr>
+                      <a:r>
+                        <a:rPr lang="fr-CH" sz="1200">
+                          <a:solidFill>
+                            <a:schemeClr val="bg1">
+                              <a:lumMod val="95000"/>
+                              <a:lumOff val="5000"/>
+                            </a:schemeClr>
+                          </a:solidFill>
+                          <a:effectLst/>
+                        </a:rPr>
+                        <a:t>Mauvaise organisation du groupe</a:t>
+                      </a:r>
+                      <a:endParaRPr lang="fr-CH" sz="1200">
+                        <a:solidFill>
+                          <a:schemeClr val="bg1">
+                            <a:lumMod val="95000"/>
+                            <a:lumOff val="5000"/>
+                          </a:schemeClr>
+                        </a:solidFill>
+                        <a:effectLst/>
+                        <a:latin typeface="Calibri" panose="020F0502020204030204" pitchFamily="34" charset="0"/>
+                        <a:ea typeface="Calibri" panose="020F0502020204030204" pitchFamily="34" charset="0"/>
+                        <a:cs typeface="Times New Roman" panose="02020603050405020304" pitchFamily="18" charset="0"/>
+                      </a:endParaRPr>
+                    </a:p>
+                  </a:txBody>
+                  <a:tcPr marL="68580" marR="68580" marT="0" marB="0" anchor="ctr"/>
+                </a:tc>
+                <a:tc>
+                  <a:txBody>
+                    <a:bodyPr/>
+                    <a:lstStyle/>
+                    <a:p>
+                      <a:pPr algn="ctr">
+                        <a:lnSpc>
+                          <a:spcPct val="115000"/>
+                        </a:lnSpc>
+                        <a:spcAft>
+                          <a:spcPts val="0"/>
+                        </a:spcAft>
+                      </a:pPr>
+                      <a:r>
+                        <a:rPr lang="fr-CH" sz="1200">
+                          <a:solidFill>
+                            <a:schemeClr val="bg1">
+                              <a:lumMod val="95000"/>
+                              <a:lumOff val="5000"/>
+                            </a:schemeClr>
+                          </a:solidFill>
+                          <a:effectLst/>
+                        </a:rPr>
+                        <a:t>2</a:t>
+                      </a:r>
+                      <a:endParaRPr lang="fr-CH" sz="1200">
+                        <a:solidFill>
+                          <a:schemeClr val="bg1">
+                            <a:lumMod val="95000"/>
+                            <a:lumOff val="5000"/>
+                          </a:schemeClr>
+                        </a:solidFill>
+                        <a:effectLst/>
+                        <a:latin typeface="Calibri" panose="020F0502020204030204" pitchFamily="34" charset="0"/>
+                        <a:ea typeface="Calibri" panose="020F0502020204030204" pitchFamily="34" charset="0"/>
+                        <a:cs typeface="Times New Roman" panose="02020603050405020304" pitchFamily="18" charset="0"/>
+                      </a:endParaRPr>
+                    </a:p>
+                  </a:txBody>
+                  <a:tcPr marL="68580" marR="68580" marT="0" marB="0" anchor="ctr"/>
+                </a:tc>
+                <a:tc>
+                  <a:txBody>
+                    <a:bodyPr/>
+                    <a:lstStyle/>
+                    <a:p>
+                      <a:pPr algn="ctr">
+                        <a:lnSpc>
+                          <a:spcPct val="115000"/>
+                        </a:lnSpc>
+                        <a:spcAft>
+                          <a:spcPts val="0"/>
+                        </a:spcAft>
+                      </a:pPr>
+                      <a:r>
+                        <a:rPr lang="fr-CH" sz="1200">
+                          <a:solidFill>
+                            <a:schemeClr val="bg1">
+                              <a:lumMod val="95000"/>
+                              <a:lumOff val="5000"/>
+                            </a:schemeClr>
+                          </a:solidFill>
+                          <a:effectLst/>
+                        </a:rPr>
+                        <a:t>2</a:t>
+                      </a:r>
+                      <a:endParaRPr lang="fr-CH" sz="1200">
+                        <a:solidFill>
+                          <a:schemeClr val="bg1">
+                            <a:lumMod val="95000"/>
+                            <a:lumOff val="5000"/>
+                          </a:schemeClr>
+                        </a:solidFill>
+                        <a:effectLst/>
+                        <a:latin typeface="Calibri" panose="020F0502020204030204" pitchFamily="34" charset="0"/>
+                        <a:ea typeface="Calibri" panose="020F0502020204030204" pitchFamily="34" charset="0"/>
+                        <a:cs typeface="Times New Roman" panose="02020603050405020304" pitchFamily="18" charset="0"/>
+                      </a:endParaRPr>
+                    </a:p>
+                  </a:txBody>
+                  <a:tcPr marL="68580" marR="68580" marT="0" marB="0" anchor="ctr"/>
+                </a:tc>
+                <a:tc>
+                  <a:txBody>
+                    <a:bodyPr/>
+                    <a:lstStyle/>
+                    <a:p>
+                      <a:pPr algn="ctr">
+                        <a:lnSpc>
+                          <a:spcPct val="115000"/>
+                        </a:lnSpc>
+                        <a:spcAft>
+                          <a:spcPts val="0"/>
+                        </a:spcAft>
+                      </a:pPr>
+                      <a:r>
+                        <a:rPr lang="fr-CH" sz="1200">
+                          <a:solidFill>
+                            <a:schemeClr val="bg1">
+                              <a:lumMod val="95000"/>
+                              <a:lumOff val="5000"/>
+                            </a:schemeClr>
+                          </a:solidFill>
+                          <a:effectLst/>
+                        </a:rPr>
+                        <a:t>1</a:t>
+                      </a:r>
+                      <a:endParaRPr lang="fr-CH" sz="1200">
+                        <a:solidFill>
+                          <a:schemeClr val="bg1">
+                            <a:lumMod val="95000"/>
+                            <a:lumOff val="5000"/>
+                          </a:schemeClr>
+                        </a:solidFill>
+                        <a:effectLst/>
+                        <a:latin typeface="Calibri" panose="020F0502020204030204" pitchFamily="34" charset="0"/>
+                        <a:ea typeface="Calibri" panose="020F0502020204030204" pitchFamily="34" charset="0"/>
+                        <a:cs typeface="Times New Roman" panose="02020603050405020304" pitchFamily="18" charset="0"/>
+                      </a:endParaRPr>
+                    </a:p>
+                  </a:txBody>
+                  <a:tcPr marL="68580" marR="68580" marT="0" marB="0" anchor="ctr"/>
+                </a:tc>
+                <a:tc>
+                  <a:txBody>
+                    <a:bodyPr/>
+                    <a:lstStyle/>
+                    <a:p>
+                      <a:pPr algn="ctr">
+                        <a:lnSpc>
+                          <a:spcPct val="115000"/>
+                        </a:lnSpc>
+                        <a:spcAft>
+                          <a:spcPts val="0"/>
+                        </a:spcAft>
+                      </a:pPr>
+                      <a:r>
+                        <a:rPr lang="fr-CH" sz="1200">
+                          <a:solidFill>
+                            <a:schemeClr val="bg1">
+                              <a:lumMod val="95000"/>
+                              <a:lumOff val="5000"/>
+                            </a:schemeClr>
+                          </a:solidFill>
+                          <a:effectLst/>
+                        </a:rPr>
+                        <a:t>2</a:t>
+                      </a:r>
+                      <a:endParaRPr lang="fr-CH" sz="1200">
+                        <a:solidFill>
+                          <a:schemeClr val="bg1">
+                            <a:lumMod val="95000"/>
+                            <a:lumOff val="5000"/>
+                          </a:schemeClr>
+                        </a:solidFill>
+                        <a:effectLst/>
+                        <a:latin typeface="Calibri" panose="020F0502020204030204" pitchFamily="34" charset="0"/>
+                        <a:ea typeface="Calibri" panose="020F0502020204030204" pitchFamily="34" charset="0"/>
+                        <a:cs typeface="Times New Roman" panose="02020603050405020304" pitchFamily="18" charset="0"/>
+                      </a:endParaRPr>
+                    </a:p>
+                  </a:txBody>
+                  <a:tcPr marL="68580" marR="68580" marT="0" marB="0" anchor="ctr"/>
+                </a:tc>
+                <a:tc>
+                  <a:txBody>
+                    <a:bodyPr/>
+                    <a:lstStyle/>
+                    <a:p>
+                      <a:pPr algn="ctr">
+                        <a:lnSpc>
+                          <a:spcPct val="115000"/>
+                        </a:lnSpc>
+                        <a:spcAft>
+                          <a:spcPts val="0"/>
+                        </a:spcAft>
+                      </a:pPr>
+                      <a:r>
+                        <a:rPr lang="fr-CH" sz="1200">
+                          <a:solidFill>
+                            <a:schemeClr val="bg1">
+                              <a:lumMod val="95000"/>
+                              <a:lumOff val="5000"/>
+                            </a:schemeClr>
+                          </a:solidFill>
+                          <a:effectLst/>
+                        </a:rPr>
+                        <a:t>8</a:t>
+                      </a:r>
+                      <a:endParaRPr lang="fr-CH" sz="1200">
+                        <a:solidFill>
+                          <a:schemeClr val="bg1">
+                            <a:lumMod val="95000"/>
+                            <a:lumOff val="5000"/>
+                          </a:schemeClr>
+                        </a:solidFill>
+                        <a:effectLst/>
+                        <a:latin typeface="Calibri" panose="020F0502020204030204" pitchFamily="34" charset="0"/>
+                        <a:ea typeface="Calibri" panose="020F0502020204030204" pitchFamily="34" charset="0"/>
+                        <a:cs typeface="Times New Roman" panose="02020603050405020304" pitchFamily="18" charset="0"/>
+                      </a:endParaRPr>
+                    </a:p>
+                  </a:txBody>
+                  <a:tcPr marL="68580" marR="68580" marT="0" marB="0" anchor="ctr"/>
+                </a:tc>
+                <a:tc>
+                  <a:txBody>
+                    <a:bodyPr/>
+                    <a:lstStyle/>
+                    <a:p>
+                      <a:pPr algn="ctr">
+                        <a:lnSpc>
+                          <a:spcPct val="115000"/>
+                        </a:lnSpc>
+                        <a:spcAft>
+                          <a:spcPts val="0"/>
+                        </a:spcAft>
+                      </a:pPr>
+                      <a:r>
+                        <a:rPr lang="fr-CH" sz="1200">
+                          <a:solidFill>
+                            <a:schemeClr val="bg1">
+                              <a:lumMod val="95000"/>
+                              <a:lumOff val="5000"/>
+                            </a:schemeClr>
+                          </a:solidFill>
+                          <a:effectLst/>
+                        </a:rPr>
+                        <a:t>Moyen</a:t>
+                      </a:r>
+                      <a:endParaRPr lang="fr-CH" sz="1200">
+                        <a:solidFill>
+                          <a:schemeClr val="bg1">
+                            <a:lumMod val="95000"/>
+                            <a:lumOff val="5000"/>
+                          </a:schemeClr>
+                        </a:solidFill>
+                        <a:effectLst/>
+                        <a:latin typeface="Calibri" panose="020F0502020204030204" pitchFamily="34" charset="0"/>
+                        <a:ea typeface="Calibri" panose="020F0502020204030204" pitchFamily="34" charset="0"/>
+                        <a:cs typeface="Times New Roman" panose="02020603050405020304" pitchFamily="18" charset="0"/>
+                      </a:endParaRPr>
+                    </a:p>
+                  </a:txBody>
+                  <a:tcPr marL="68580" marR="68580" marT="0" marB="0" anchor="ctr"/>
+                </a:tc>
+              </a:tr>
+              <a:tr h="448310">
+                <a:tc>
+                  <a:txBody>
+                    <a:bodyPr/>
+                    <a:lstStyle/>
+                    <a:p>
+                      <a:pPr algn="ctr">
+                        <a:lnSpc>
+                          <a:spcPct val="115000"/>
+                        </a:lnSpc>
+                        <a:spcAft>
+                          <a:spcPts val="0"/>
+                        </a:spcAft>
+                      </a:pPr>
+                      <a:r>
+                        <a:rPr lang="fr-CH" sz="1200">
+                          <a:solidFill>
+                            <a:schemeClr val="bg1">
+                              <a:lumMod val="95000"/>
+                              <a:lumOff val="5000"/>
+                            </a:schemeClr>
+                          </a:solidFill>
+                          <a:effectLst/>
+                        </a:rPr>
+                        <a:t>RH04</a:t>
+                      </a:r>
+                      <a:endParaRPr lang="fr-CH" sz="1200">
+                        <a:solidFill>
+                          <a:schemeClr val="bg1">
+                            <a:lumMod val="95000"/>
+                            <a:lumOff val="5000"/>
+                          </a:schemeClr>
+                        </a:solidFill>
+                        <a:effectLst/>
+                        <a:latin typeface="Calibri" panose="020F0502020204030204" pitchFamily="34" charset="0"/>
+                        <a:ea typeface="Calibri" panose="020F0502020204030204" pitchFamily="34" charset="0"/>
+                        <a:cs typeface="Times New Roman" panose="02020603050405020304" pitchFamily="18" charset="0"/>
+                      </a:endParaRPr>
+                    </a:p>
+                  </a:txBody>
+                  <a:tcPr marL="68580" marR="68580" marT="0" marB="0" anchor="ctr"/>
+                </a:tc>
+                <a:tc>
+                  <a:txBody>
+                    <a:bodyPr/>
+                    <a:lstStyle/>
+                    <a:p>
+                      <a:pPr algn="l">
+                        <a:lnSpc>
+                          <a:spcPct val="115000"/>
+                        </a:lnSpc>
+                        <a:spcAft>
+                          <a:spcPts val="0"/>
+                        </a:spcAft>
+                      </a:pPr>
+                      <a:r>
+                        <a:rPr lang="fr-CH" sz="1200">
+                          <a:solidFill>
+                            <a:schemeClr val="bg1">
+                              <a:lumMod val="95000"/>
+                              <a:lumOff val="5000"/>
+                            </a:schemeClr>
+                          </a:solidFill>
+                          <a:effectLst/>
+                        </a:rPr>
+                        <a:t>Baisse de productivité à cause des CC ou examens</a:t>
+                      </a:r>
+                      <a:endParaRPr lang="fr-CH" sz="1200">
+                        <a:solidFill>
+                          <a:schemeClr val="bg1">
+                            <a:lumMod val="95000"/>
+                            <a:lumOff val="5000"/>
+                          </a:schemeClr>
+                        </a:solidFill>
+                        <a:effectLst/>
+                        <a:latin typeface="Calibri" panose="020F0502020204030204" pitchFamily="34" charset="0"/>
+                        <a:ea typeface="Calibri" panose="020F0502020204030204" pitchFamily="34" charset="0"/>
+                        <a:cs typeface="Times New Roman" panose="02020603050405020304" pitchFamily="18" charset="0"/>
+                      </a:endParaRPr>
+                    </a:p>
+                  </a:txBody>
+                  <a:tcPr marL="68580" marR="68580" marT="0" marB="0" anchor="ctr"/>
+                </a:tc>
+                <a:tc>
+                  <a:txBody>
+                    <a:bodyPr/>
+                    <a:lstStyle/>
+                    <a:p>
+                      <a:pPr algn="ctr">
+                        <a:lnSpc>
+                          <a:spcPct val="115000"/>
+                        </a:lnSpc>
+                        <a:spcAft>
+                          <a:spcPts val="0"/>
+                        </a:spcAft>
+                      </a:pPr>
+                      <a:r>
+                        <a:rPr lang="fr-CH" sz="1200">
+                          <a:solidFill>
+                            <a:schemeClr val="bg1">
+                              <a:lumMod val="95000"/>
+                              <a:lumOff val="5000"/>
+                            </a:schemeClr>
+                          </a:solidFill>
+                          <a:effectLst/>
+                        </a:rPr>
+                        <a:t>1</a:t>
+                      </a:r>
+                      <a:endParaRPr lang="fr-CH" sz="1200">
+                        <a:solidFill>
+                          <a:schemeClr val="bg1">
+                            <a:lumMod val="95000"/>
+                            <a:lumOff val="5000"/>
+                          </a:schemeClr>
+                        </a:solidFill>
+                        <a:effectLst/>
+                        <a:latin typeface="Calibri" panose="020F0502020204030204" pitchFamily="34" charset="0"/>
+                        <a:ea typeface="Calibri" panose="020F0502020204030204" pitchFamily="34" charset="0"/>
+                        <a:cs typeface="Times New Roman" panose="02020603050405020304" pitchFamily="18" charset="0"/>
+                      </a:endParaRPr>
+                    </a:p>
+                  </a:txBody>
+                  <a:tcPr marL="68580" marR="68580" marT="0" marB="0" anchor="ctr"/>
+                </a:tc>
+                <a:tc>
+                  <a:txBody>
+                    <a:bodyPr/>
+                    <a:lstStyle/>
+                    <a:p>
+                      <a:pPr algn="ctr">
+                        <a:lnSpc>
+                          <a:spcPct val="115000"/>
+                        </a:lnSpc>
+                        <a:spcAft>
+                          <a:spcPts val="0"/>
+                        </a:spcAft>
+                      </a:pPr>
+                      <a:r>
+                        <a:rPr lang="fr-CH" sz="1200">
+                          <a:solidFill>
+                            <a:schemeClr val="bg1">
+                              <a:lumMod val="95000"/>
+                              <a:lumOff val="5000"/>
+                            </a:schemeClr>
+                          </a:solidFill>
+                          <a:effectLst/>
+                        </a:rPr>
+                        <a:t>2</a:t>
+                      </a:r>
+                      <a:endParaRPr lang="fr-CH" sz="1200">
+                        <a:solidFill>
+                          <a:schemeClr val="bg1">
+                            <a:lumMod val="95000"/>
+                            <a:lumOff val="5000"/>
+                          </a:schemeClr>
+                        </a:solidFill>
+                        <a:effectLst/>
+                        <a:latin typeface="Calibri" panose="020F0502020204030204" pitchFamily="34" charset="0"/>
+                        <a:ea typeface="Calibri" panose="020F0502020204030204" pitchFamily="34" charset="0"/>
+                        <a:cs typeface="Times New Roman" panose="02020603050405020304" pitchFamily="18" charset="0"/>
+                      </a:endParaRPr>
+                    </a:p>
+                  </a:txBody>
+                  <a:tcPr marL="68580" marR="68580" marT="0" marB="0" anchor="ctr"/>
+                </a:tc>
+                <a:tc>
+                  <a:txBody>
+                    <a:bodyPr/>
+                    <a:lstStyle/>
+                    <a:p>
+                      <a:pPr algn="ctr">
+                        <a:lnSpc>
+                          <a:spcPct val="115000"/>
+                        </a:lnSpc>
+                        <a:spcAft>
+                          <a:spcPts val="0"/>
+                        </a:spcAft>
+                      </a:pPr>
+                      <a:r>
+                        <a:rPr lang="fr-CH" sz="1200">
+                          <a:solidFill>
+                            <a:schemeClr val="bg1">
+                              <a:lumMod val="95000"/>
+                              <a:lumOff val="5000"/>
+                            </a:schemeClr>
+                          </a:solidFill>
+                          <a:effectLst/>
+                        </a:rPr>
+                        <a:t>2</a:t>
+                      </a:r>
+                      <a:endParaRPr lang="fr-CH" sz="1200">
+                        <a:solidFill>
+                          <a:schemeClr val="bg1">
+                            <a:lumMod val="95000"/>
+                            <a:lumOff val="5000"/>
+                          </a:schemeClr>
+                        </a:solidFill>
+                        <a:effectLst/>
+                        <a:latin typeface="Calibri" panose="020F0502020204030204" pitchFamily="34" charset="0"/>
+                        <a:ea typeface="Calibri" panose="020F0502020204030204" pitchFamily="34" charset="0"/>
+                        <a:cs typeface="Times New Roman" panose="02020603050405020304" pitchFamily="18" charset="0"/>
+                      </a:endParaRPr>
+                    </a:p>
+                  </a:txBody>
+                  <a:tcPr marL="68580" marR="68580" marT="0" marB="0" anchor="ctr"/>
+                </a:tc>
+                <a:tc>
+                  <a:txBody>
+                    <a:bodyPr/>
+                    <a:lstStyle/>
+                    <a:p>
+                      <a:pPr algn="ctr">
+                        <a:lnSpc>
+                          <a:spcPct val="115000"/>
+                        </a:lnSpc>
+                        <a:spcAft>
+                          <a:spcPts val="0"/>
+                        </a:spcAft>
+                      </a:pPr>
+                      <a:r>
+                        <a:rPr lang="fr-CH" sz="1200">
+                          <a:solidFill>
+                            <a:schemeClr val="bg1">
+                              <a:lumMod val="95000"/>
+                              <a:lumOff val="5000"/>
+                            </a:schemeClr>
+                          </a:solidFill>
+                          <a:effectLst/>
+                        </a:rPr>
+                        <a:t>1</a:t>
+                      </a:r>
+                      <a:endParaRPr lang="fr-CH" sz="1200">
+                        <a:solidFill>
+                          <a:schemeClr val="bg1">
+                            <a:lumMod val="95000"/>
+                            <a:lumOff val="5000"/>
+                          </a:schemeClr>
+                        </a:solidFill>
+                        <a:effectLst/>
+                        <a:latin typeface="Calibri" panose="020F0502020204030204" pitchFamily="34" charset="0"/>
+                        <a:ea typeface="Calibri" panose="020F0502020204030204" pitchFamily="34" charset="0"/>
+                        <a:cs typeface="Times New Roman" panose="02020603050405020304" pitchFamily="18" charset="0"/>
+                      </a:endParaRPr>
+                    </a:p>
+                  </a:txBody>
+                  <a:tcPr marL="68580" marR="68580" marT="0" marB="0" anchor="ctr"/>
+                </a:tc>
+                <a:tc>
+                  <a:txBody>
+                    <a:bodyPr/>
+                    <a:lstStyle/>
+                    <a:p>
+                      <a:pPr algn="ctr">
+                        <a:lnSpc>
+                          <a:spcPct val="115000"/>
+                        </a:lnSpc>
+                        <a:spcAft>
+                          <a:spcPts val="0"/>
+                        </a:spcAft>
+                      </a:pPr>
+                      <a:r>
+                        <a:rPr lang="fr-CH" sz="1200">
+                          <a:solidFill>
+                            <a:schemeClr val="bg1">
+                              <a:lumMod val="95000"/>
+                              <a:lumOff val="5000"/>
+                            </a:schemeClr>
+                          </a:solidFill>
+                          <a:effectLst/>
+                        </a:rPr>
+                        <a:t>4</a:t>
+                      </a:r>
+                      <a:endParaRPr lang="fr-CH" sz="1200">
+                        <a:solidFill>
+                          <a:schemeClr val="bg1">
+                            <a:lumMod val="95000"/>
+                            <a:lumOff val="5000"/>
+                          </a:schemeClr>
+                        </a:solidFill>
+                        <a:effectLst/>
+                        <a:latin typeface="Calibri" panose="020F0502020204030204" pitchFamily="34" charset="0"/>
+                        <a:ea typeface="Calibri" panose="020F0502020204030204" pitchFamily="34" charset="0"/>
+                        <a:cs typeface="Times New Roman" panose="02020603050405020304" pitchFamily="18" charset="0"/>
+                      </a:endParaRPr>
+                    </a:p>
+                  </a:txBody>
+                  <a:tcPr marL="68580" marR="68580" marT="0" marB="0" anchor="ctr"/>
+                </a:tc>
+                <a:tc>
+                  <a:txBody>
+                    <a:bodyPr/>
+                    <a:lstStyle/>
+                    <a:p>
+                      <a:pPr algn="ctr">
+                        <a:lnSpc>
+                          <a:spcPct val="115000"/>
+                        </a:lnSpc>
+                        <a:spcAft>
+                          <a:spcPts val="0"/>
+                        </a:spcAft>
+                      </a:pPr>
+                      <a:r>
+                        <a:rPr lang="fr-CH" sz="1200">
+                          <a:solidFill>
+                            <a:schemeClr val="bg1">
+                              <a:lumMod val="95000"/>
+                              <a:lumOff val="5000"/>
+                            </a:schemeClr>
+                          </a:solidFill>
+                          <a:effectLst/>
+                        </a:rPr>
+                        <a:t>Moyen</a:t>
+                      </a:r>
+                      <a:endParaRPr lang="fr-CH" sz="1200">
+                        <a:solidFill>
+                          <a:schemeClr val="bg1">
+                            <a:lumMod val="95000"/>
+                            <a:lumOff val="5000"/>
+                          </a:schemeClr>
+                        </a:solidFill>
+                        <a:effectLst/>
+                        <a:latin typeface="Calibri" panose="020F0502020204030204" pitchFamily="34" charset="0"/>
+                        <a:ea typeface="Calibri" panose="020F0502020204030204" pitchFamily="34" charset="0"/>
+                        <a:cs typeface="Times New Roman" panose="02020603050405020304" pitchFamily="18" charset="0"/>
+                      </a:endParaRPr>
+                    </a:p>
+                  </a:txBody>
+                  <a:tcPr marL="68580" marR="68580" marT="0" marB="0" anchor="ctr"/>
+                </a:tc>
+              </a:tr>
+              <a:tr h="0">
+                <a:tc>
+                  <a:txBody>
+                    <a:bodyPr/>
+                    <a:lstStyle/>
+                    <a:p>
+                      <a:pPr algn="ctr">
+                        <a:lnSpc>
+                          <a:spcPct val="115000"/>
+                        </a:lnSpc>
+                        <a:spcAft>
+                          <a:spcPts val="0"/>
+                        </a:spcAft>
+                      </a:pPr>
+                      <a:r>
+                        <a:rPr lang="fr-CH" sz="1200">
+                          <a:solidFill>
+                            <a:schemeClr val="bg1">
+                              <a:lumMod val="95000"/>
+                              <a:lumOff val="5000"/>
+                            </a:schemeClr>
+                          </a:solidFill>
+                          <a:effectLst/>
+                        </a:rPr>
+                        <a:t> </a:t>
+                      </a:r>
+                      <a:endParaRPr lang="fr-CH" sz="1200">
+                        <a:solidFill>
+                          <a:schemeClr val="bg1">
+                            <a:lumMod val="95000"/>
+                            <a:lumOff val="5000"/>
+                          </a:schemeClr>
+                        </a:solidFill>
+                        <a:effectLst/>
+                        <a:latin typeface="Calibri" panose="020F0502020204030204" pitchFamily="34" charset="0"/>
+                        <a:ea typeface="Calibri" panose="020F0502020204030204" pitchFamily="34" charset="0"/>
+                        <a:cs typeface="Times New Roman" panose="02020603050405020304" pitchFamily="18" charset="0"/>
+                      </a:endParaRPr>
+                    </a:p>
+                  </a:txBody>
+                  <a:tcPr marL="68580" marR="68580" marT="0" marB="0" anchor="ctr"/>
+                </a:tc>
+                <a:tc>
+                  <a:txBody>
+                    <a:bodyPr/>
+                    <a:lstStyle/>
+                    <a:p>
+                      <a:pPr algn="l">
+                        <a:lnSpc>
+                          <a:spcPct val="115000"/>
+                        </a:lnSpc>
+                        <a:spcAft>
+                          <a:spcPts val="0"/>
+                        </a:spcAft>
+                      </a:pPr>
+                      <a:r>
+                        <a:rPr lang="fr-CH" sz="1200">
+                          <a:solidFill>
+                            <a:schemeClr val="bg1">
+                              <a:lumMod val="95000"/>
+                              <a:lumOff val="5000"/>
+                            </a:schemeClr>
+                          </a:solidFill>
+                          <a:effectLst/>
+                        </a:rPr>
+                        <a:t> </a:t>
+                      </a:r>
+                      <a:endParaRPr lang="fr-CH" sz="1200">
+                        <a:solidFill>
+                          <a:schemeClr val="bg1">
+                            <a:lumMod val="95000"/>
+                            <a:lumOff val="5000"/>
+                          </a:schemeClr>
+                        </a:solidFill>
+                        <a:effectLst/>
+                        <a:latin typeface="Calibri" panose="020F0502020204030204" pitchFamily="34" charset="0"/>
+                        <a:ea typeface="Calibri" panose="020F0502020204030204" pitchFamily="34" charset="0"/>
+                        <a:cs typeface="Times New Roman" panose="02020603050405020304" pitchFamily="18" charset="0"/>
+                      </a:endParaRPr>
+                    </a:p>
+                  </a:txBody>
+                  <a:tcPr marL="68580" marR="68580" marT="0" marB="0" anchor="ctr"/>
+                </a:tc>
+                <a:tc>
+                  <a:txBody>
+                    <a:bodyPr/>
+                    <a:lstStyle/>
+                    <a:p>
+                      <a:pPr algn="ctr">
+                        <a:lnSpc>
+                          <a:spcPct val="115000"/>
+                        </a:lnSpc>
+                        <a:spcAft>
+                          <a:spcPts val="0"/>
+                        </a:spcAft>
+                      </a:pPr>
+                      <a:r>
+                        <a:rPr lang="fr-CH" sz="1200">
+                          <a:solidFill>
+                            <a:schemeClr val="bg1">
+                              <a:lumMod val="95000"/>
+                              <a:lumOff val="5000"/>
+                            </a:schemeClr>
+                          </a:solidFill>
+                          <a:effectLst/>
+                        </a:rPr>
+                        <a:t> </a:t>
+                      </a:r>
+                      <a:endParaRPr lang="fr-CH" sz="1200">
+                        <a:solidFill>
+                          <a:schemeClr val="bg1">
+                            <a:lumMod val="95000"/>
+                            <a:lumOff val="5000"/>
+                          </a:schemeClr>
+                        </a:solidFill>
+                        <a:effectLst/>
+                        <a:latin typeface="Calibri" panose="020F0502020204030204" pitchFamily="34" charset="0"/>
+                        <a:ea typeface="Calibri" panose="020F0502020204030204" pitchFamily="34" charset="0"/>
+                        <a:cs typeface="Times New Roman" panose="02020603050405020304" pitchFamily="18" charset="0"/>
+                      </a:endParaRPr>
+                    </a:p>
+                  </a:txBody>
+                  <a:tcPr marL="68580" marR="68580" marT="0" marB="0" anchor="ctr"/>
+                </a:tc>
+                <a:tc>
+                  <a:txBody>
+                    <a:bodyPr/>
+                    <a:lstStyle/>
+                    <a:p>
+                      <a:pPr algn="ctr">
+                        <a:lnSpc>
+                          <a:spcPct val="115000"/>
+                        </a:lnSpc>
+                        <a:spcAft>
+                          <a:spcPts val="0"/>
+                        </a:spcAft>
+                      </a:pPr>
+                      <a:r>
+                        <a:rPr lang="fr-CH" sz="1200">
+                          <a:solidFill>
+                            <a:schemeClr val="bg1">
+                              <a:lumMod val="95000"/>
+                              <a:lumOff val="5000"/>
+                            </a:schemeClr>
+                          </a:solidFill>
+                          <a:effectLst/>
+                        </a:rPr>
+                        <a:t> </a:t>
+                      </a:r>
+                      <a:endParaRPr lang="fr-CH" sz="1200">
+                        <a:solidFill>
+                          <a:schemeClr val="bg1">
+                            <a:lumMod val="95000"/>
+                            <a:lumOff val="5000"/>
+                          </a:schemeClr>
+                        </a:solidFill>
+                        <a:effectLst/>
+                        <a:latin typeface="Calibri" panose="020F0502020204030204" pitchFamily="34" charset="0"/>
+                        <a:ea typeface="Calibri" panose="020F0502020204030204" pitchFamily="34" charset="0"/>
+                        <a:cs typeface="Times New Roman" panose="02020603050405020304" pitchFamily="18" charset="0"/>
+                      </a:endParaRPr>
+                    </a:p>
+                  </a:txBody>
+                  <a:tcPr marL="68580" marR="68580" marT="0" marB="0" anchor="ctr"/>
+                </a:tc>
+                <a:tc>
+                  <a:txBody>
+                    <a:bodyPr/>
+                    <a:lstStyle/>
+                    <a:p>
+                      <a:pPr algn="ctr">
+                        <a:lnSpc>
+                          <a:spcPct val="115000"/>
+                        </a:lnSpc>
+                        <a:spcAft>
+                          <a:spcPts val="0"/>
+                        </a:spcAft>
+                      </a:pPr>
+                      <a:r>
+                        <a:rPr lang="fr-CH" sz="1200">
+                          <a:solidFill>
+                            <a:schemeClr val="bg1">
+                              <a:lumMod val="95000"/>
+                              <a:lumOff val="5000"/>
+                            </a:schemeClr>
+                          </a:solidFill>
+                          <a:effectLst/>
+                        </a:rPr>
+                        <a:t> </a:t>
+                      </a:r>
+                      <a:endParaRPr lang="fr-CH" sz="1200">
+                        <a:solidFill>
+                          <a:schemeClr val="bg1">
+                            <a:lumMod val="95000"/>
+                            <a:lumOff val="5000"/>
+                          </a:schemeClr>
+                        </a:solidFill>
+                        <a:effectLst/>
+                        <a:latin typeface="Calibri" panose="020F0502020204030204" pitchFamily="34" charset="0"/>
+                        <a:ea typeface="Calibri" panose="020F0502020204030204" pitchFamily="34" charset="0"/>
+                        <a:cs typeface="Times New Roman" panose="02020603050405020304" pitchFamily="18" charset="0"/>
+                      </a:endParaRPr>
+                    </a:p>
+                  </a:txBody>
+                  <a:tcPr marL="68580" marR="68580" marT="0" marB="0" anchor="ctr"/>
+                </a:tc>
+                <a:tc>
+                  <a:txBody>
+                    <a:bodyPr/>
+                    <a:lstStyle/>
+                    <a:p>
+                      <a:pPr algn="ctr">
+                        <a:lnSpc>
+                          <a:spcPct val="115000"/>
+                        </a:lnSpc>
+                        <a:spcAft>
+                          <a:spcPts val="0"/>
+                        </a:spcAft>
+                      </a:pPr>
+                      <a:r>
+                        <a:rPr lang="fr-CH" sz="1200">
+                          <a:solidFill>
+                            <a:schemeClr val="bg1">
+                              <a:lumMod val="95000"/>
+                              <a:lumOff val="5000"/>
+                            </a:schemeClr>
+                          </a:solidFill>
+                          <a:effectLst/>
+                        </a:rPr>
+                        <a:t> </a:t>
+                      </a:r>
+                      <a:endParaRPr lang="fr-CH" sz="1200">
+                        <a:solidFill>
+                          <a:schemeClr val="bg1">
+                            <a:lumMod val="95000"/>
+                            <a:lumOff val="5000"/>
+                          </a:schemeClr>
+                        </a:solidFill>
+                        <a:effectLst/>
+                        <a:latin typeface="Calibri" panose="020F0502020204030204" pitchFamily="34" charset="0"/>
+                        <a:ea typeface="Calibri" panose="020F0502020204030204" pitchFamily="34" charset="0"/>
+                        <a:cs typeface="Times New Roman" panose="02020603050405020304" pitchFamily="18" charset="0"/>
+                      </a:endParaRPr>
+                    </a:p>
+                  </a:txBody>
+                  <a:tcPr marL="68580" marR="68580" marT="0" marB="0" anchor="ctr"/>
+                </a:tc>
+                <a:tc>
+                  <a:txBody>
+                    <a:bodyPr/>
+                    <a:lstStyle/>
+                    <a:p>
+                      <a:pPr algn="ctr">
+                        <a:lnSpc>
+                          <a:spcPct val="115000"/>
+                        </a:lnSpc>
+                        <a:spcAft>
+                          <a:spcPts val="0"/>
+                        </a:spcAft>
+                      </a:pPr>
+                      <a:r>
+                        <a:rPr lang="fr-CH" sz="1200">
+                          <a:solidFill>
+                            <a:schemeClr val="bg1">
+                              <a:lumMod val="95000"/>
+                              <a:lumOff val="5000"/>
+                            </a:schemeClr>
+                          </a:solidFill>
+                          <a:effectLst/>
+                        </a:rPr>
+                        <a:t> </a:t>
+                      </a:r>
+                      <a:endParaRPr lang="fr-CH" sz="1200">
+                        <a:solidFill>
+                          <a:schemeClr val="bg1">
+                            <a:lumMod val="95000"/>
+                            <a:lumOff val="5000"/>
+                          </a:schemeClr>
+                        </a:solidFill>
+                        <a:effectLst/>
+                        <a:latin typeface="Calibri" panose="020F0502020204030204" pitchFamily="34" charset="0"/>
+                        <a:ea typeface="Calibri" panose="020F0502020204030204" pitchFamily="34" charset="0"/>
+                        <a:cs typeface="Times New Roman" panose="02020603050405020304" pitchFamily="18" charset="0"/>
+                      </a:endParaRPr>
+                    </a:p>
+                  </a:txBody>
+                  <a:tcPr marL="68580" marR="68580" marT="0" marB="0" anchor="ctr"/>
+                </a:tc>
+                <a:tc>
+                  <a:txBody>
+                    <a:bodyPr/>
+                    <a:lstStyle/>
+                    <a:p>
+                      <a:pPr algn="ctr">
+                        <a:lnSpc>
+                          <a:spcPct val="115000"/>
+                        </a:lnSpc>
+                        <a:spcAft>
+                          <a:spcPts val="0"/>
+                        </a:spcAft>
+                      </a:pPr>
+                      <a:r>
+                        <a:rPr lang="fr-CH" sz="1200">
+                          <a:solidFill>
+                            <a:schemeClr val="bg1">
+                              <a:lumMod val="95000"/>
+                              <a:lumOff val="5000"/>
+                            </a:schemeClr>
+                          </a:solidFill>
+                          <a:effectLst/>
+                        </a:rPr>
+                        <a:t> </a:t>
+                      </a:r>
+                      <a:endParaRPr lang="fr-CH" sz="1200">
+                        <a:solidFill>
+                          <a:schemeClr val="bg1">
+                            <a:lumMod val="95000"/>
+                            <a:lumOff val="5000"/>
+                          </a:schemeClr>
+                        </a:solidFill>
+                        <a:effectLst/>
+                        <a:latin typeface="Calibri" panose="020F0502020204030204" pitchFamily="34" charset="0"/>
+                        <a:ea typeface="Calibri" panose="020F0502020204030204" pitchFamily="34" charset="0"/>
+                        <a:cs typeface="Times New Roman" panose="02020603050405020304" pitchFamily="18" charset="0"/>
+                      </a:endParaRPr>
+                    </a:p>
+                  </a:txBody>
+                  <a:tcPr marL="68580" marR="68580" marT="0" marB="0" anchor="ctr"/>
+                </a:tc>
+              </a:tr>
+              <a:tr h="430530">
+                <a:tc>
+                  <a:txBody>
+                    <a:bodyPr/>
+                    <a:lstStyle/>
+                    <a:p>
+                      <a:pPr algn="ctr">
+                        <a:lnSpc>
+                          <a:spcPct val="115000"/>
+                        </a:lnSpc>
+                        <a:spcAft>
+                          <a:spcPts val="0"/>
+                        </a:spcAft>
+                      </a:pPr>
+                      <a:r>
+                        <a:rPr lang="fr-CH" sz="1200" dirty="0">
+                          <a:solidFill>
+                            <a:schemeClr val="bg1">
+                              <a:lumMod val="95000"/>
+                              <a:lumOff val="5000"/>
+                            </a:schemeClr>
+                          </a:solidFill>
+                          <a:effectLst/>
+                        </a:rPr>
+                        <a:t>RT01</a:t>
+                      </a:r>
+                      <a:endParaRPr lang="fr-CH" sz="1200" dirty="0">
+                        <a:solidFill>
+                          <a:schemeClr val="bg1">
+                            <a:lumMod val="95000"/>
+                            <a:lumOff val="5000"/>
+                          </a:schemeClr>
+                        </a:solidFill>
+                        <a:effectLst/>
+                        <a:latin typeface="Calibri" panose="020F0502020204030204" pitchFamily="34" charset="0"/>
+                        <a:ea typeface="Calibri" panose="020F0502020204030204" pitchFamily="34" charset="0"/>
+                        <a:cs typeface="Times New Roman" panose="02020603050405020304" pitchFamily="18" charset="0"/>
+                      </a:endParaRPr>
+                    </a:p>
+                  </a:txBody>
+                  <a:tcPr marL="68580" marR="68580" marT="0" marB="0" anchor="ctr"/>
+                </a:tc>
+                <a:tc>
+                  <a:txBody>
+                    <a:bodyPr/>
+                    <a:lstStyle/>
+                    <a:p>
+                      <a:pPr algn="l">
+                        <a:lnSpc>
+                          <a:spcPct val="115000"/>
+                        </a:lnSpc>
+                        <a:spcAft>
+                          <a:spcPts val="0"/>
+                        </a:spcAft>
+                      </a:pPr>
+                      <a:r>
+                        <a:rPr lang="fr-CH" sz="1200">
+                          <a:solidFill>
+                            <a:schemeClr val="bg1">
+                              <a:lumMod val="95000"/>
+                              <a:lumOff val="5000"/>
+                            </a:schemeClr>
+                          </a:solidFill>
+                          <a:effectLst/>
+                        </a:rPr>
+                        <a:t>Perte de temps liée aux technologies choisies.</a:t>
+                      </a:r>
+                      <a:endParaRPr lang="fr-CH" sz="1200">
+                        <a:solidFill>
+                          <a:schemeClr val="bg1">
+                            <a:lumMod val="95000"/>
+                            <a:lumOff val="5000"/>
+                          </a:schemeClr>
+                        </a:solidFill>
+                        <a:effectLst/>
+                        <a:latin typeface="Calibri" panose="020F0502020204030204" pitchFamily="34" charset="0"/>
+                        <a:ea typeface="Calibri" panose="020F0502020204030204" pitchFamily="34" charset="0"/>
+                        <a:cs typeface="Times New Roman" panose="02020603050405020304" pitchFamily="18" charset="0"/>
+                      </a:endParaRPr>
+                    </a:p>
+                  </a:txBody>
+                  <a:tcPr marL="68580" marR="68580" marT="0" marB="0" anchor="ctr"/>
+                </a:tc>
+                <a:tc>
+                  <a:txBody>
+                    <a:bodyPr/>
+                    <a:lstStyle/>
+                    <a:p>
+                      <a:pPr algn="ctr">
+                        <a:lnSpc>
+                          <a:spcPct val="115000"/>
+                        </a:lnSpc>
+                        <a:spcAft>
+                          <a:spcPts val="0"/>
+                        </a:spcAft>
+                      </a:pPr>
+                      <a:r>
+                        <a:rPr lang="fr-CH" sz="1200">
+                          <a:solidFill>
+                            <a:schemeClr val="bg1">
+                              <a:lumMod val="95000"/>
+                              <a:lumOff val="5000"/>
+                            </a:schemeClr>
+                          </a:solidFill>
+                          <a:effectLst/>
+                        </a:rPr>
+                        <a:t>2-&gt;3</a:t>
+                      </a:r>
+                      <a:endParaRPr lang="fr-CH" sz="1200">
+                        <a:solidFill>
+                          <a:schemeClr val="bg1">
+                            <a:lumMod val="95000"/>
+                            <a:lumOff val="5000"/>
+                          </a:schemeClr>
+                        </a:solidFill>
+                        <a:effectLst/>
+                        <a:latin typeface="Calibri" panose="020F0502020204030204" pitchFamily="34" charset="0"/>
+                        <a:ea typeface="Calibri" panose="020F0502020204030204" pitchFamily="34" charset="0"/>
+                        <a:cs typeface="Times New Roman" panose="02020603050405020304" pitchFamily="18" charset="0"/>
+                      </a:endParaRPr>
+                    </a:p>
+                  </a:txBody>
+                  <a:tcPr marL="68580" marR="68580" marT="0" marB="0" anchor="ctr"/>
+                </a:tc>
+                <a:tc>
+                  <a:txBody>
+                    <a:bodyPr/>
+                    <a:lstStyle/>
+                    <a:p>
+                      <a:pPr algn="ctr">
+                        <a:lnSpc>
+                          <a:spcPct val="115000"/>
+                        </a:lnSpc>
+                        <a:spcAft>
+                          <a:spcPts val="0"/>
+                        </a:spcAft>
+                      </a:pPr>
+                      <a:r>
+                        <a:rPr lang="fr-CH" sz="1200">
+                          <a:solidFill>
+                            <a:schemeClr val="bg1">
+                              <a:lumMod val="95000"/>
+                              <a:lumOff val="5000"/>
+                            </a:schemeClr>
+                          </a:solidFill>
+                          <a:effectLst/>
+                        </a:rPr>
+                        <a:t>2</a:t>
+                      </a:r>
+                      <a:endParaRPr lang="fr-CH" sz="1200">
+                        <a:solidFill>
+                          <a:schemeClr val="bg1">
+                            <a:lumMod val="95000"/>
+                            <a:lumOff val="5000"/>
+                          </a:schemeClr>
+                        </a:solidFill>
+                        <a:effectLst/>
+                        <a:latin typeface="Calibri" panose="020F0502020204030204" pitchFamily="34" charset="0"/>
+                        <a:ea typeface="Calibri" panose="020F0502020204030204" pitchFamily="34" charset="0"/>
+                        <a:cs typeface="Times New Roman" panose="02020603050405020304" pitchFamily="18" charset="0"/>
+                      </a:endParaRPr>
+                    </a:p>
+                  </a:txBody>
+                  <a:tcPr marL="68580" marR="68580" marT="0" marB="0" anchor="ctr"/>
+                </a:tc>
+                <a:tc>
+                  <a:txBody>
+                    <a:bodyPr/>
+                    <a:lstStyle/>
+                    <a:p>
+                      <a:pPr algn="ctr">
+                        <a:lnSpc>
+                          <a:spcPct val="115000"/>
+                        </a:lnSpc>
+                        <a:spcAft>
+                          <a:spcPts val="0"/>
+                        </a:spcAft>
+                      </a:pPr>
+                      <a:r>
+                        <a:rPr lang="fr-CH" sz="1200">
+                          <a:solidFill>
+                            <a:schemeClr val="bg1">
+                              <a:lumMod val="95000"/>
+                              <a:lumOff val="5000"/>
+                            </a:schemeClr>
+                          </a:solidFill>
+                          <a:effectLst/>
+                        </a:rPr>
+                        <a:t>1</a:t>
+                      </a:r>
+                      <a:endParaRPr lang="fr-CH" sz="1200">
+                        <a:solidFill>
+                          <a:schemeClr val="bg1">
+                            <a:lumMod val="95000"/>
+                            <a:lumOff val="5000"/>
+                          </a:schemeClr>
+                        </a:solidFill>
+                        <a:effectLst/>
+                        <a:latin typeface="Calibri" panose="020F0502020204030204" pitchFamily="34" charset="0"/>
+                        <a:ea typeface="Calibri" panose="020F0502020204030204" pitchFamily="34" charset="0"/>
+                        <a:cs typeface="Times New Roman" panose="02020603050405020304" pitchFamily="18" charset="0"/>
+                      </a:endParaRPr>
+                    </a:p>
+                  </a:txBody>
+                  <a:tcPr marL="68580" marR="68580" marT="0" marB="0" anchor="ctr"/>
+                </a:tc>
+                <a:tc>
+                  <a:txBody>
+                    <a:bodyPr/>
+                    <a:lstStyle/>
+                    <a:p>
+                      <a:pPr algn="ctr">
+                        <a:lnSpc>
+                          <a:spcPct val="115000"/>
+                        </a:lnSpc>
+                        <a:spcAft>
+                          <a:spcPts val="0"/>
+                        </a:spcAft>
+                      </a:pPr>
+                      <a:r>
+                        <a:rPr lang="fr-CH" sz="1200">
+                          <a:solidFill>
+                            <a:schemeClr val="bg1">
+                              <a:lumMod val="95000"/>
+                              <a:lumOff val="5000"/>
+                            </a:schemeClr>
+                          </a:solidFill>
+                          <a:effectLst/>
+                        </a:rPr>
+                        <a:t>2</a:t>
+                      </a:r>
+                      <a:endParaRPr lang="fr-CH" sz="1200">
+                        <a:solidFill>
+                          <a:schemeClr val="bg1">
+                            <a:lumMod val="95000"/>
+                            <a:lumOff val="5000"/>
+                          </a:schemeClr>
+                        </a:solidFill>
+                        <a:effectLst/>
+                        <a:latin typeface="Calibri" panose="020F0502020204030204" pitchFamily="34" charset="0"/>
+                        <a:ea typeface="Calibri" panose="020F0502020204030204" pitchFamily="34" charset="0"/>
+                        <a:cs typeface="Times New Roman" panose="02020603050405020304" pitchFamily="18" charset="0"/>
+                      </a:endParaRPr>
+                    </a:p>
+                  </a:txBody>
+                  <a:tcPr marL="68580" marR="68580" marT="0" marB="0" anchor="ctr"/>
+                </a:tc>
+                <a:tc>
+                  <a:txBody>
+                    <a:bodyPr/>
+                    <a:lstStyle/>
+                    <a:p>
+                      <a:pPr algn="ctr">
+                        <a:lnSpc>
+                          <a:spcPct val="115000"/>
+                        </a:lnSpc>
+                        <a:spcAft>
+                          <a:spcPts val="0"/>
+                        </a:spcAft>
+                      </a:pPr>
+                      <a:r>
+                        <a:rPr lang="fr-CH" sz="1200">
+                          <a:solidFill>
+                            <a:schemeClr val="bg1">
+                              <a:lumMod val="95000"/>
+                              <a:lumOff val="5000"/>
+                            </a:schemeClr>
+                          </a:solidFill>
+                          <a:effectLst/>
+                        </a:rPr>
+                        <a:t>8-&gt;12</a:t>
+                      </a:r>
+                      <a:endParaRPr lang="fr-CH" sz="1200">
+                        <a:solidFill>
+                          <a:schemeClr val="bg1">
+                            <a:lumMod val="95000"/>
+                            <a:lumOff val="5000"/>
+                          </a:schemeClr>
+                        </a:solidFill>
+                        <a:effectLst/>
+                        <a:latin typeface="Calibri" panose="020F0502020204030204" pitchFamily="34" charset="0"/>
+                        <a:ea typeface="Calibri" panose="020F0502020204030204" pitchFamily="34" charset="0"/>
+                        <a:cs typeface="Times New Roman" panose="02020603050405020304" pitchFamily="18" charset="0"/>
+                      </a:endParaRPr>
+                    </a:p>
+                  </a:txBody>
+                  <a:tcPr marL="68580" marR="68580" marT="0" marB="0" anchor="ctr"/>
+                </a:tc>
+                <a:tc>
+                  <a:txBody>
+                    <a:bodyPr/>
+                    <a:lstStyle/>
+                    <a:p>
+                      <a:pPr algn="ctr">
+                        <a:lnSpc>
+                          <a:spcPct val="115000"/>
+                        </a:lnSpc>
+                        <a:spcAft>
+                          <a:spcPts val="0"/>
+                        </a:spcAft>
+                      </a:pPr>
+                      <a:r>
+                        <a:rPr lang="fr-CH" sz="1200" dirty="0">
+                          <a:solidFill>
+                            <a:schemeClr val="bg1">
+                              <a:lumMod val="95000"/>
+                              <a:lumOff val="5000"/>
+                            </a:schemeClr>
+                          </a:solidFill>
+                          <a:effectLst/>
+                        </a:rPr>
+                        <a:t>Important</a:t>
+                      </a:r>
+                      <a:endParaRPr lang="fr-CH" sz="1200" dirty="0">
+                        <a:solidFill>
+                          <a:schemeClr val="bg1">
+                            <a:lumMod val="95000"/>
+                            <a:lumOff val="5000"/>
+                          </a:schemeClr>
+                        </a:solidFill>
+                        <a:effectLst/>
+                        <a:latin typeface="Calibri" panose="020F0502020204030204" pitchFamily="34" charset="0"/>
+                        <a:ea typeface="Calibri" panose="020F0502020204030204" pitchFamily="34" charset="0"/>
+                        <a:cs typeface="Times New Roman" panose="02020603050405020304" pitchFamily="18" charset="0"/>
+                      </a:endParaRPr>
+                    </a:p>
+                  </a:txBody>
+                  <a:tcPr marL="68580" marR="68580" marT="0" marB="0" anchor="ctr"/>
+                </a:tc>
+              </a:tr>
+            </a:tbl>
+          </a:graphicData>
+        </a:graphic>
+      </p:graphicFrame>
+      <p:graphicFrame>
+        <p:nvGraphicFramePr>
+          <p:cNvPr id="5" name="Tableau 4"/>
+          <p:cNvGraphicFramePr>
+            <a:graphicFrameLocks noGrp="1"/>
+          </p:cNvGraphicFramePr>
+          <p:nvPr>
+            <p:custDataLst>
+              <p:tags r:id="rId3"/>
+            </p:custDataLst>
+            <p:extLst>
+              <p:ext uri="{D42A27DB-BD31-4B8C-83A1-F6EECF244321}">
+                <p14:modId xmlns:p14="http://schemas.microsoft.com/office/powerpoint/2010/main" val="3729773450"/>
+              </p:ext>
+            </p:extLst>
+          </p:nvPr>
+        </p:nvGraphicFramePr>
+        <p:xfrm>
+          <a:off x="895535" y="5883307"/>
+          <a:ext cx="8858250" cy="393193"/>
+        </p:xfrm>
+        <a:graphic>
+          <a:graphicData uri="http://schemas.openxmlformats.org/drawingml/2006/table">
+            <a:tbl>
+              <a:tblPr firstRow="1" firstCol="1" bandRow="1">
+                <a:tableStyleId>{5C22544A-7EE6-4342-B048-85BDC9FD1C3A}</a:tableStyleId>
+              </a:tblPr>
+              <a:tblGrid>
+                <a:gridCol w="2952750"/>
+                <a:gridCol w="2952750"/>
+                <a:gridCol w="2952750"/>
+              </a:tblGrid>
+              <a:tr h="0">
+                <a:tc>
+                  <a:txBody>
+                    <a:bodyPr/>
+                    <a:lstStyle/>
+                    <a:p>
+                      <a:pPr algn="ctr">
+                        <a:lnSpc>
+                          <a:spcPct val="115000"/>
+                        </a:lnSpc>
+                        <a:spcAft>
+                          <a:spcPts val="0"/>
+                        </a:spcAft>
+                      </a:pPr>
+                      <a:r>
+                        <a:rPr lang="fr-CH" sz="1200" dirty="0">
+                          <a:solidFill>
+                            <a:schemeClr val="bg1">
+                              <a:lumMod val="95000"/>
+                              <a:lumOff val="5000"/>
+                            </a:schemeClr>
+                          </a:solidFill>
+                          <a:effectLst/>
+                        </a:rPr>
+                        <a:t>Faible</a:t>
+                      </a:r>
+                      <a:endParaRPr lang="fr-CH" sz="1200" dirty="0">
+                        <a:solidFill>
+                          <a:schemeClr val="bg1">
+                            <a:lumMod val="95000"/>
+                            <a:lumOff val="5000"/>
+                          </a:schemeClr>
+                        </a:solidFill>
+                        <a:effectLst/>
+                        <a:latin typeface="Calibri" panose="020F0502020204030204" pitchFamily="34" charset="0"/>
+                        <a:ea typeface="Calibri" panose="020F0502020204030204" pitchFamily="34" charset="0"/>
+                        <a:cs typeface="Times New Roman" panose="02020603050405020304" pitchFamily="18" charset="0"/>
+                      </a:endParaRPr>
+                    </a:p>
+                  </a:txBody>
+                  <a:tcPr marL="68580" marR="68580" marT="0" marB="0" anchor="ctr"/>
+                </a:tc>
+                <a:tc>
+                  <a:txBody>
+                    <a:bodyPr/>
+                    <a:lstStyle/>
+                    <a:p>
+                      <a:pPr algn="ctr">
+                        <a:lnSpc>
+                          <a:spcPct val="115000"/>
+                        </a:lnSpc>
+                        <a:spcAft>
+                          <a:spcPts val="0"/>
+                        </a:spcAft>
+                      </a:pPr>
+                      <a:r>
+                        <a:rPr lang="fr-CH" sz="1200">
+                          <a:solidFill>
+                            <a:schemeClr val="bg1">
+                              <a:lumMod val="95000"/>
+                              <a:lumOff val="5000"/>
+                            </a:schemeClr>
+                          </a:solidFill>
+                          <a:effectLst/>
+                        </a:rPr>
+                        <a:t>Moyen</a:t>
+                      </a:r>
+                      <a:endParaRPr lang="fr-CH" sz="1200">
+                        <a:solidFill>
+                          <a:schemeClr val="bg1">
+                            <a:lumMod val="95000"/>
+                            <a:lumOff val="5000"/>
+                          </a:schemeClr>
+                        </a:solidFill>
+                        <a:effectLst/>
+                        <a:latin typeface="Calibri" panose="020F0502020204030204" pitchFamily="34" charset="0"/>
+                        <a:ea typeface="Calibri" panose="020F0502020204030204" pitchFamily="34" charset="0"/>
+                        <a:cs typeface="Times New Roman" panose="02020603050405020304" pitchFamily="18" charset="0"/>
+                      </a:endParaRPr>
+                    </a:p>
+                  </a:txBody>
+                  <a:tcPr marL="68580" marR="68580" marT="0" marB="0" anchor="ctr"/>
+                </a:tc>
+                <a:tc>
+                  <a:txBody>
+                    <a:bodyPr/>
+                    <a:lstStyle/>
+                    <a:p>
+                      <a:pPr algn="ctr">
+                        <a:lnSpc>
+                          <a:spcPct val="115000"/>
+                        </a:lnSpc>
+                        <a:spcAft>
+                          <a:spcPts val="0"/>
+                        </a:spcAft>
+                      </a:pPr>
+                      <a:r>
+                        <a:rPr lang="fr-CH" sz="1200">
+                          <a:solidFill>
+                            <a:schemeClr val="bg1">
+                              <a:lumMod val="95000"/>
+                              <a:lumOff val="5000"/>
+                            </a:schemeClr>
+                          </a:solidFill>
+                          <a:effectLst/>
+                        </a:rPr>
+                        <a:t>Important</a:t>
+                      </a:r>
+                      <a:endParaRPr lang="fr-CH" sz="1200">
+                        <a:solidFill>
+                          <a:schemeClr val="bg1">
+                            <a:lumMod val="95000"/>
+                            <a:lumOff val="5000"/>
+                          </a:schemeClr>
+                        </a:solidFill>
+                        <a:effectLst/>
+                        <a:latin typeface="Calibri" panose="020F0502020204030204" pitchFamily="34" charset="0"/>
+                        <a:ea typeface="Calibri" panose="020F0502020204030204" pitchFamily="34" charset="0"/>
+                        <a:cs typeface="Times New Roman" panose="02020603050405020304" pitchFamily="18" charset="0"/>
+                      </a:endParaRPr>
+                    </a:p>
+                  </a:txBody>
+                  <a:tcPr marL="68580" marR="68580" marT="0" marB="0" anchor="ctr"/>
+                </a:tc>
+              </a:tr>
+              <a:tr h="0">
+                <a:tc>
+                  <a:txBody>
+                    <a:bodyPr/>
+                    <a:lstStyle/>
+                    <a:p>
+                      <a:pPr algn="ctr">
+                        <a:lnSpc>
+                          <a:spcPct val="115000"/>
+                        </a:lnSpc>
+                        <a:spcAft>
+                          <a:spcPts val="0"/>
+                        </a:spcAft>
+                      </a:pPr>
+                      <a:r>
+                        <a:rPr lang="fr-CH" sz="1200" dirty="0">
+                          <a:solidFill>
+                            <a:schemeClr val="bg1">
+                              <a:lumMod val="95000"/>
+                              <a:lumOff val="5000"/>
+                            </a:schemeClr>
+                          </a:solidFill>
+                          <a:effectLst/>
+                        </a:rPr>
+                        <a:t>1&lt;= C &lt;= 2</a:t>
+                      </a:r>
+                      <a:endParaRPr lang="fr-CH" sz="1200" dirty="0">
+                        <a:solidFill>
+                          <a:schemeClr val="bg1">
+                            <a:lumMod val="95000"/>
+                            <a:lumOff val="5000"/>
+                          </a:schemeClr>
+                        </a:solidFill>
+                        <a:effectLst/>
+                        <a:latin typeface="Calibri" panose="020F0502020204030204" pitchFamily="34" charset="0"/>
+                        <a:ea typeface="Calibri" panose="020F0502020204030204" pitchFamily="34" charset="0"/>
+                        <a:cs typeface="Times New Roman" panose="02020603050405020304" pitchFamily="18" charset="0"/>
+                      </a:endParaRPr>
+                    </a:p>
+                  </a:txBody>
+                  <a:tcPr marL="68580" marR="68580" marT="0" marB="0" anchor="ctr"/>
+                </a:tc>
+                <a:tc>
+                  <a:txBody>
+                    <a:bodyPr/>
+                    <a:lstStyle/>
+                    <a:p>
+                      <a:pPr algn="ctr">
+                        <a:lnSpc>
+                          <a:spcPct val="115000"/>
+                        </a:lnSpc>
+                        <a:spcAft>
+                          <a:spcPts val="0"/>
+                        </a:spcAft>
+                      </a:pPr>
+                      <a:r>
+                        <a:rPr lang="fr-CH" sz="1200">
+                          <a:solidFill>
+                            <a:schemeClr val="bg1">
+                              <a:lumMod val="95000"/>
+                              <a:lumOff val="5000"/>
+                            </a:schemeClr>
+                          </a:solidFill>
+                          <a:effectLst/>
+                        </a:rPr>
+                        <a:t>3&lt;= C &lt;= 8</a:t>
+                      </a:r>
+                      <a:endParaRPr lang="fr-CH" sz="1200">
+                        <a:solidFill>
+                          <a:schemeClr val="bg1">
+                            <a:lumMod val="95000"/>
+                            <a:lumOff val="5000"/>
+                          </a:schemeClr>
+                        </a:solidFill>
+                        <a:effectLst/>
+                        <a:latin typeface="Calibri" panose="020F0502020204030204" pitchFamily="34" charset="0"/>
+                        <a:ea typeface="Calibri" panose="020F0502020204030204" pitchFamily="34" charset="0"/>
+                        <a:cs typeface="Times New Roman" panose="02020603050405020304" pitchFamily="18" charset="0"/>
+                      </a:endParaRPr>
+                    </a:p>
+                  </a:txBody>
+                  <a:tcPr marL="68580" marR="68580" marT="0" marB="0" anchor="ctr"/>
+                </a:tc>
+                <a:tc>
+                  <a:txBody>
+                    <a:bodyPr/>
+                    <a:lstStyle/>
+                    <a:p>
+                      <a:pPr algn="ctr">
+                        <a:lnSpc>
+                          <a:spcPct val="115000"/>
+                        </a:lnSpc>
+                        <a:spcAft>
+                          <a:spcPts val="0"/>
+                        </a:spcAft>
+                      </a:pPr>
+                      <a:r>
+                        <a:rPr lang="fr-CH" sz="1200" dirty="0">
+                          <a:solidFill>
+                            <a:schemeClr val="bg1">
+                              <a:lumMod val="95000"/>
+                              <a:lumOff val="5000"/>
+                            </a:schemeClr>
+                          </a:solidFill>
+                          <a:effectLst/>
+                        </a:rPr>
+                        <a:t>9&lt;= C &lt;= 81</a:t>
+                      </a:r>
+                      <a:endParaRPr lang="fr-CH" sz="1200" dirty="0">
+                        <a:solidFill>
+                          <a:schemeClr val="bg1">
+                            <a:lumMod val="95000"/>
+                            <a:lumOff val="5000"/>
+                          </a:schemeClr>
+                        </a:solidFill>
+                        <a:effectLst/>
+                        <a:latin typeface="Calibri" panose="020F0502020204030204" pitchFamily="34" charset="0"/>
+                        <a:ea typeface="Calibri" panose="020F0502020204030204" pitchFamily="34" charset="0"/>
+                        <a:cs typeface="Times New Roman" panose="02020603050405020304" pitchFamily="18" charset="0"/>
+                      </a:endParaRPr>
+                    </a:p>
+                  </a:txBody>
+                  <a:tcPr marL="68580" marR="68580" marT="0" marB="0" anchor="ctr"/>
+                </a:tc>
+              </a:tr>
+            </a:tbl>
+          </a:graphicData>
+        </a:graphic>
+      </p:graphicFrame>
+      <p:sp>
+        <p:nvSpPr>
+          <p:cNvPr id="7" name="Espace réservé du contenu 2"/>
+          <p:cNvSpPr txBox="1">
+            <a:spLocks/>
+          </p:cNvSpPr>
+          <p:nvPr>
+            <p:custDataLst>
+              <p:tags r:id="rId4"/>
+            </p:custDataLst>
+          </p:nvPr>
+        </p:nvSpPr>
+        <p:spPr>
+          <a:xfrm>
+            <a:off x="807244" y="1687826"/>
+            <a:ext cx="8946541" cy="4195481"/>
+          </a:xfrm>
+          <a:prstGeom prst="rect">
+            <a:avLst/>
+          </a:prstGeom>
+        </p:spPr>
+        <p:txBody>
+          <a:bodyPr vert="horz" lIns="91440" tIns="45720" rIns="91440" bIns="45720" rtlCol="0">
+            <a:normAutofit/>
+          </a:bodyPr>
+          <a:lstStyle>
+            <a:lvl1pPr marL="342900" indent="-342900" algn="l" defTabSz="457200" rtl="0" eaLnBrk="1" latinLnBrk="0" hangingPunct="1">
+              <a:spcBef>
+                <a:spcPts val="1000"/>
+              </a:spcBef>
+              <a:spcAft>
+                <a:spcPts val="0"/>
+              </a:spcAft>
+              <a:buClr>
+                <a:schemeClr val="accent1"/>
+              </a:buClr>
+              <a:buSzPct val="80000"/>
+              <a:buFont typeface="Wingdings 3" charset="2"/>
+              <a:buChar char=""/>
+              <a:defRPr sz="2000" b="0" i="0" kern="1200">
+                <a:solidFill>
+                  <a:schemeClr val="tx1"/>
+                </a:solidFill>
+                <a:latin typeface="+mj-lt"/>
+                <a:ea typeface="+mj-ea"/>
+                <a:cs typeface="+mj-cs"/>
+              </a:defRPr>
+            </a:lvl1pPr>
+            <a:lvl2pPr marL="742950" indent="-285750" algn="l" defTabSz="457200" rtl="0" eaLnBrk="1" latinLnBrk="0" hangingPunct="1">
+              <a:spcBef>
+                <a:spcPts val="1000"/>
+              </a:spcBef>
+              <a:spcAft>
+                <a:spcPts val="0"/>
+              </a:spcAft>
+              <a:buClr>
+                <a:schemeClr val="accent1"/>
+              </a:buClr>
+              <a:buSzPct val="80000"/>
+              <a:buFont typeface="Wingdings 3" charset="2"/>
+              <a:buChar char=""/>
+              <a:defRPr sz="1800" b="0" i="0" kern="1200">
+                <a:solidFill>
+                  <a:schemeClr val="tx1"/>
+                </a:solidFill>
+                <a:latin typeface="+mj-lt"/>
+                <a:ea typeface="+mj-ea"/>
+                <a:cs typeface="+mj-cs"/>
+              </a:defRPr>
+            </a:lvl2pPr>
+            <a:lvl3pPr marL="1143000" indent="-228600" algn="l" defTabSz="457200" rtl="0" eaLnBrk="1" latinLnBrk="0" hangingPunct="1">
+              <a:spcBef>
+                <a:spcPts val="1000"/>
+              </a:spcBef>
+              <a:spcAft>
+                <a:spcPts val="0"/>
+              </a:spcAft>
+              <a:buClr>
+                <a:schemeClr val="accent1"/>
+              </a:buClr>
+              <a:buSzPct val="80000"/>
+              <a:buFont typeface="Wingdings 3" charset="2"/>
+              <a:buChar char=""/>
+              <a:defRPr sz="1600" b="0" i="0" kern="1200">
+                <a:solidFill>
+                  <a:schemeClr val="tx1"/>
+                </a:solidFill>
+                <a:latin typeface="+mj-lt"/>
+                <a:ea typeface="+mj-ea"/>
+                <a:cs typeface="+mj-cs"/>
+              </a:defRPr>
+            </a:lvl3pPr>
+            <a:lvl4pPr marL="1600200" indent="-228600" algn="l" defTabSz="457200" rtl="0" eaLnBrk="1" latinLnBrk="0" hangingPunct="1">
+              <a:spcBef>
+                <a:spcPts val="1000"/>
+              </a:spcBef>
+              <a:spcAft>
+                <a:spcPts val="0"/>
+              </a:spcAft>
+              <a:buClr>
+                <a:schemeClr val="accent1"/>
+              </a:buClr>
+              <a:buSzPct val="80000"/>
+              <a:buFont typeface="Wingdings 3" charset="2"/>
+              <a:buChar char=""/>
+              <a:defRPr sz="1400" b="0" i="0" kern="1200">
+                <a:solidFill>
+                  <a:schemeClr val="tx1"/>
+                </a:solidFill>
+                <a:latin typeface="+mj-lt"/>
+                <a:ea typeface="+mj-ea"/>
+                <a:cs typeface="+mj-cs"/>
+              </a:defRPr>
+            </a:lvl4pPr>
+            <a:lvl5pPr marL="2057400" indent="-228600" algn="l" defTabSz="457200" rtl="0" eaLnBrk="1" latinLnBrk="0" hangingPunct="1">
+              <a:spcBef>
+                <a:spcPts val="1000"/>
+              </a:spcBef>
+              <a:spcAft>
+                <a:spcPts val="0"/>
+              </a:spcAft>
+              <a:buClr>
+                <a:schemeClr val="accent1"/>
+              </a:buClr>
+              <a:buSzPct val="80000"/>
+              <a:buFont typeface="Wingdings 3" charset="2"/>
+              <a:buChar char=""/>
+              <a:defRPr sz="1400" b="0" i="0" kern="1200">
+                <a:solidFill>
+                  <a:schemeClr val="tx1"/>
+                </a:solidFill>
+                <a:latin typeface="+mj-lt"/>
+                <a:ea typeface="+mj-ea"/>
+                <a:cs typeface="+mj-cs"/>
+              </a:defRPr>
+            </a:lvl5pPr>
+            <a:lvl6pPr marL="2514600" indent="-228600" algn="l" defTabSz="457200" rtl="0" eaLnBrk="1" latinLnBrk="0" hangingPunct="1">
+              <a:spcBef>
+                <a:spcPts val="1000"/>
+              </a:spcBef>
+              <a:spcAft>
+                <a:spcPts val="0"/>
+              </a:spcAft>
+              <a:buClr>
+                <a:schemeClr val="accent1"/>
+              </a:buClr>
+              <a:buSzPct val="80000"/>
+              <a:buFont typeface="Wingdings 3" charset="2"/>
+              <a:buChar char=""/>
+              <a:defRPr sz="1400" b="0" i="0" kern="1200">
+                <a:solidFill>
+                  <a:schemeClr val="tx1"/>
+                </a:solidFill>
+                <a:latin typeface="+mj-lt"/>
+                <a:ea typeface="+mj-ea"/>
+                <a:cs typeface="+mj-cs"/>
+              </a:defRPr>
+            </a:lvl6pPr>
+            <a:lvl7pPr marL="2971800" indent="-228600" algn="l" defTabSz="457200" rtl="0" eaLnBrk="1" latinLnBrk="0" hangingPunct="1">
+              <a:spcBef>
+                <a:spcPts val="1000"/>
+              </a:spcBef>
+              <a:spcAft>
+                <a:spcPts val="0"/>
+              </a:spcAft>
+              <a:buClr>
+                <a:schemeClr val="accent1"/>
+              </a:buClr>
+              <a:buSzPct val="80000"/>
+              <a:buFont typeface="Wingdings 3" charset="2"/>
+              <a:buChar char=""/>
+              <a:defRPr sz="1400" b="0" i="0" kern="1200">
+                <a:solidFill>
+                  <a:schemeClr val="tx1"/>
+                </a:solidFill>
+                <a:latin typeface="+mj-lt"/>
+                <a:ea typeface="+mj-ea"/>
+                <a:cs typeface="+mj-cs"/>
+              </a:defRPr>
+            </a:lvl7pPr>
+            <a:lvl8pPr marL="3429000" indent="-228600" algn="l" defTabSz="457200" rtl="0" eaLnBrk="1" latinLnBrk="0" hangingPunct="1">
+              <a:spcBef>
+                <a:spcPts val="1000"/>
+              </a:spcBef>
+              <a:spcAft>
+                <a:spcPts val="0"/>
+              </a:spcAft>
+              <a:buClr>
+                <a:schemeClr val="accent1"/>
+              </a:buClr>
+              <a:buSzPct val="80000"/>
+              <a:buFont typeface="Wingdings 3" charset="2"/>
+              <a:buChar char=""/>
+              <a:defRPr sz="1400" b="0" i="0" kern="1200">
+                <a:solidFill>
+                  <a:schemeClr val="tx1"/>
+                </a:solidFill>
+                <a:latin typeface="+mj-lt"/>
+                <a:ea typeface="+mj-ea"/>
+                <a:cs typeface="+mj-cs"/>
+              </a:defRPr>
+            </a:lvl8pPr>
+            <a:lvl9pPr marL="3886200" indent="-228600" algn="l" defTabSz="457200" rtl="0" eaLnBrk="1" latinLnBrk="0" hangingPunct="1">
+              <a:spcBef>
+                <a:spcPts val="1000"/>
+              </a:spcBef>
+              <a:spcAft>
+                <a:spcPts val="0"/>
+              </a:spcAft>
+              <a:buClr>
+                <a:schemeClr val="accent1"/>
+              </a:buClr>
+              <a:buSzPct val="80000"/>
+              <a:buFont typeface="Wingdings 3" charset="2"/>
+              <a:buChar char=""/>
+              <a:defRPr sz="1400" b="0" i="0" kern="1200">
+                <a:solidFill>
+                  <a:schemeClr val="tx1"/>
+                </a:solidFill>
+                <a:latin typeface="+mj-lt"/>
+                <a:ea typeface="+mj-ea"/>
+                <a:cs typeface="+mj-cs"/>
+              </a:defRPr>
+            </a:lvl9pPr>
+          </a:lstStyle>
+          <a:p>
+            <a:r>
+              <a:rPr lang="fr-CH" dirty="0" smtClean="0"/>
+              <a:t>Tableau </a:t>
+            </a:r>
+            <a:r>
+              <a:rPr lang="fr-CH" dirty="0"/>
+              <a:t>de classification des risques</a:t>
+            </a:r>
+            <a:endParaRPr lang="fr-CH" dirty="0" smtClean="0"/>
+          </a:p>
+          <a:p>
+            <a:endParaRPr lang="fr-CH" dirty="0" smtClean="0"/>
+          </a:p>
+          <a:p>
+            <a:endParaRPr lang="fr-CH" dirty="0" smtClean="0"/>
+          </a:p>
+          <a:p>
+            <a:endParaRPr lang="fr-CH" dirty="0" smtClean="0"/>
+          </a:p>
+          <a:p>
+            <a:endParaRPr lang="fr-CH" dirty="0"/>
+          </a:p>
+        </p:txBody>
+      </p:sp>
+    </p:spTree>
+    <p:extLst>
+      <p:ext uri="{BB962C8B-B14F-4D97-AF65-F5344CB8AC3E}">
+        <p14:creationId xmlns:p14="http://schemas.microsoft.com/office/powerpoint/2010/main" val="2010395511"/>
+      </p:ext>
+    </p:extLst>
+  </p:cSld>
+  <p:clrMapOvr>
+    <a:masterClrMapping/>
+  </p:clrMapOvr>
+  <p:timing>
+    <p:tnLst>
+      <p:par>
+        <p:cTn id="1" dur="indefinite" restart="never" nodeType="tmRoot"/>
+      </p:par>
+    </p:tnLst>
+  </p:timing>
+</p:sld>
+</file>
+
+<file path=ppt/slides/slide11.xml><?xml version="1.0" encoding="utf-8"?>
+<p:sld xmlns:a="http://schemas.openxmlformats.org/drawingml/2006/main" xmlns:r="http://schemas.openxmlformats.org/officeDocument/2006/relationships" xmlns:p="http://schemas.openxmlformats.org/presentationml/2006/main">
+  <p:cSld>
+    <p:spTree>
+      <p:nvGrpSpPr>
+        <p:cNvPr id="1" name=""/>
+        <p:cNvGrpSpPr/>
+        <p:nvPr/>
+      </p:nvGrpSpPr>
+      <p:grpSpPr>
+        <a:xfrm>
+          <a:off x="0" y="0"/>
+          <a:ext cx="0" cy="0"/>
+          <a:chOff x="0" y="0"/>
+          <a:chExt cx="0" cy="0"/>
+        </a:xfrm>
+      </p:grpSpPr>
+      <p:sp>
+        <p:nvSpPr>
+          <p:cNvPr id="2" name="Titre 1"/>
+          <p:cNvSpPr>
+            <a:spLocks noGrp="1"/>
+          </p:cNvSpPr>
+          <p:nvPr>
+            <p:ph type="title"/>
+            <p:custDataLst>
+              <p:tags r:id="rId1"/>
+            </p:custDataLst>
+          </p:nvPr>
+        </p:nvSpPr>
+        <p:spPr/>
+        <p:txBody>
+          <a:bodyPr/>
+          <a:lstStyle/>
+          <a:p>
+            <a:r>
+              <a:rPr lang="fr-CH" dirty="0" smtClean="0"/>
+              <a:t>Planification</a:t>
+            </a:r>
+            <a:endParaRPr lang="fr-CH" dirty="0"/>
+          </a:p>
+        </p:txBody>
+      </p:sp>
+      <p:sp>
+        <p:nvSpPr>
+          <p:cNvPr id="3" name="Espace réservé du contenu 2"/>
+          <p:cNvSpPr>
+            <a:spLocks noGrp="1"/>
+          </p:cNvSpPr>
+          <p:nvPr>
+            <p:ph idx="1"/>
+            <p:custDataLst>
+              <p:tags r:id="rId2"/>
+            </p:custDataLst>
+          </p:nvPr>
+        </p:nvSpPr>
+        <p:spPr/>
+        <p:txBody>
+          <a:bodyPr/>
+          <a:lstStyle/>
+          <a:p>
+            <a:endParaRPr lang="fr-CH"/>
+          </a:p>
+        </p:txBody>
+      </p:sp>
+    </p:spTree>
+    <p:extLst>
+      <p:ext uri="{BB962C8B-B14F-4D97-AF65-F5344CB8AC3E}">
+        <p14:creationId xmlns:p14="http://schemas.microsoft.com/office/powerpoint/2010/main" val="1533362821"/>
+      </p:ext>
+    </p:extLst>
+  </p:cSld>
+  <p:clrMapOvr>
+    <a:masterClrMapping/>
+  </p:clrMapOvr>
+  <p:timing>
+    <p:tnLst>
+      <p:par>
+        <p:cTn id="1" dur="indefinite" restart="never" nodeType="tmRoot"/>
+      </p:par>
+    </p:tnLst>
+  </p:timing>
+</p:sld>
+</file>
+
+<file path=ppt/slides/slide12.xml><?xml version="1.0" encoding="utf-8"?>
+<p:sld xmlns:a="http://schemas.openxmlformats.org/drawingml/2006/main" xmlns:r="http://schemas.openxmlformats.org/officeDocument/2006/relationships" xmlns:p="http://schemas.openxmlformats.org/presentationml/2006/main">
+  <p:cSld>
+    <p:spTree>
+      <p:nvGrpSpPr>
+        <p:cNvPr id="1" name=""/>
+        <p:cNvGrpSpPr/>
+        <p:nvPr/>
+      </p:nvGrpSpPr>
+      <p:grpSpPr>
+        <a:xfrm>
+          <a:off x="0" y="0"/>
+          <a:ext cx="0" cy="0"/>
+          <a:chOff x="0" y="0"/>
+          <a:chExt cx="0" cy="0"/>
+        </a:xfrm>
+      </p:grpSpPr>
+      <p:sp>
+        <p:nvSpPr>
+          <p:cNvPr id="2" name="Titre 1"/>
+          <p:cNvSpPr>
+            <a:spLocks noGrp="1"/>
+          </p:cNvSpPr>
+          <p:nvPr>
+            <p:ph type="title"/>
+            <p:custDataLst>
+              <p:tags r:id="rId1"/>
+            </p:custDataLst>
+          </p:nvPr>
+        </p:nvSpPr>
+        <p:spPr/>
+        <p:txBody>
+          <a:bodyPr/>
+          <a:lstStyle/>
+          <a:p>
+            <a:r>
+              <a:rPr lang="fr-CH" dirty="0" smtClean="0"/>
+              <a:t>Commentaires</a:t>
+            </a:r>
+            <a:endParaRPr lang="fr-CH" dirty="0"/>
+          </a:p>
+        </p:txBody>
+      </p:sp>
+      <p:sp>
+        <p:nvSpPr>
+          <p:cNvPr id="3" name="Espace réservé du contenu 2"/>
+          <p:cNvSpPr>
+            <a:spLocks noGrp="1"/>
+          </p:cNvSpPr>
+          <p:nvPr>
+            <p:ph idx="1"/>
+            <p:custDataLst>
+              <p:tags r:id="rId2"/>
+            </p:custDataLst>
+          </p:nvPr>
+        </p:nvSpPr>
+        <p:spPr/>
+        <p:txBody>
+          <a:bodyPr/>
+          <a:lstStyle/>
+          <a:p>
+            <a:endParaRPr lang="fr-CH" dirty="0"/>
+          </a:p>
+        </p:txBody>
+      </p:sp>
+    </p:spTree>
+    <p:extLst>
+      <p:ext uri="{BB962C8B-B14F-4D97-AF65-F5344CB8AC3E}">
+        <p14:creationId xmlns:p14="http://schemas.microsoft.com/office/powerpoint/2010/main" val="852253100"/>
+      </p:ext>
+    </p:extLst>
+  </p:cSld>
+  <p:clrMapOvr>
+    <a:masterClrMapping/>
+  </p:clrMapOvr>
+  <p:timing>
+    <p:tnLst>
+      <p:par>
+        <p:cTn id="1" dur="indefinite" restart="never" nodeType="tmRoot"/>
+      </p:par>
+    </p:tnLst>
+  </p:timing>
 </p:sld>
 </file>
 
@@ -6082,6 +9495,9 @@
           </p:cNvSpPr>
           <p:nvPr>
             <p:ph type="title"/>
+            <p:custDataLst>
+              <p:tags r:id="rId1"/>
+            </p:custDataLst>
           </p:nvPr>
         </p:nvSpPr>
         <p:spPr/>
@@ -6105,6 +9521,9 @@
           </p:cNvSpPr>
           <p:nvPr>
             <p:ph idx="1"/>
+            <p:custDataLst>
+              <p:tags r:id="rId2"/>
+            </p:custDataLst>
           </p:nvPr>
         </p:nvSpPr>
         <p:spPr/>
@@ -6112,98 +9531,73 @@
           <a:bodyPr/>
           <a:lstStyle/>
           <a:p>
+            <a:r>
+              <a:rPr lang="fr-CH" dirty="0" smtClean="0"/>
+              <a:t>Besoins</a:t>
+            </a:r>
+          </a:p>
+          <a:p>
+            <a:r>
+              <a:rPr lang="fr-CH" dirty="0" smtClean="0"/>
+              <a:t>Méthode utilisée</a:t>
+            </a:r>
+            <a:endParaRPr lang="fr-CH" dirty="0" smtClean="0"/>
+          </a:p>
+          <a:p>
+            <a:r>
+              <a:rPr lang="fr-CH" dirty="0" smtClean="0"/>
+              <a:t>Architectures</a:t>
+            </a:r>
+            <a:endParaRPr lang="fr-CH" dirty="0" smtClean="0"/>
+          </a:p>
+          <a:p>
+            <a:r>
+              <a:rPr lang="fr-CH" dirty="0"/>
+              <a:t>Plan d’assurance </a:t>
+            </a:r>
+            <a:r>
+              <a:rPr lang="fr-CH" dirty="0" smtClean="0"/>
+              <a:t>qualité</a:t>
+            </a:r>
+          </a:p>
+          <a:p>
+            <a:r>
+              <a:rPr lang="fr-CH" dirty="0" smtClean="0"/>
+              <a:t>Liste des risques</a:t>
+            </a:r>
+          </a:p>
+          <a:p>
+            <a:r>
+              <a:rPr lang="fr-CH" dirty="0" smtClean="0"/>
+              <a:t>Planification</a:t>
+            </a:r>
+          </a:p>
+          <a:p>
+            <a:r>
+              <a:rPr lang="fr-CH" dirty="0" smtClean="0"/>
+              <a:t>Commentaire</a:t>
+            </a:r>
             <a:endParaRPr lang="fr-CH" dirty="0"/>
           </a:p>
         </p:txBody>
       </p:sp>
-      <p:pic>
-        <p:nvPicPr>
-          <p:cNvPr id="4" name="Image 3" descr="http://www.mobilidee.ch/images/logo_noctambus.png"/>
-          <p:cNvPicPr/>
-          <p:nvPr/>
-        </p:nvPicPr>
-        <p:blipFill>
-          <a:blip r:embed="rId2">
-            <a:extLst>
-              <a:ext uri="{28A0092B-C50C-407E-A947-70E740481C1C}">
-                <a14:useLocalDpi xmlns:a14="http://schemas.microsoft.com/office/drawing/2010/main" val="0"/>
-              </a:ext>
-            </a:extLst>
-          </a:blip>
-          <a:srcRect/>
-          <a:stretch>
-            <a:fillRect/>
-          </a:stretch>
-        </p:blipFill>
-        <p:spPr bwMode="auto">
-          <a:xfrm>
-            <a:off x="10981622" y="6472541"/>
-            <a:ext cx="1210378" cy="385459"/>
-          </a:xfrm>
-          <a:prstGeom prst="rect">
-            <a:avLst/>
-          </a:prstGeom>
-          <a:ln>
-            <a:noFill/>
-          </a:ln>
-          <a:effectLst>
-            <a:outerShdw blurRad="190500" algn="tl" rotWithShape="0">
-              <a:srgbClr val="000000">
-                <a:alpha val="70000"/>
-              </a:srgbClr>
-            </a:outerShdw>
-          </a:effectLst>
-        </p:spPr>
-      </p:pic>
-      <p:pic>
-        <p:nvPicPr>
-          <p:cNvPr id="5" name="Image 4" descr="http://www.hesge.ch/heg/sites/all/themes/heg/images/logo.png"/>
-          <p:cNvPicPr/>
-          <p:nvPr/>
-        </p:nvPicPr>
-        <p:blipFill>
-          <a:blip r:embed="rId3">
-            <a:extLst>
-              <a:ext uri="{28A0092B-C50C-407E-A947-70E740481C1C}">
-                <a14:useLocalDpi xmlns:a14="http://schemas.microsoft.com/office/drawing/2010/main" val="0"/>
-              </a:ext>
-            </a:extLst>
-          </a:blip>
-          <a:srcRect/>
-          <a:stretch>
-            <a:fillRect/>
-          </a:stretch>
-        </p:blipFill>
-        <p:spPr bwMode="auto">
-          <a:xfrm>
-            <a:off x="9320338" y="6448069"/>
-            <a:ext cx="1459030" cy="409931"/>
-          </a:xfrm>
-          <a:prstGeom prst="rect">
-            <a:avLst/>
-          </a:prstGeom>
-          <a:ln>
-            <a:noFill/>
-          </a:ln>
-          <a:effectLst>
-            <a:outerShdw blurRad="190500" algn="tl" rotWithShape="0">
-              <a:srgbClr val="000000">
-                <a:alpha val="70000"/>
-              </a:srgbClr>
-            </a:outerShdw>
-          </a:effectLst>
-        </p:spPr>
-      </p:pic>
     </p:spTree>
     <p:extLst>
       <p:ext uri="{BB962C8B-B14F-4D97-AF65-F5344CB8AC3E}">
-        <p14:creationId xmlns:p14="http://schemas.microsoft.com/office/powerpoint/2010/main" val="124482246"/>
+        <p14:creationId xmlns:p14="http://schemas.microsoft.com/office/powerpoint/2010/main" val="307548942"/>
       </p:ext>
     </p:extLst>
   </p:cSld>
   <p:clrMapOvr>
     <a:masterClrMapping/>
   </p:clrMapOvr>
+  <p:timing>
+    <p:tnLst>
+      <p:par>
+        <p:cTn id="1" dur="indefinite" restart="never" nodeType="tmRoot"/>
+      </p:par>
+    </p:tnLst>
+  </p:timing>
 </p:sld>
 </file>
 
@@ -6239,6 +9633,10 @@
           <a:bodyPr/>
           <a:lstStyle/>
           <a:p>
+            <a:r>
+              <a:rPr lang="fr-CH" dirty="0" smtClean="0"/>
+              <a:t>Besoins</a:t>
+            </a:r>
             <a:endParaRPr lang="fr-CH" dirty="0"/>
           </a:p>
         </p:txBody>
@@ -6258,92 +9656,81 @@
           <a:bodyPr/>
           <a:lstStyle/>
           <a:p>
+            <a:pPr lvl="0"/>
+            <a:r>
+              <a:rPr lang="fr-CH" dirty="0" smtClean="0"/>
+              <a:t>Développer une application mobile multiplateformes</a:t>
+            </a:r>
+          </a:p>
+          <a:p>
+            <a:pPr lvl="1"/>
+            <a:r>
+              <a:rPr lang="fr-CH" dirty="0" smtClean="0"/>
+              <a:t>Avoir </a:t>
+            </a:r>
+            <a:r>
+              <a:rPr lang="fr-CH" dirty="0"/>
+              <a:t>des informations sur les lignes et des arrêts.</a:t>
+            </a:r>
+          </a:p>
+          <a:p>
+            <a:pPr lvl="1"/>
+            <a:r>
+              <a:rPr lang="fr-CH" dirty="0"/>
+              <a:t>Faire différente recherche </a:t>
+            </a:r>
+            <a:endParaRPr lang="fr-CH" dirty="0" smtClean="0"/>
+          </a:p>
+          <a:p>
+            <a:pPr lvl="1"/>
+            <a:r>
+              <a:rPr lang="fr-CH" dirty="0" smtClean="0"/>
+              <a:t>Avoir </a:t>
+            </a:r>
+            <a:r>
+              <a:rPr lang="fr-CH" dirty="0"/>
+              <a:t>une géolocalisation, pour avoir des arrêts à proximité. </a:t>
+            </a:r>
+          </a:p>
+          <a:p>
+            <a:pPr lvl="1"/>
+            <a:r>
+              <a:rPr lang="fr-CH" dirty="0"/>
+              <a:t>Utiliser la carte afin de voir les </a:t>
+            </a:r>
+            <a:r>
+              <a:rPr lang="fr-CH" dirty="0" smtClean="0"/>
+              <a:t>itinéraires</a:t>
+            </a:r>
+            <a:r>
+              <a:rPr lang="fr-CH" dirty="0"/>
+              <a:t>.</a:t>
+            </a:r>
+            <a:endParaRPr lang="fr-CH" dirty="0"/>
+          </a:p>
+          <a:p>
+            <a:pPr lvl="1"/>
+            <a:r>
+              <a:rPr lang="fr-CH" dirty="0"/>
+              <a:t>Envoyer des SMS depuis l’application pour acheter un ticket.</a:t>
+            </a:r>
+          </a:p>
+          <a:p>
+            <a:pPr lvl="1"/>
+            <a:r>
+              <a:rPr lang="fr-CH" dirty="0"/>
+              <a:t>Avoir des informations statiques sur les tarifs, les mentions légales, etc. </a:t>
+            </a:r>
+          </a:p>
+          <a:p>
             <a:endParaRPr lang="fr-CH" dirty="0"/>
           </a:p>
         </p:txBody>
       </p:sp>
-      <p:pic>
-        <p:nvPicPr>
-          <p:cNvPr id="4" name="Image 3" descr="http://www.mobilidee.ch/images/logo_noctambus.png"/>
-          <p:cNvPicPr/>
-          <p:nvPr/>
-        </p:nvPicPr>
-        <p:blipFill>
-          <a:blip r:embed="rId2">
-            <a:extLst>
-              <a:ext uri="{28A0092B-C50C-407E-A947-70E740481C1C}">
-                <a14:useLocalDpi xmlns:a14="http://schemas.microsoft.com/office/drawing/2010/main" val="0"/>
-              </a:ext>
-            </a:extLst>
-          </a:blip>
-          <a:srcRect/>
-          <a:stretch>
-            <a:fillRect/>
-          </a:stretch>
-        </p:blipFill>
-        <p:spPr bwMode="auto">
-          <a:xfrm>
-            <a:off x="10981622" y="6472541"/>
-            <a:ext cx="1210378" cy="385459"/>
-          </a:xfrm>
-          <a:prstGeom prst="rect">
-            <a:avLst/>
-          </a:prstGeom>
-          <a:ln>
-            <a:noFill/>
-          </a:ln>
-          <a:effectLst>
-            <a:outerShdw blurRad="190500" algn="tl" rotWithShape="0">
-              <a:srgbClr val="000000">
-                <a:alpha val="70000"/>
-              </a:srgbClr>
-            </a:outerShdw>
-          </a:effectLst>
-        </p:spPr>
-      </p:pic>
-      <p:pic>
-        <p:nvPicPr>
-          <p:cNvPr id="5" name="Image 4" descr="http://www.hesge.ch/heg/sites/all/themes/heg/images/logo.png"/>
-          <p:cNvPicPr/>
-          <p:nvPr/>
-        </p:nvPicPr>
-        <p:blipFill>
-          <a:blip r:embed="rId3">
-            <a:extLst>
-              <a:ext uri="{28A0092B-C50C-407E-A947-70E740481C1C}">
-                <a14:useLocalDpi xmlns:a14="http://schemas.microsoft.com/office/drawing/2010/main" val="0"/>
-              </a:ext>
-            </a:extLst>
-          </a:blip>
-          <a:srcRect/>
-          <a:stretch>
-            <a:fillRect/>
-          </a:stretch>
-        </p:blipFill>
-        <p:spPr bwMode="auto">
-          <a:xfrm>
-            <a:off x="9320338" y="6448069"/>
-            <a:ext cx="1459030" cy="409931"/>
-          </a:xfrm>
-          <a:prstGeom prst="rect">
-            <a:avLst/>
-          </a:prstGeom>
-          <a:ln>
-            <a:noFill/>
-          </a:ln>
-          <a:effectLst>
-            <a:outerShdw blurRad="190500" algn="tl" rotWithShape="0">
-              <a:srgbClr val="000000">
-                <a:alpha val="70000"/>
-              </a:srgbClr>
-            </a:outerShdw>
-          </a:effectLst>
-        </p:spPr>
-      </p:pic>
     </p:spTree>
     <p:extLst>
       <p:ext uri="{BB962C8B-B14F-4D97-AF65-F5344CB8AC3E}">
-        <p14:creationId xmlns:p14="http://schemas.microsoft.com/office/powerpoint/2010/main" val="3303849319"/>
+        <p14:creationId xmlns:p14="http://schemas.microsoft.com/office/powerpoint/2010/main" val="3458188100"/>
       </p:ext>
     </p:extLst>
   </p:cSld>
@@ -6351,6 +9738,2600 @@
     <a:masterClrMapping/>
   </p:clrMapOvr>
 </p:sld>
+</file>
+
+<file path=ppt/slides/slide4.xml><?xml version="1.0" encoding="utf-8"?>
+<p:sld xmlns:a="http://schemas.openxmlformats.org/drawingml/2006/main" xmlns:r="http://schemas.openxmlformats.org/officeDocument/2006/relationships" xmlns:p="http://schemas.openxmlformats.org/presentationml/2006/main">
+  <p:cSld>
+    <p:spTree>
+      <p:nvGrpSpPr>
+        <p:cNvPr id="1" name=""/>
+        <p:cNvGrpSpPr/>
+        <p:nvPr/>
+      </p:nvGrpSpPr>
+      <p:grpSpPr>
+        <a:xfrm>
+          <a:off x="0" y="0"/>
+          <a:ext cx="0" cy="0"/>
+          <a:chOff x="0" y="0"/>
+          <a:chExt cx="0" cy="0"/>
+        </a:xfrm>
+      </p:grpSpPr>
+      <p:sp>
+        <p:nvSpPr>
+          <p:cNvPr id="2" name="Titre 1"/>
+          <p:cNvSpPr>
+            <a:spLocks noGrp="1"/>
+          </p:cNvSpPr>
+          <p:nvPr>
+            <p:ph type="title"/>
+            <p:custDataLst>
+              <p:tags r:id="rId1"/>
+            </p:custDataLst>
+          </p:nvPr>
+        </p:nvSpPr>
+        <p:spPr/>
+        <p:txBody>
+          <a:bodyPr/>
+          <a:lstStyle/>
+          <a:p>
+            <a:r>
+              <a:rPr lang="fr-CH" dirty="0" smtClean="0"/>
+              <a:t>Méthode </a:t>
+            </a:r>
+            <a:r>
+              <a:rPr lang="fr-CH" dirty="0" smtClean="0"/>
+              <a:t>utilisée</a:t>
+            </a:r>
+            <a:endParaRPr lang="fr-CH" dirty="0"/>
+          </a:p>
+        </p:txBody>
+      </p:sp>
+      <p:sp>
+        <p:nvSpPr>
+          <p:cNvPr id="3" name="Espace réservé du contenu 2"/>
+          <p:cNvSpPr>
+            <a:spLocks noGrp="1"/>
+          </p:cNvSpPr>
+          <p:nvPr>
+            <p:ph idx="1"/>
+            <p:custDataLst>
+              <p:tags r:id="rId2"/>
+            </p:custDataLst>
+          </p:nvPr>
+        </p:nvSpPr>
+        <p:spPr/>
+        <p:txBody>
+          <a:bodyPr/>
+          <a:lstStyle/>
+          <a:p>
+            <a:r>
+              <a:rPr lang="fr-CH" dirty="0" smtClean="0"/>
+              <a:t>SCRUM adapté</a:t>
+            </a:r>
+          </a:p>
+          <a:p>
+            <a:pPr lvl="1"/>
+            <a:r>
+              <a:rPr lang="fr-CH" dirty="0" smtClean="0"/>
+              <a:t>Sprint : 5 semaines </a:t>
+            </a:r>
+          </a:p>
+          <a:p>
+            <a:pPr lvl="1"/>
+            <a:r>
+              <a:rPr lang="fr-CH" dirty="0" smtClean="0"/>
+              <a:t>Daily meeting </a:t>
+            </a:r>
+            <a:r>
+              <a:rPr lang="fr-CH" dirty="0" smtClean="0">
+                <a:sym typeface="Wingdings" panose="05000000000000000000" pitchFamily="2" charset="2"/>
+              </a:rPr>
+              <a:t></a:t>
+            </a:r>
+            <a:r>
+              <a:rPr lang="fr-CH" dirty="0" smtClean="0"/>
+              <a:t> </a:t>
+            </a:r>
+            <a:r>
+              <a:rPr lang="fr-CH" dirty="0" err="1" smtClean="0"/>
+              <a:t>weekly</a:t>
+            </a:r>
+            <a:r>
+              <a:rPr lang="fr-CH" dirty="0" smtClean="0"/>
+              <a:t> meeting (</a:t>
+            </a:r>
+            <a:r>
+              <a:rPr lang="fr-CH" dirty="0" err="1" smtClean="0"/>
+              <a:t>skype</a:t>
+            </a:r>
+            <a:r>
+              <a:rPr lang="fr-CH" dirty="0" smtClean="0"/>
+              <a:t>)</a:t>
+            </a:r>
+          </a:p>
+          <a:p>
+            <a:pPr lvl="1"/>
+            <a:r>
+              <a:rPr lang="fr-CH" dirty="0" smtClean="0"/>
+              <a:t>Documentation plus importante</a:t>
+            </a:r>
+          </a:p>
+        </p:txBody>
+      </p:sp>
+    </p:spTree>
+    <p:extLst>
+      <p:ext uri="{BB962C8B-B14F-4D97-AF65-F5344CB8AC3E}">
+        <p14:creationId xmlns:p14="http://schemas.microsoft.com/office/powerpoint/2010/main" val="789467295"/>
+      </p:ext>
+    </p:extLst>
+  </p:cSld>
+  <p:clrMapOvr>
+    <a:masterClrMapping/>
+  </p:clrMapOvr>
+  <p:timing>
+    <p:tnLst>
+      <p:par>
+        <p:cTn id="1" dur="indefinite" restart="never" nodeType="tmRoot"/>
+      </p:par>
+    </p:tnLst>
+  </p:timing>
+</p:sld>
+</file>
+
+<file path=ppt/slides/slide5.xml><?xml version="1.0" encoding="utf-8"?>
+<p:sld xmlns:a="http://schemas.openxmlformats.org/drawingml/2006/main" xmlns:r="http://schemas.openxmlformats.org/officeDocument/2006/relationships" xmlns:p="http://schemas.openxmlformats.org/presentationml/2006/main">
+  <p:cSld>
+    <p:spTree>
+      <p:nvGrpSpPr>
+        <p:cNvPr id="1" name=""/>
+        <p:cNvGrpSpPr/>
+        <p:nvPr/>
+      </p:nvGrpSpPr>
+      <p:grpSpPr>
+        <a:xfrm>
+          <a:off x="0" y="0"/>
+          <a:ext cx="0" cy="0"/>
+          <a:chOff x="0" y="0"/>
+          <a:chExt cx="0" cy="0"/>
+        </a:xfrm>
+      </p:grpSpPr>
+      <p:sp>
+        <p:nvSpPr>
+          <p:cNvPr id="2" name="Titre 1"/>
+          <p:cNvSpPr>
+            <a:spLocks noGrp="1"/>
+          </p:cNvSpPr>
+          <p:nvPr>
+            <p:ph type="title"/>
+            <p:custDataLst>
+              <p:tags r:id="rId1"/>
+            </p:custDataLst>
+          </p:nvPr>
+        </p:nvSpPr>
+        <p:spPr/>
+        <p:txBody>
+          <a:bodyPr/>
+          <a:lstStyle/>
+          <a:p>
+            <a:r>
+              <a:rPr lang="fr-CH" dirty="0" smtClean="0"/>
+              <a:t>Architectures</a:t>
+            </a:r>
+            <a:endParaRPr lang="fr-CH" dirty="0"/>
+          </a:p>
+        </p:txBody>
+      </p:sp>
+      <p:sp>
+        <p:nvSpPr>
+          <p:cNvPr id="3" name="Espace réservé du contenu 2"/>
+          <p:cNvSpPr>
+            <a:spLocks noGrp="1"/>
+          </p:cNvSpPr>
+          <p:nvPr>
+            <p:ph idx="1"/>
+            <p:custDataLst>
+              <p:tags r:id="rId2"/>
+            </p:custDataLst>
+          </p:nvPr>
+        </p:nvSpPr>
+        <p:spPr/>
+        <p:txBody>
+          <a:bodyPr/>
+          <a:lstStyle/>
+          <a:p>
+            <a:pPr lvl="1"/>
+            <a:endParaRPr lang="fr-CH" dirty="0"/>
+          </a:p>
+        </p:txBody>
+      </p:sp>
+    </p:spTree>
+    <p:extLst>
+      <p:ext uri="{BB962C8B-B14F-4D97-AF65-F5344CB8AC3E}">
+        <p14:creationId xmlns:p14="http://schemas.microsoft.com/office/powerpoint/2010/main" val="2446974767"/>
+      </p:ext>
+    </p:extLst>
+  </p:cSld>
+  <p:clrMapOvr>
+    <a:masterClrMapping/>
+  </p:clrMapOvr>
+  <p:timing>
+    <p:tnLst>
+      <p:par>
+        <p:cTn id="1" dur="indefinite" restart="never" nodeType="tmRoot"/>
+      </p:par>
+    </p:tnLst>
+  </p:timing>
+</p:sld>
+</file>
+
+<file path=ppt/slides/slide6.xml><?xml version="1.0" encoding="utf-8"?>
+<p:sld xmlns:a="http://schemas.openxmlformats.org/drawingml/2006/main" xmlns:r="http://schemas.openxmlformats.org/officeDocument/2006/relationships" xmlns:p="http://schemas.openxmlformats.org/presentationml/2006/main">
+  <p:cSld>
+    <p:spTree>
+      <p:nvGrpSpPr>
+        <p:cNvPr id="1" name=""/>
+        <p:cNvGrpSpPr/>
+        <p:nvPr/>
+      </p:nvGrpSpPr>
+      <p:grpSpPr>
+        <a:xfrm>
+          <a:off x="0" y="0"/>
+          <a:ext cx="0" cy="0"/>
+          <a:chOff x="0" y="0"/>
+          <a:chExt cx="0" cy="0"/>
+        </a:xfrm>
+      </p:grpSpPr>
+      <p:sp>
+        <p:nvSpPr>
+          <p:cNvPr id="2" name="Titre 1"/>
+          <p:cNvSpPr>
+            <a:spLocks noGrp="1"/>
+          </p:cNvSpPr>
+          <p:nvPr>
+            <p:ph type="title"/>
+            <p:custDataLst>
+              <p:tags r:id="rId1"/>
+            </p:custDataLst>
+          </p:nvPr>
+        </p:nvSpPr>
+        <p:spPr/>
+        <p:txBody>
+          <a:bodyPr/>
+          <a:lstStyle/>
+          <a:p>
+            <a:r>
+              <a:rPr lang="fr-CH" dirty="0" smtClean="0"/>
+              <a:t>Plan d’assurance qualité</a:t>
+            </a:r>
+            <a:endParaRPr lang="fr-CH" dirty="0"/>
+          </a:p>
+        </p:txBody>
+      </p:sp>
+      <p:sp>
+        <p:nvSpPr>
+          <p:cNvPr id="3" name="Espace réservé du texte 2"/>
+          <p:cNvSpPr>
+            <a:spLocks noGrp="1"/>
+          </p:cNvSpPr>
+          <p:nvPr>
+            <p:ph type="body" idx="1"/>
+            <p:custDataLst>
+              <p:tags r:id="rId2"/>
+            </p:custDataLst>
+          </p:nvPr>
+        </p:nvSpPr>
+        <p:spPr/>
+        <p:txBody>
+          <a:bodyPr/>
+          <a:lstStyle/>
+          <a:p>
+            <a:r>
+              <a:rPr lang="fr-CH" sz="2000" dirty="0" smtClean="0"/>
+              <a:t>Langage – Logiciel - Méthode</a:t>
+            </a:r>
+            <a:endParaRPr lang="fr-CH" sz="2000" dirty="0"/>
+          </a:p>
+        </p:txBody>
+      </p:sp>
+      <p:pic>
+        <p:nvPicPr>
+          <p:cNvPr id="7" name="Espace réservé du contenu 6"/>
+          <p:cNvPicPr>
+            <a:picLocks noGrp="1" noChangeAspect="1"/>
+          </p:cNvPicPr>
+          <p:nvPr>
+            <p:ph sz="half" idx="2"/>
+            <p:custDataLst>
+              <p:tags r:id="rId3"/>
+            </p:custDataLst>
+          </p:nvPr>
+        </p:nvPicPr>
+        <p:blipFill>
+          <a:blip r:embed="rId15">
+            <a:extLst>
+              <a:ext uri="{28A0092B-C50C-407E-A947-70E740481C1C}">
+                <a14:useLocalDpi xmlns:a14="http://schemas.microsoft.com/office/drawing/2010/main" val="0"/>
+              </a:ext>
+            </a:extLst>
+          </a:blip>
+          <a:stretch>
+            <a:fillRect/>
+          </a:stretch>
+        </p:blipFill>
+        <p:spPr>
+          <a:xfrm>
+            <a:off x="1103313" y="2737413"/>
+            <a:ext cx="1240525" cy="286577"/>
+          </a:xfrm>
+        </p:spPr>
+      </p:pic>
+      <p:sp>
+        <p:nvSpPr>
+          <p:cNvPr id="5" name="Espace réservé du texte 4"/>
+          <p:cNvSpPr>
+            <a:spLocks noGrp="1"/>
+          </p:cNvSpPr>
+          <p:nvPr>
+            <p:ph type="body" sz="quarter" idx="3"/>
+            <p:custDataLst>
+              <p:tags r:id="rId4"/>
+            </p:custDataLst>
+          </p:nvPr>
+        </p:nvSpPr>
+        <p:spPr/>
+        <p:txBody>
+          <a:bodyPr/>
+          <a:lstStyle/>
+          <a:p>
+            <a:r>
+              <a:rPr lang="fr-CH" dirty="0"/>
+              <a:t>3 phases </a:t>
+            </a:r>
+          </a:p>
+        </p:txBody>
+      </p:sp>
+      <p:sp>
+        <p:nvSpPr>
+          <p:cNvPr id="6" name="Espace réservé du contenu 5"/>
+          <p:cNvSpPr>
+            <a:spLocks noGrp="1"/>
+          </p:cNvSpPr>
+          <p:nvPr>
+            <p:ph sz="quarter" idx="4"/>
+            <p:custDataLst>
+              <p:tags r:id="rId5"/>
+            </p:custDataLst>
+          </p:nvPr>
+        </p:nvSpPr>
+        <p:spPr/>
+        <p:txBody>
+          <a:bodyPr>
+            <a:normAutofit fontScale="92500" lnSpcReduction="10000"/>
+          </a:bodyPr>
+          <a:lstStyle/>
+          <a:p>
+            <a:pPr lvl="1"/>
+            <a:r>
+              <a:rPr lang="fr-CH" dirty="0" smtClean="0"/>
+              <a:t>Phase </a:t>
+            </a:r>
+            <a:r>
+              <a:rPr lang="fr-CH" dirty="0"/>
+              <a:t>1</a:t>
+            </a:r>
+          </a:p>
+          <a:p>
+            <a:pPr lvl="2"/>
+            <a:r>
+              <a:rPr lang="fr-CH" dirty="0" smtClean="0"/>
+              <a:t>Étude </a:t>
+            </a:r>
+            <a:r>
+              <a:rPr lang="fr-CH" dirty="0"/>
+              <a:t>d’opportunité</a:t>
+            </a:r>
+          </a:p>
+          <a:p>
+            <a:pPr lvl="2"/>
+            <a:r>
+              <a:rPr lang="fr-CH" dirty="0"/>
+              <a:t>Acceptations</a:t>
+            </a:r>
+          </a:p>
+          <a:p>
+            <a:pPr lvl="2"/>
+            <a:r>
+              <a:rPr lang="fr-CH" dirty="0"/>
+              <a:t>Architecture</a:t>
+            </a:r>
+          </a:p>
+          <a:p>
+            <a:pPr lvl="2"/>
+            <a:r>
+              <a:rPr lang="fr-CH" dirty="0"/>
+              <a:t>Planification</a:t>
+            </a:r>
+          </a:p>
+          <a:p>
+            <a:pPr lvl="1"/>
+            <a:r>
+              <a:rPr lang="fr-CH" dirty="0"/>
+              <a:t>Phase </a:t>
+            </a:r>
+            <a:r>
+              <a:rPr lang="fr-CH" dirty="0" smtClean="0"/>
+              <a:t>2</a:t>
+            </a:r>
+            <a:endParaRPr lang="fr-CH" dirty="0"/>
+          </a:p>
+          <a:p>
+            <a:pPr lvl="2"/>
+            <a:r>
+              <a:rPr lang="fr-CH" dirty="0" smtClean="0"/>
+              <a:t>Sprint (5 semaines)</a:t>
+            </a:r>
+          </a:p>
+          <a:p>
+            <a:pPr lvl="2"/>
+            <a:r>
+              <a:rPr lang="fr-CH" dirty="0" smtClean="0"/>
+              <a:t>Livrable </a:t>
+            </a:r>
+          </a:p>
+          <a:p>
+            <a:pPr lvl="2"/>
+            <a:r>
+              <a:rPr lang="fr-CH" dirty="0" smtClean="0"/>
+              <a:t>Mise à jour des documents</a:t>
+            </a:r>
+            <a:endParaRPr lang="fr-CH" dirty="0"/>
+          </a:p>
+          <a:p>
+            <a:pPr marL="742950" lvl="2" indent="-342900"/>
+            <a:r>
+              <a:rPr lang="fr-CH" sz="1600" dirty="0"/>
+              <a:t>Phase </a:t>
+            </a:r>
+            <a:r>
+              <a:rPr lang="fr-CH" sz="1600" dirty="0"/>
+              <a:t>3</a:t>
+            </a:r>
+          </a:p>
+          <a:p>
+            <a:pPr marL="1200150" lvl="3" indent="-342900"/>
+            <a:r>
+              <a:rPr lang="fr-CH" sz="1400" dirty="0"/>
+              <a:t>Conclusion</a:t>
+            </a:r>
+          </a:p>
+          <a:p>
+            <a:pPr marL="1200150" lvl="3" indent="-342900"/>
+            <a:r>
+              <a:rPr lang="fr-CH" sz="1400" dirty="0"/>
+              <a:t>Livraison et installation</a:t>
+            </a:r>
+            <a:endParaRPr lang="fr-CH" sz="1400" dirty="0"/>
+          </a:p>
+          <a:p>
+            <a:pPr marL="0" indent="0">
+              <a:buNone/>
+            </a:pPr>
+            <a:endParaRPr lang="fr-CH" dirty="0"/>
+          </a:p>
+        </p:txBody>
+      </p:sp>
+      <p:pic>
+        <p:nvPicPr>
+          <p:cNvPr id="8" name="Image 7"/>
+          <p:cNvPicPr>
+            <a:picLocks noChangeAspect="1"/>
+          </p:cNvPicPr>
+          <p:nvPr>
+            <p:custDataLst>
+              <p:tags r:id="rId6"/>
+            </p:custDataLst>
+          </p:nvPr>
+        </p:nvPicPr>
+        <p:blipFill>
+          <a:blip r:embed="rId16">
+            <a:extLst>
+              <a:ext uri="{28A0092B-C50C-407E-A947-70E740481C1C}">
+                <a14:useLocalDpi xmlns:a14="http://schemas.microsoft.com/office/drawing/2010/main" val="0"/>
+              </a:ext>
+            </a:extLst>
+          </a:blip>
+          <a:stretch>
+            <a:fillRect/>
+          </a:stretch>
+        </p:blipFill>
+        <p:spPr>
+          <a:xfrm>
+            <a:off x="3539735" y="3772025"/>
+            <a:ext cx="1720583" cy="1148489"/>
+          </a:xfrm>
+          <a:prstGeom prst="rect">
+            <a:avLst/>
+          </a:prstGeom>
+        </p:spPr>
+      </p:pic>
+      <p:pic>
+        <p:nvPicPr>
+          <p:cNvPr id="9" name="Image 8"/>
+          <p:cNvPicPr>
+            <a:picLocks noChangeAspect="1"/>
+          </p:cNvPicPr>
+          <p:nvPr>
+            <p:custDataLst>
+              <p:tags r:id="rId7"/>
+            </p:custDataLst>
+          </p:nvPr>
+        </p:nvPicPr>
+        <p:blipFill>
+          <a:blip r:embed="rId17">
+            <a:extLst>
+              <a:ext uri="{28A0092B-C50C-407E-A947-70E740481C1C}">
+                <a14:useLocalDpi xmlns:a14="http://schemas.microsoft.com/office/drawing/2010/main" val="0"/>
+              </a:ext>
+            </a:extLst>
+          </a:blip>
+          <a:stretch>
+            <a:fillRect/>
+          </a:stretch>
+        </p:blipFill>
+        <p:spPr>
+          <a:xfrm>
+            <a:off x="1103313" y="3442854"/>
+            <a:ext cx="644236" cy="644236"/>
+          </a:xfrm>
+          <a:prstGeom prst="rect">
+            <a:avLst/>
+          </a:prstGeom>
+        </p:spPr>
+      </p:pic>
+      <p:pic>
+        <p:nvPicPr>
+          <p:cNvPr id="10" name="Image 9"/>
+          <p:cNvPicPr>
+            <a:picLocks noChangeAspect="1"/>
+          </p:cNvPicPr>
+          <p:nvPr>
+            <p:custDataLst>
+              <p:tags r:id="rId8"/>
+            </p:custDataLst>
+          </p:nvPr>
+        </p:nvPicPr>
+        <p:blipFill>
+          <a:blip r:embed="rId18">
+            <a:extLst>
+              <a:ext uri="{28A0092B-C50C-407E-A947-70E740481C1C}">
+                <a14:useLocalDpi xmlns:a14="http://schemas.microsoft.com/office/drawing/2010/main" val="0"/>
+              </a:ext>
+            </a:extLst>
+          </a:blip>
+          <a:stretch>
+            <a:fillRect/>
+          </a:stretch>
+        </p:blipFill>
+        <p:spPr>
+          <a:xfrm>
+            <a:off x="2039858" y="3423618"/>
+            <a:ext cx="607959" cy="607959"/>
+          </a:xfrm>
+          <a:prstGeom prst="rect">
+            <a:avLst/>
+          </a:prstGeom>
+        </p:spPr>
+      </p:pic>
+      <p:pic>
+        <p:nvPicPr>
+          <p:cNvPr id="11" name="Image 10"/>
+          <p:cNvPicPr>
+            <a:picLocks noChangeAspect="1"/>
+          </p:cNvPicPr>
+          <p:nvPr>
+            <p:custDataLst>
+              <p:tags r:id="rId9"/>
+            </p:custDataLst>
+          </p:nvPr>
+        </p:nvPicPr>
+        <p:blipFill>
+          <a:blip r:embed="rId19">
+            <a:extLst>
+              <a:ext uri="{28A0092B-C50C-407E-A947-70E740481C1C}">
+                <a14:useLocalDpi xmlns:a14="http://schemas.microsoft.com/office/drawing/2010/main" val="0"/>
+              </a:ext>
+            </a:extLst>
+          </a:blip>
+          <a:stretch>
+            <a:fillRect/>
+          </a:stretch>
+        </p:blipFill>
+        <p:spPr>
+          <a:xfrm>
+            <a:off x="1513428" y="4346270"/>
+            <a:ext cx="1525047" cy="358255"/>
+          </a:xfrm>
+          <a:prstGeom prst="rect">
+            <a:avLst/>
+          </a:prstGeom>
+        </p:spPr>
+      </p:pic>
+      <p:pic>
+        <p:nvPicPr>
+          <p:cNvPr id="12" name="Image 11"/>
+          <p:cNvPicPr>
+            <a:picLocks noChangeAspect="1"/>
+          </p:cNvPicPr>
+          <p:nvPr>
+            <p:custDataLst>
+              <p:tags r:id="rId10"/>
+            </p:custDataLst>
+          </p:nvPr>
+        </p:nvPicPr>
+        <p:blipFill>
+          <a:blip r:embed="rId20">
+            <a:extLst>
+              <a:ext uri="{28A0092B-C50C-407E-A947-70E740481C1C}">
+                <a14:useLocalDpi xmlns:a14="http://schemas.microsoft.com/office/drawing/2010/main" val="0"/>
+              </a:ext>
+            </a:extLst>
+          </a:blip>
+          <a:stretch>
+            <a:fillRect/>
+          </a:stretch>
+        </p:blipFill>
+        <p:spPr>
+          <a:xfrm>
+            <a:off x="769832" y="4433351"/>
+            <a:ext cx="477943" cy="891772"/>
+          </a:xfrm>
+          <a:prstGeom prst="rect">
+            <a:avLst/>
+          </a:prstGeom>
+        </p:spPr>
+      </p:pic>
+      <p:pic>
+        <p:nvPicPr>
+          <p:cNvPr id="13" name="Image 12"/>
+          <p:cNvPicPr>
+            <a:picLocks noChangeAspect="1"/>
+          </p:cNvPicPr>
+          <p:nvPr>
+            <p:custDataLst>
+              <p:tags r:id="rId11"/>
+            </p:custDataLst>
+          </p:nvPr>
+        </p:nvPicPr>
+        <p:blipFill>
+          <a:blip r:embed="rId21">
+            <a:extLst>
+              <a:ext uri="{28A0092B-C50C-407E-A947-70E740481C1C}">
+                <a14:useLocalDpi xmlns:a14="http://schemas.microsoft.com/office/drawing/2010/main" val="0"/>
+              </a:ext>
+            </a:extLst>
+          </a:blip>
+          <a:stretch>
+            <a:fillRect/>
+          </a:stretch>
+        </p:blipFill>
+        <p:spPr>
+          <a:xfrm>
+            <a:off x="3073679" y="2660114"/>
+            <a:ext cx="1049370" cy="745981"/>
+          </a:xfrm>
+          <a:prstGeom prst="rect">
+            <a:avLst/>
+          </a:prstGeom>
+        </p:spPr>
+      </p:pic>
+      <p:pic>
+        <p:nvPicPr>
+          <p:cNvPr id="14" name="Image 13"/>
+          <p:cNvPicPr>
+            <a:picLocks noChangeAspect="1"/>
+          </p:cNvPicPr>
+          <p:nvPr>
+            <p:custDataLst>
+              <p:tags r:id="rId12"/>
+            </p:custDataLst>
+          </p:nvPr>
+        </p:nvPicPr>
+        <p:blipFill>
+          <a:blip r:embed="rId22">
+            <a:extLst>
+              <a:ext uri="{28A0092B-C50C-407E-A947-70E740481C1C}">
+                <a14:useLocalDpi xmlns:a14="http://schemas.microsoft.com/office/drawing/2010/main" val="0"/>
+              </a:ext>
+            </a:extLst>
+          </a:blip>
+          <a:stretch>
+            <a:fillRect/>
+          </a:stretch>
+        </p:blipFill>
+        <p:spPr>
+          <a:xfrm>
+            <a:off x="1634510" y="4774907"/>
+            <a:ext cx="1211083" cy="488621"/>
+          </a:xfrm>
+          <a:prstGeom prst="rect">
+            <a:avLst/>
+          </a:prstGeom>
+        </p:spPr>
+      </p:pic>
+      <p:pic>
+        <p:nvPicPr>
+          <p:cNvPr id="15" name="Image 14"/>
+          <p:cNvPicPr>
+            <a:picLocks noChangeAspect="1"/>
+          </p:cNvPicPr>
+          <p:nvPr>
+            <p:custDataLst>
+              <p:tags r:id="rId13"/>
+            </p:custDataLst>
+          </p:nvPr>
+        </p:nvPicPr>
+        <p:blipFill>
+          <a:blip r:embed="rId23">
+            <a:extLst>
+              <a:ext uri="{28A0092B-C50C-407E-A947-70E740481C1C}">
+                <a14:useLocalDpi xmlns:a14="http://schemas.microsoft.com/office/drawing/2010/main" val="0"/>
+              </a:ext>
+            </a:extLst>
+          </a:blip>
+          <a:stretch>
+            <a:fillRect/>
+          </a:stretch>
+        </p:blipFill>
+        <p:spPr>
+          <a:xfrm>
+            <a:off x="3539735" y="5242970"/>
+            <a:ext cx="1166629" cy="1166629"/>
+          </a:xfrm>
+          <a:prstGeom prst="rect">
+            <a:avLst/>
+          </a:prstGeom>
+        </p:spPr>
+      </p:pic>
+    </p:spTree>
+    <p:extLst>
+      <p:ext uri="{BB962C8B-B14F-4D97-AF65-F5344CB8AC3E}">
+        <p14:creationId xmlns:p14="http://schemas.microsoft.com/office/powerpoint/2010/main" val="515241709"/>
+      </p:ext>
+    </p:extLst>
+  </p:cSld>
+  <p:clrMapOvr>
+    <a:masterClrMapping/>
+  </p:clrMapOvr>
+  <p:timing>
+    <p:tnLst>
+      <p:par>
+        <p:cTn id="1" dur="indefinite" restart="never" nodeType="tmRoot"/>
+      </p:par>
+    </p:tnLst>
+  </p:timing>
+</p:sld>
+</file>
+
+<file path=ppt/slides/slide7.xml><?xml version="1.0" encoding="utf-8"?>
+<p:sld xmlns:a="http://schemas.openxmlformats.org/drawingml/2006/main" xmlns:r="http://schemas.openxmlformats.org/officeDocument/2006/relationships" xmlns:p="http://schemas.openxmlformats.org/presentationml/2006/main">
+  <p:cSld>
+    <p:spTree>
+      <p:nvGrpSpPr>
+        <p:cNvPr id="1" name=""/>
+        <p:cNvGrpSpPr/>
+        <p:nvPr/>
+      </p:nvGrpSpPr>
+      <p:grpSpPr>
+        <a:xfrm>
+          <a:off x="0" y="0"/>
+          <a:ext cx="0" cy="0"/>
+          <a:chOff x="0" y="0"/>
+          <a:chExt cx="0" cy="0"/>
+        </a:xfrm>
+      </p:grpSpPr>
+      <p:sp>
+        <p:nvSpPr>
+          <p:cNvPr id="2" name="Titre 1"/>
+          <p:cNvSpPr>
+            <a:spLocks noGrp="1"/>
+          </p:cNvSpPr>
+          <p:nvPr>
+            <p:ph type="title"/>
+            <p:custDataLst>
+              <p:tags r:id="rId1"/>
+            </p:custDataLst>
+          </p:nvPr>
+        </p:nvSpPr>
+        <p:spPr/>
+        <p:txBody>
+          <a:bodyPr/>
+          <a:lstStyle/>
+          <a:p>
+            <a:r>
+              <a:rPr lang="fr-CH" dirty="0" smtClean="0"/>
+              <a:t>Liste des risques 1</a:t>
+            </a:r>
+            <a:endParaRPr lang="fr-CH" dirty="0"/>
+          </a:p>
+        </p:txBody>
+      </p:sp>
+      <p:sp>
+        <p:nvSpPr>
+          <p:cNvPr id="3" name="Espace réservé du contenu 2"/>
+          <p:cNvSpPr>
+            <a:spLocks noGrp="1"/>
+          </p:cNvSpPr>
+          <p:nvPr>
+            <p:ph idx="1"/>
+            <p:custDataLst>
+              <p:tags r:id="rId2"/>
+            </p:custDataLst>
+          </p:nvPr>
+        </p:nvSpPr>
+        <p:spPr/>
+        <p:txBody>
+          <a:bodyPr/>
+          <a:lstStyle/>
+          <a:p>
+            <a:r>
+              <a:rPr lang="fr-CH" dirty="0" smtClean="0"/>
+              <a:t>2 types de risques</a:t>
+            </a:r>
+          </a:p>
+          <a:p>
+            <a:pPr lvl="1"/>
+            <a:r>
+              <a:rPr lang="fr-CH" dirty="0" smtClean="0"/>
+              <a:t>Humains</a:t>
+            </a:r>
+          </a:p>
+          <a:p>
+            <a:pPr lvl="1"/>
+            <a:r>
+              <a:rPr lang="fr-CH" dirty="0" smtClean="0"/>
+              <a:t>Technique</a:t>
+            </a:r>
+          </a:p>
+          <a:p>
+            <a:r>
+              <a:rPr lang="fr-CH" dirty="0"/>
+              <a:t> </a:t>
+            </a:r>
+            <a:r>
+              <a:rPr lang="fr-CH" dirty="0" smtClean="0"/>
+              <a:t>Classification</a:t>
+            </a:r>
+          </a:p>
+          <a:p>
+            <a:pPr lvl="1"/>
+            <a:r>
+              <a:rPr lang="fr-CH" dirty="0" smtClean="0"/>
+              <a:t>Mesure de probabilité</a:t>
+            </a:r>
+          </a:p>
+          <a:p>
+            <a:pPr lvl="1"/>
+            <a:endParaRPr lang="fr-CH" dirty="0" smtClean="0"/>
+          </a:p>
+          <a:p>
+            <a:pPr marL="0" indent="0">
+              <a:buNone/>
+            </a:pPr>
+            <a:endParaRPr lang="fr-CH" dirty="0" smtClean="0"/>
+          </a:p>
+          <a:p>
+            <a:endParaRPr lang="fr-CH" dirty="0" smtClean="0"/>
+          </a:p>
+        </p:txBody>
+      </p:sp>
+      <p:graphicFrame>
+        <p:nvGraphicFramePr>
+          <p:cNvPr id="4" name="Tableau 3"/>
+          <p:cNvGraphicFramePr>
+            <a:graphicFrameLocks noGrp="1"/>
+          </p:cNvGraphicFramePr>
+          <p:nvPr>
+            <p:custDataLst>
+              <p:tags r:id="rId3"/>
+            </p:custDataLst>
+            <p:extLst>
+              <p:ext uri="{D42A27DB-BD31-4B8C-83A1-F6EECF244321}">
+                <p14:modId xmlns:p14="http://schemas.microsoft.com/office/powerpoint/2010/main" val="210716467"/>
+              </p:ext>
+            </p:extLst>
+          </p:nvPr>
+        </p:nvGraphicFramePr>
+        <p:xfrm>
+          <a:off x="1103312" y="4315758"/>
+          <a:ext cx="6034089" cy="1462741"/>
+        </p:xfrm>
+        <a:graphic>
+          <a:graphicData uri="http://schemas.openxmlformats.org/drawingml/2006/table">
+            <a:tbl>
+              <a:tblPr bandRow="1">
+                <a:tableStyleId>{5C22544A-7EE6-4342-B048-85BDC9FD1C3A}</a:tableStyleId>
+              </a:tblPr>
+              <a:tblGrid>
+                <a:gridCol w="527309"/>
+                <a:gridCol w="1915239"/>
+                <a:gridCol w="3591541"/>
+              </a:tblGrid>
+              <a:tr h="359447">
+                <a:tc>
+                  <a:txBody>
+                    <a:bodyPr/>
+                    <a:lstStyle/>
+                    <a:p>
+                      <a:pPr algn="l">
+                        <a:lnSpc>
+                          <a:spcPct val="115000"/>
+                        </a:lnSpc>
+                        <a:spcAft>
+                          <a:spcPts val="0"/>
+                        </a:spcAft>
+                      </a:pPr>
+                      <a:r>
+                        <a:rPr lang="fr-CH" sz="1200" dirty="0">
+                          <a:effectLst/>
+                        </a:rPr>
+                        <a:t>1</a:t>
+                      </a:r>
+                      <a:endParaRPr lang="fr-CH" sz="1200" dirty="0">
+                        <a:effectLst/>
+                        <a:latin typeface="Calibri" panose="020F0502020204030204" pitchFamily="34" charset="0"/>
+                        <a:ea typeface="Calibri" panose="020F0502020204030204" pitchFamily="34" charset="0"/>
+                        <a:cs typeface="Times New Roman" panose="02020603050405020304" pitchFamily="18" charset="0"/>
+                      </a:endParaRPr>
+                    </a:p>
+                  </a:txBody>
+                  <a:tcPr marL="68580" marR="68580" marT="0" marB="0" anchor="ctr"/>
+                </a:tc>
+                <a:tc>
+                  <a:txBody>
+                    <a:bodyPr/>
+                    <a:lstStyle/>
+                    <a:p>
+                      <a:pPr algn="l">
+                        <a:lnSpc>
+                          <a:spcPct val="115000"/>
+                        </a:lnSpc>
+                        <a:spcAft>
+                          <a:spcPts val="0"/>
+                        </a:spcAft>
+                      </a:pPr>
+                      <a:r>
+                        <a:rPr lang="fr-CH" sz="1200">
+                          <a:effectLst/>
+                        </a:rPr>
+                        <a:t>Rare</a:t>
+                      </a:r>
+                      <a:endParaRPr lang="fr-CH" sz="1200">
+                        <a:effectLst/>
+                        <a:latin typeface="Calibri" panose="020F0502020204030204" pitchFamily="34" charset="0"/>
+                        <a:ea typeface="Calibri" panose="020F0502020204030204" pitchFamily="34" charset="0"/>
+                        <a:cs typeface="Times New Roman" panose="02020603050405020304" pitchFamily="18" charset="0"/>
+                      </a:endParaRPr>
+                    </a:p>
+                  </a:txBody>
+                  <a:tcPr marL="68580" marR="68580" marT="0" marB="0" anchor="ctr"/>
+                </a:tc>
+                <a:tc>
+                  <a:txBody>
+                    <a:bodyPr/>
+                    <a:lstStyle/>
+                    <a:p>
+                      <a:pPr algn="l">
+                        <a:lnSpc>
+                          <a:spcPct val="115000"/>
+                        </a:lnSpc>
+                        <a:spcAft>
+                          <a:spcPts val="0"/>
+                        </a:spcAft>
+                      </a:pPr>
+                      <a:r>
+                        <a:rPr lang="fr-CH" sz="1200">
+                          <a:effectLst/>
+                        </a:rPr>
+                        <a:t>Peut se produire une à deux fois</a:t>
+                      </a:r>
+                      <a:endParaRPr lang="fr-CH" sz="1200">
+                        <a:effectLst/>
+                        <a:latin typeface="Calibri" panose="020F0502020204030204" pitchFamily="34" charset="0"/>
+                        <a:ea typeface="Calibri" panose="020F0502020204030204" pitchFamily="34" charset="0"/>
+                        <a:cs typeface="Times New Roman" panose="02020603050405020304" pitchFamily="18" charset="0"/>
+                      </a:endParaRPr>
+                    </a:p>
+                  </a:txBody>
+                  <a:tcPr marL="68580" marR="68580" marT="0" marB="0" anchor="ctr"/>
+                </a:tc>
+              </a:tr>
+              <a:tr h="743847">
+                <a:tc>
+                  <a:txBody>
+                    <a:bodyPr/>
+                    <a:lstStyle/>
+                    <a:p>
+                      <a:pPr algn="l">
+                        <a:lnSpc>
+                          <a:spcPct val="115000"/>
+                        </a:lnSpc>
+                        <a:spcAft>
+                          <a:spcPts val="0"/>
+                        </a:spcAft>
+                      </a:pPr>
+                      <a:r>
+                        <a:rPr lang="fr-CH" sz="1200">
+                          <a:effectLst/>
+                        </a:rPr>
+                        <a:t>2</a:t>
+                      </a:r>
+                      <a:endParaRPr lang="fr-CH" sz="1200">
+                        <a:effectLst/>
+                        <a:latin typeface="Calibri" panose="020F0502020204030204" pitchFamily="34" charset="0"/>
+                        <a:ea typeface="Calibri" panose="020F0502020204030204" pitchFamily="34" charset="0"/>
+                        <a:cs typeface="Times New Roman" panose="02020603050405020304" pitchFamily="18" charset="0"/>
+                      </a:endParaRPr>
+                    </a:p>
+                  </a:txBody>
+                  <a:tcPr marL="68580" marR="68580" marT="0" marB="0" anchor="ctr"/>
+                </a:tc>
+                <a:tc>
+                  <a:txBody>
+                    <a:bodyPr/>
+                    <a:lstStyle/>
+                    <a:p>
+                      <a:pPr algn="l">
+                        <a:lnSpc>
+                          <a:spcPct val="115000"/>
+                        </a:lnSpc>
+                        <a:spcAft>
+                          <a:spcPts val="0"/>
+                        </a:spcAft>
+                      </a:pPr>
+                      <a:r>
+                        <a:rPr lang="fr-CH" sz="1200" dirty="0">
+                          <a:effectLst/>
+                        </a:rPr>
+                        <a:t>Possible</a:t>
+                      </a:r>
+                      <a:endParaRPr lang="fr-CH" sz="1200" dirty="0">
+                        <a:effectLst/>
+                        <a:latin typeface="Calibri" panose="020F0502020204030204" pitchFamily="34" charset="0"/>
+                        <a:ea typeface="Calibri" panose="020F0502020204030204" pitchFamily="34" charset="0"/>
+                        <a:cs typeface="Times New Roman" panose="02020603050405020304" pitchFamily="18" charset="0"/>
+                      </a:endParaRPr>
+                    </a:p>
+                  </a:txBody>
+                  <a:tcPr marL="68580" marR="68580" marT="0" marB="0" anchor="ctr"/>
+                </a:tc>
+                <a:tc>
+                  <a:txBody>
+                    <a:bodyPr/>
+                    <a:lstStyle/>
+                    <a:p>
+                      <a:pPr algn="l">
+                        <a:lnSpc>
+                          <a:spcPct val="115000"/>
+                        </a:lnSpc>
+                        <a:spcAft>
+                          <a:spcPts val="0"/>
+                        </a:spcAft>
+                      </a:pPr>
+                      <a:r>
+                        <a:rPr lang="fr-CH" sz="1200">
+                          <a:effectLst/>
+                        </a:rPr>
+                        <a:t>Peut arriver quelques fois pendant le projet</a:t>
+                      </a:r>
+                      <a:endParaRPr lang="fr-CH" sz="1200">
+                        <a:effectLst/>
+                        <a:latin typeface="Calibri" panose="020F0502020204030204" pitchFamily="34" charset="0"/>
+                        <a:ea typeface="Calibri" panose="020F0502020204030204" pitchFamily="34" charset="0"/>
+                        <a:cs typeface="Times New Roman" panose="02020603050405020304" pitchFamily="18" charset="0"/>
+                      </a:endParaRPr>
+                    </a:p>
+                  </a:txBody>
+                  <a:tcPr marL="68580" marR="68580" marT="0" marB="0" anchor="ctr"/>
+                </a:tc>
+              </a:tr>
+              <a:tr h="359447">
+                <a:tc>
+                  <a:txBody>
+                    <a:bodyPr/>
+                    <a:lstStyle/>
+                    <a:p>
+                      <a:pPr algn="l">
+                        <a:lnSpc>
+                          <a:spcPct val="115000"/>
+                        </a:lnSpc>
+                        <a:spcAft>
+                          <a:spcPts val="0"/>
+                        </a:spcAft>
+                      </a:pPr>
+                      <a:r>
+                        <a:rPr lang="fr-CH" sz="1200">
+                          <a:effectLst/>
+                        </a:rPr>
+                        <a:t>3</a:t>
+                      </a:r>
+                      <a:endParaRPr lang="fr-CH" sz="1200">
+                        <a:effectLst/>
+                        <a:latin typeface="Calibri" panose="020F0502020204030204" pitchFamily="34" charset="0"/>
+                        <a:ea typeface="Calibri" panose="020F0502020204030204" pitchFamily="34" charset="0"/>
+                        <a:cs typeface="Times New Roman" panose="02020603050405020304" pitchFamily="18" charset="0"/>
+                      </a:endParaRPr>
+                    </a:p>
+                  </a:txBody>
+                  <a:tcPr marL="68580" marR="68580" marT="0" marB="0" anchor="ctr"/>
+                </a:tc>
+                <a:tc>
+                  <a:txBody>
+                    <a:bodyPr/>
+                    <a:lstStyle/>
+                    <a:p>
+                      <a:pPr algn="l">
+                        <a:lnSpc>
+                          <a:spcPct val="115000"/>
+                        </a:lnSpc>
+                        <a:spcAft>
+                          <a:spcPts val="0"/>
+                        </a:spcAft>
+                      </a:pPr>
+                      <a:r>
+                        <a:rPr lang="fr-CH" sz="1200">
+                          <a:effectLst/>
+                        </a:rPr>
+                        <a:t>Certain</a:t>
+                      </a:r>
+                      <a:endParaRPr lang="fr-CH" sz="1200">
+                        <a:effectLst/>
+                        <a:latin typeface="Calibri" panose="020F0502020204030204" pitchFamily="34" charset="0"/>
+                        <a:ea typeface="Calibri" panose="020F0502020204030204" pitchFamily="34" charset="0"/>
+                        <a:cs typeface="Times New Roman" panose="02020603050405020304" pitchFamily="18" charset="0"/>
+                      </a:endParaRPr>
+                    </a:p>
+                  </a:txBody>
+                  <a:tcPr marL="68580" marR="68580" marT="0" marB="0" anchor="ctr"/>
+                </a:tc>
+                <a:tc>
+                  <a:txBody>
+                    <a:bodyPr/>
+                    <a:lstStyle/>
+                    <a:p>
+                      <a:pPr algn="l">
+                        <a:lnSpc>
+                          <a:spcPct val="115000"/>
+                        </a:lnSpc>
+                        <a:spcAft>
+                          <a:spcPts val="0"/>
+                        </a:spcAft>
+                      </a:pPr>
+                      <a:r>
+                        <a:rPr lang="fr-CH" sz="1200" dirty="0">
+                          <a:effectLst/>
+                        </a:rPr>
+                        <a:t>Se produit régulièrement</a:t>
+                      </a:r>
+                      <a:endParaRPr lang="fr-CH" sz="1200" dirty="0">
+                        <a:effectLst/>
+                        <a:latin typeface="Calibri" panose="020F0502020204030204" pitchFamily="34" charset="0"/>
+                        <a:ea typeface="Calibri" panose="020F0502020204030204" pitchFamily="34" charset="0"/>
+                        <a:cs typeface="Times New Roman" panose="02020603050405020304" pitchFamily="18" charset="0"/>
+                      </a:endParaRPr>
+                    </a:p>
+                  </a:txBody>
+                  <a:tcPr marL="68580" marR="68580" marT="0" marB="0" anchor="ctr"/>
+                </a:tc>
+              </a:tr>
+            </a:tbl>
+          </a:graphicData>
+        </a:graphic>
+      </p:graphicFrame>
+    </p:spTree>
+    <p:extLst>
+      <p:ext uri="{BB962C8B-B14F-4D97-AF65-F5344CB8AC3E}">
+        <p14:creationId xmlns:p14="http://schemas.microsoft.com/office/powerpoint/2010/main" val="444043121"/>
+      </p:ext>
+    </p:extLst>
+  </p:cSld>
+  <p:clrMapOvr>
+    <a:masterClrMapping/>
+  </p:clrMapOvr>
+  <p:timing>
+    <p:tnLst>
+      <p:par>
+        <p:cTn id="1" dur="indefinite" restart="never" nodeType="tmRoot"/>
+      </p:par>
+    </p:tnLst>
+  </p:timing>
+</p:sld>
+</file>
+
+<file path=ppt/slides/slide8.xml><?xml version="1.0" encoding="utf-8"?>
+<p:sld xmlns:a="http://schemas.openxmlformats.org/drawingml/2006/main" xmlns:r="http://schemas.openxmlformats.org/officeDocument/2006/relationships" xmlns:p="http://schemas.openxmlformats.org/presentationml/2006/main">
+  <p:cSld>
+    <p:spTree>
+      <p:nvGrpSpPr>
+        <p:cNvPr id="1" name=""/>
+        <p:cNvGrpSpPr/>
+        <p:nvPr/>
+      </p:nvGrpSpPr>
+      <p:grpSpPr>
+        <a:xfrm>
+          <a:off x="0" y="0"/>
+          <a:ext cx="0" cy="0"/>
+          <a:chOff x="0" y="0"/>
+          <a:chExt cx="0" cy="0"/>
+        </a:xfrm>
+      </p:grpSpPr>
+      <p:sp>
+        <p:nvSpPr>
+          <p:cNvPr id="2" name="Titre 1"/>
+          <p:cNvSpPr>
+            <a:spLocks noGrp="1"/>
+          </p:cNvSpPr>
+          <p:nvPr>
+            <p:ph type="title"/>
+            <p:custDataLst>
+              <p:tags r:id="rId1"/>
+            </p:custDataLst>
+          </p:nvPr>
+        </p:nvSpPr>
+        <p:spPr/>
+        <p:txBody>
+          <a:bodyPr/>
+          <a:lstStyle/>
+          <a:p>
+            <a:r>
+              <a:rPr lang="fr-CH" dirty="0" smtClean="0"/>
+              <a:t>Liste des risques 2</a:t>
+            </a:r>
+            <a:endParaRPr lang="fr-CH" dirty="0"/>
+          </a:p>
+        </p:txBody>
+      </p:sp>
+      <p:sp>
+        <p:nvSpPr>
+          <p:cNvPr id="3" name="Espace réservé du contenu 2"/>
+          <p:cNvSpPr>
+            <a:spLocks noGrp="1"/>
+          </p:cNvSpPr>
+          <p:nvPr>
+            <p:ph idx="1"/>
+            <p:custDataLst>
+              <p:tags r:id="rId2"/>
+            </p:custDataLst>
+          </p:nvPr>
+        </p:nvSpPr>
+        <p:spPr>
+          <a:xfrm>
+            <a:off x="1104293" y="2051254"/>
+            <a:ext cx="8946541" cy="4195481"/>
+          </a:xfrm>
+        </p:spPr>
+        <p:txBody>
+          <a:bodyPr/>
+          <a:lstStyle/>
+          <a:p>
+            <a:r>
+              <a:rPr lang="fr-CH" dirty="0" smtClean="0"/>
+              <a:t>Mesure de l’impact</a:t>
+            </a:r>
+          </a:p>
+          <a:p>
+            <a:endParaRPr lang="fr-CH" dirty="0"/>
+          </a:p>
+          <a:p>
+            <a:endParaRPr lang="fr-CH" dirty="0" smtClean="0"/>
+          </a:p>
+          <a:p>
+            <a:endParaRPr lang="fr-CH" dirty="0"/>
+          </a:p>
+          <a:p>
+            <a:r>
+              <a:rPr lang="fr-CH" dirty="0"/>
+              <a:t>Mesure de </a:t>
+            </a:r>
+            <a:r>
+              <a:rPr lang="fr-CH" dirty="0" smtClean="0"/>
+              <a:t>détection</a:t>
+            </a:r>
+          </a:p>
+          <a:p>
+            <a:endParaRPr lang="fr-CH" dirty="0"/>
+          </a:p>
+          <a:p>
+            <a:endParaRPr lang="fr-CH" dirty="0" smtClean="0"/>
+          </a:p>
+          <a:p>
+            <a:endParaRPr lang="fr-CH" dirty="0"/>
+          </a:p>
+          <a:p>
+            <a:endParaRPr lang="fr-CH" dirty="0"/>
+          </a:p>
+          <a:p>
+            <a:endParaRPr lang="fr-CH" dirty="0" smtClean="0"/>
+          </a:p>
+          <a:p>
+            <a:endParaRPr lang="fr-CH" dirty="0"/>
+          </a:p>
+          <a:p>
+            <a:pPr marL="0" indent="0">
+              <a:buNone/>
+            </a:pPr>
+            <a:endParaRPr lang="fr-CH" dirty="0" smtClean="0"/>
+          </a:p>
+        </p:txBody>
+      </p:sp>
+      <p:graphicFrame>
+        <p:nvGraphicFramePr>
+          <p:cNvPr id="4" name="Tableau 3"/>
+          <p:cNvGraphicFramePr>
+            <a:graphicFrameLocks noGrp="1"/>
+          </p:cNvGraphicFramePr>
+          <p:nvPr>
+            <p:custDataLst>
+              <p:tags r:id="rId3"/>
+            </p:custDataLst>
+            <p:extLst>
+              <p:ext uri="{D42A27DB-BD31-4B8C-83A1-F6EECF244321}">
+                <p14:modId xmlns:p14="http://schemas.microsoft.com/office/powerpoint/2010/main" val="831216734"/>
+              </p:ext>
+            </p:extLst>
+          </p:nvPr>
+        </p:nvGraphicFramePr>
+        <p:xfrm>
+          <a:off x="1571308" y="2510693"/>
+          <a:ext cx="5629591" cy="1032606"/>
+        </p:xfrm>
+        <a:graphic>
+          <a:graphicData uri="http://schemas.openxmlformats.org/drawingml/2006/table">
+            <a:tbl>
+              <a:tblPr bandRow="1">
+                <a:tableStyleId>{5C22544A-7EE6-4342-B048-85BDC9FD1C3A}</a:tableStyleId>
+              </a:tblPr>
+              <a:tblGrid>
+                <a:gridCol w="491960"/>
+                <a:gridCol w="1786850"/>
+                <a:gridCol w="3350781"/>
+              </a:tblGrid>
+              <a:tr h="253748">
+                <a:tc>
+                  <a:txBody>
+                    <a:bodyPr/>
+                    <a:lstStyle/>
+                    <a:p>
+                      <a:pPr algn="l">
+                        <a:lnSpc>
+                          <a:spcPct val="115000"/>
+                        </a:lnSpc>
+                        <a:spcAft>
+                          <a:spcPts val="0"/>
+                        </a:spcAft>
+                      </a:pPr>
+                      <a:r>
+                        <a:rPr lang="fr-CH" sz="1200">
+                          <a:effectLst/>
+                        </a:rPr>
+                        <a:t>1</a:t>
+                      </a:r>
+                      <a:endParaRPr lang="fr-CH" sz="1200">
+                        <a:effectLst/>
+                        <a:latin typeface="Calibri" panose="020F0502020204030204" pitchFamily="34" charset="0"/>
+                        <a:ea typeface="Calibri" panose="020F0502020204030204" pitchFamily="34" charset="0"/>
+                        <a:cs typeface="Times New Roman" panose="02020603050405020304" pitchFamily="18" charset="0"/>
+                      </a:endParaRPr>
+                    </a:p>
+                  </a:txBody>
+                  <a:tcPr marL="68580" marR="68580" marT="0" marB="0" anchor="ctr"/>
+                </a:tc>
+                <a:tc>
+                  <a:txBody>
+                    <a:bodyPr/>
+                    <a:lstStyle/>
+                    <a:p>
+                      <a:pPr algn="l">
+                        <a:lnSpc>
+                          <a:spcPct val="115000"/>
+                        </a:lnSpc>
+                        <a:spcAft>
+                          <a:spcPts val="0"/>
+                        </a:spcAft>
+                      </a:pPr>
+                      <a:r>
+                        <a:rPr lang="fr-CH" sz="1200">
+                          <a:effectLst/>
+                        </a:rPr>
+                        <a:t>Mineur</a:t>
+                      </a:r>
+                      <a:endParaRPr lang="fr-CH" sz="1200">
+                        <a:effectLst/>
+                        <a:latin typeface="Calibri" panose="020F0502020204030204" pitchFamily="34" charset="0"/>
+                        <a:ea typeface="Calibri" panose="020F0502020204030204" pitchFamily="34" charset="0"/>
+                        <a:cs typeface="Times New Roman" panose="02020603050405020304" pitchFamily="18" charset="0"/>
+                      </a:endParaRPr>
+                    </a:p>
+                  </a:txBody>
+                  <a:tcPr marL="68580" marR="68580" marT="0" marB="0" anchor="ctr"/>
+                </a:tc>
+                <a:tc>
+                  <a:txBody>
+                    <a:bodyPr/>
+                    <a:lstStyle/>
+                    <a:p>
+                      <a:pPr algn="l">
+                        <a:lnSpc>
+                          <a:spcPct val="115000"/>
+                        </a:lnSpc>
+                        <a:spcAft>
+                          <a:spcPts val="0"/>
+                        </a:spcAft>
+                      </a:pPr>
+                      <a:r>
+                        <a:rPr lang="fr-CH" sz="1200">
+                          <a:effectLst/>
+                        </a:rPr>
+                        <a:t>Retard de 1 -3 jours maximum</a:t>
+                      </a:r>
+                      <a:endParaRPr lang="fr-CH" sz="1200">
+                        <a:effectLst/>
+                        <a:latin typeface="Calibri" panose="020F0502020204030204" pitchFamily="34" charset="0"/>
+                        <a:ea typeface="Calibri" panose="020F0502020204030204" pitchFamily="34" charset="0"/>
+                        <a:cs typeface="Times New Roman" panose="02020603050405020304" pitchFamily="18" charset="0"/>
+                      </a:endParaRPr>
+                    </a:p>
+                  </a:txBody>
+                  <a:tcPr marL="68580" marR="68580" marT="0" marB="0" anchor="ctr"/>
+                </a:tc>
+              </a:tr>
+              <a:tr h="253748">
+                <a:tc>
+                  <a:txBody>
+                    <a:bodyPr/>
+                    <a:lstStyle/>
+                    <a:p>
+                      <a:pPr algn="l">
+                        <a:lnSpc>
+                          <a:spcPct val="115000"/>
+                        </a:lnSpc>
+                        <a:spcAft>
+                          <a:spcPts val="0"/>
+                        </a:spcAft>
+                      </a:pPr>
+                      <a:r>
+                        <a:rPr lang="fr-CH" sz="1200">
+                          <a:effectLst/>
+                        </a:rPr>
+                        <a:t>2</a:t>
+                      </a:r>
+                      <a:endParaRPr lang="fr-CH" sz="1200">
+                        <a:effectLst/>
+                        <a:latin typeface="Calibri" panose="020F0502020204030204" pitchFamily="34" charset="0"/>
+                        <a:ea typeface="Calibri" panose="020F0502020204030204" pitchFamily="34" charset="0"/>
+                        <a:cs typeface="Times New Roman" panose="02020603050405020304" pitchFamily="18" charset="0"/>
+                      </a:endParaRPr>
+                    </a:p>
+                  </a:txBody>
+                  <a:tcPr marL="68580" marR="68580" marT="0" marB="0" anchor="ctr"/>
+                </a:tc>
+                <a:tc>
+                  <a:txBody>
+                    <a:bodyPr/>
+                    <a:lstStyle/>
+                    <a:p>
+                      <a:pPr algn="l">
+                        <a:lnSpc>
+                          <a:spcPct val="115000"/>
+                        </a:lnSpc>
+                        <a:spcAft>
+                          <a:spcPts val="0"/>
+                        </a:spcAft>
+                      </a:pPr>
+                      <a:r>
+                        <a:rPr lang="fr-CH" sz="1200">
+                          <a:effectLst/>
+                        </a:rPr>
+                        <a:t>Majeur</a:t>
+                      </a:r>
+                      <a:endParaRPr lang="fr-CH" sz="1200">
+                        <a:effectLst/>
+                        <a:latin typeface="Calibri" panose="020F0502020204030204" pitchFamily="34" charset="0"/>
+                        <a:ea typeface="Calibri" panose="020F0502020204030204" pitchFamily="34" charset="0"/>
+                        <a:cs typeface="Times New Roman" panose="02020603050405020304" pitchFamily="18" charset="0"/>
+                      </a:endParaRPr>
+                    </a:p>
+                  </a:txBody>
+                  <a:tcPr marL="68580" marR="68580" marT="0" marB="0" anchor="ctr"/>
+                </a:tc>
+                <a:tc>
+                  <a:txBody>
+                    <a:bodyPr/>
+                    <a:lstStyle/>
+                    <a:p>
+                      <a:pPr algn="l">
+                        <a:lnSpc>
+                          <a:spcPct val="115000"/>
+                        </a:lnSpc>
+                        <a:spcAft>
+                          <a:spcPts val="0"/>
+                        </a:spcAft>
+                      </a:pPr>
+                      <a:r>
+                        <a:rPr lang="fr-CH" sz="1200">
+                          <a:effectLst/>
+                        </a:rPr>
+                        <a:t>Retard de 4 jours ou plus</a:t>
+                      </a:r>
+                      <a:endParaRPr lang="fr-CH" sz="1200">
+                        <a:effectLst/>
+                        <a:latin typeface="Calibri" panose="020F0502020204030204" pitchFamily="34" charset="0"/>
+                        <a:ea typeface="Calibri" panose="020F0502020204030204" pitchFamily="34" charset="0"/>
+                        <a:cs typeface="Times New Roman" panose="02020603050405020304" pitchFamily="18" charset="0"/>
+                      </a:endParaRPr>
+                    </a:p>
+                  </a:txBody>
+                  <a:tcPr marL="68580" marR="68580" marT="0" marB="0" anchor="ctr"/>
+                </a:tc>
+              </a:tr>
+              <a:tr h="525110">
+                <a:tc>
+                  <a:txBody>
+                    <a:bodyPr/>
+                    <a:lstStyle/>
+                    <a:p>
+                      <a:pPr algn="l">
+                        <a:lnSpc>
+                          <a:spcPct val="115000"/>
+                        </a:lnSpc>
+                        <a:spcAft>
+                          <a:spcPts val="0"/>
+                        </a:spcAft>
+                      </a:pPr>
+                      <a:r>
+                        <a:rPr lang="fr-CH" sz="1200">
+                          <a:effectLst/>
+                        </a:rPr>
+                        <a:t>3</a:t>
+                      </a:r>
+                      <a:endParaRPr lang="fr-CH" sz="1200">
+                        <a:effectLst/>
+                        <a:latin typeface="Calibri" panose="020F0502020204030204" pitchFamily="34" charset="0"/>
+                        <a:ea typeface="Calibri" panose="020F0502020204030204" pitchFamily="34" charset="0"/>
+                        <a:cs typeface="Times New Roman" panose="02020603050405020304" pitchFamily="18" charset="0"/>
+                      </a:endParaRPr>
+                    </a:p>
+                  </a:txBody>
+                  <a:tcPr marL="68580" marR="68580" marT="0" marB="0" anchor="ctr"/>
+                </a:tc>
+                <a:tc>
+                  <a:txBody>
+                    <a:bodyPr/>
+                    <a:lstStyle/>
+                    <a:p>
+                      <a:pPr algn="l">
+                        <a:lnSpc>
+                          <a:spcPct val="115000"/>
+                        </a:lnSpc>
+                        <a:spcAft>
+                          <a:spcPts val="0"/>
+                        </a:spcAft>
+                      </a:pPr>
+                      <a:r>
+                        <a:rPr lang="fr-CH" sz="1200">
+                          <a:effectLst/>
+                        </a:rPr>
+                        <a:t>Critique</a:t>
+                      </a:r>
+                      <a:endParaRPr lang="fr-CH" sz="1200">
+                        <a:effectLst/>
+                        <a:latin typeface="Calibri" panose="020F0502020204030204" pitchFamily="34" charset="0"/>
+                        <a:ea typeface="Calibri" panose="020F0502020204030204" pitchFamily="34" charset="0"/>
+                        <a:cs typeface="Times New Roman" panose="02020603050405020304" pitchFamily="18" charset="0"/>
+                      </a:endParaRPr>
+                    </a:p>
+                  </a:txBody>
+                  <a:tcPr marL="68580" marR="68580" marT="0" marB="0" anchor="ctr"/>
+                </a:tc>
+                <a:tc>
+                  <a:txBody>
+                    <a:bodyPr/>
+                    <a:lstStyle/>
+                    <a:p>
+                      <a:pPr algn="l">
+                        <a:lnSpc>
+                          <a:spcPct val="115000"/>
+                        </a:lnSpc>
+                        <a:spcAft>
+                          <a:spcPts val="0"/>
+                        </a:spcAft>
+                      </a:pPr>
+                      <a:r>
+                        <a:rPr lang="fr-CH" sz="1200" dirty="0">
+                          <a:effectLst/>
+                        </a:rPr>
+                        <a:t>Le projet peut avoir plusieurs semaines de retard, voir complètement arrêté</a:t>
+                      </a:r>
+                      <a:endParaRPr lang="fr-CH" sz="1200" dirty="0">
+                        <a:effectLst/>
+                        <a:latin typeface="Calibri" panose="020F0502020204030204" pitchFamily="34" charset="0"/>
+                        <a:ea typeface="Calibri" panose="020F0502020204030204" pitchFamily="34" charset="0"/>
+                        <a:cs typeface="Times New Roman" panose="02020603050405020304" pitchFamily="18" charset="0"/>
+                      </a:endParaRPr>
+                    </a:p>
+                  </a:txBody>
+                  <a:tcPr marL="68580" marR="68580" marT="0" marB="0" anchor="ctr"/>
+                </a:tc>
+              </a:tr>
+            </a:tbl>
+          </a:graphicData>
+        </a:graphic>
+      </p:graphicFrame>
+      <p:graphicFrame>
+        <p:nvGraphicFramePr>
+          <p:cNvPr id="5" name="Tableau 4"/>
+          <p:cNvGraphicFramePr>
+            <a:graphicFrameLocks noGrp="1"/>
+          </p:cNvGraphicFramePr>
+          <p:nvPr>
+            <p:custDataLst>
+              <p:tags r:id="rId4"/>
+            </p:custDataLst>
+            <p:extLst>
+              <p:ext uri="{D42A27DB-BD31-4B8C-83A1-F6EECF244321}">
+                <p14:modId xmlns:p14="http://schemas.microsoft.com/office/powerpoint/2010/main" val="1371751127"/>
+              </p:ext>
+            </p:extLst>
+          </p:nvPr>
+        </p:nvGraphicFramePr>
+        <p:xfrm>
+          <a:off x="1876108" y="4148995"/>
+          <a:ext cx="5115560" cy="1220916"/>
+        </p:xfrm>
+        <a:graphic>
+          <a:graphicData uri="http://schemas.openxmlformats.org/drawingml/2006/table">
+            <a:tbl>
+              <a:tblPr bandRow="1">
+                <a:tableStyleId>{5C22544A-7EE6-4342-B048-85BDC9FD1C3A}</a:tableStyleId>
+              </a:tblPr>
+              <a:tblGrid>
+                <a:gridCol w="447040"/>
+                <a:gridCol w="1623695"/>
+                <a:gridCol w="3044825"/>
+              </a:tblGrid>
+              <a:tr h="0">
+                <a:tc>
+                  <a:txBody>
+                    <a:bodyPr/>
+                    <a:lstStyle/>
+                    <a:p>
+                      <a:pPr algn="l">
+                        <a:lnSpc>
+                          <a:spcPct val="115000"/>
+                        </a:lnSpc>
+                        <a:spcAft>
+                          <a:spcPts val="0"/>
+                        </a:spcAft>
+                      </a:pPr>
+                      <a:r>
+                        <a:rPr lang="fr-CH" sz="1200" dirty="0">
+                          <a:effectLst/>
+                        </a:rPr>
+                        <a:t>1</a:t>
+                      </a:r>
+                      <a:endParaRPr lang="fr-CH" sz="1200" dirty="0">
+                        <a:effectLst/>
+                        <a:latin typeface="Calibri" panose="020F0502020204030204" pitchFamily="34" charset="0"/>
+                        <a:ea typeface="Calibri" panose="020F0502020204030204" pitchFamily="34" charset="0"/>
+                        <a:cs typeface="Times New Roman" panose="02020603050405020304" pitchFamily="18" charset="0"/>
+                      </a:endParaRPr>
+                    </a:p>
+                  </a:txBody>
+                  <a:tcPr marL="68580" marR="68580" marT="0" marB="0" anchor="ctr"/>
+                </a:tc>
+                <a:tc>
+                  <a:txBody>
+                    <a:bodyPr/>
+                    <a:lstStyle/>
+                    <a:p>
+                      <a:pPr algn="l">
+                        <a:lnSpc>
+                          <a:spcPct val="115000"/>
+                        </a:lnSpc>
+                        <a:spcAft>
+                          <a:spcPts val="0"/>
+                        </a:spcAft>
+                      </a:pPr>
+                      <a:r>
+                        <a:rPr lang="fr-CH" sz="1200">
+                          <a:effectLst/>
+                        </a:rPr>
+                        <a:t>Facile</a:t>
+                      </a:r>
+                      <a:endParaRPr lang="fr-CH" sz="1200">
+                        <a:effectLst/>
+                        <a:latin typeface="Calibri" panose="020F0502020204030204" pitchFamily="34" charset="0"/>
+                        <a:ea typeface="Calibri" panose="020F0502020204030204" pitchFamily="34" charset="0"/>
+                        <a:cs typeface="Times New Roman" panose="02020603050405020304" pitchFamily="18" charset="0"/>
+                      </a:endParaRPr>
+                    </a:p>
+                  </a:txBody>
+                  <a:tcPr marL="68580" marR="68580" marT="0" marB="0" anchor="ctr"/>
+                </a:tc>
+                <a:tc>
+                  <a:txBody>
+                    <a:bodyPr/>
+                    <a:lstStyle/>
+                    <a:p>
+                      <a:pPr algn="l">
+                        <a:lnSpc>
+                          <a:spcPct val="115000"/>
+                        </a:lnSpc>
+                        <a:spcAft>
+                          <a:spcPts val="0"/>
+                        </a:spcAft>
+                      </a:pPr>
+                      <a:r>
+                        <a:rPr lang="fr-CH" sz="1200">
+                          <a:effectLst/>
+                        </a:rPr>
+                        <a:t>Risque facilement détectable.</a:t>
+                      </a:r>
+                      <a:endParaRPr lang="fr-CH" sz="1200">
+                        <a:effectLst/>
+                        <a:latin typeface="Calibri" panose="020F0502020204030204" pitchFamily="34" charset="0"/>
+                        <a:ea typeface="Calibri" panose="020F0502020204030204" pitchFamily="34" charset="0"/>
+                        <a:cs typeface="Times New Roman" panose="02020603050405020304" pitchFamily="18" charset="0"/>
+                      </a:endParaRPr>
+                    </a:p>
+                  </a:txBody>
+                  <a:tcPr marL="68580" marR="68580" marT="0" marB="0" anchor="ctr"/>
+                </a:tc>
+              </a:tr>
+              <a:tr h="0">
+                <a:tc>
+                  <a:txBody>
+                    <a:bodyPr/>
+                    <a:lstStyle/>
+                    <a:p>
+                      <a:pPr algn="l">
+                        <a:lnSpc>
+                          <a:spcPct val="115000"/>
+                        </a:lnSpc>
+                        <a:spcAft>
+                          <a:spcPts val="0"/>
+                        </a:spcAft>
+                      </a:pPr>
+                      <a:r>
+                        <a:rPr lang="fr-CH" sz="1200">
+                          <a:effectLst/>
+                        </a:rPr>
+                        <a:t>2</a:t>
+                      </a:r>
+                      <a:endParaRPr lang="fr-CH" sz="1200">
+                        <a:effectLst/>
+                        <a:latin typeface="Calibri" panose="020F0502020204030204" pitchFamily="34" charset="0"/>
+                        <a:ea typeface="Calibri" panose="020F0502020204030204" pitchFamily="34" charset="0"/>
+                        <a:cs typeface="Times New Roman" panose="02020603050405020304" pitchFamily="18" charset="0"/>
+                      </a:endParaRPr>
+                    </a:p>
+                  </a:txBody>
+                  <a:tcPr marL="68580" marR="68580" marT="0" marB="0" anchor="ctr"/>
+                </a:tc>
+                <a:tc>
+                  <a:txBody>
+                    <a:bodyPr/>
+                    <a:lstStyle/>
+                    <a:p>
+                      <a:pPr algn="l">
+                        <a:lnSpc>
+                          <a:spcPct val="115000"/>
+                        </a:lnSpc>
+                        <a:spcAft>
+                          <a:spcPts val="0"/>
+                        </a:spcAft>
+                      </a:pPr>
+                      <a:r>
+                        <a:rPr lang="fr-CH" sz="1200">
+                          <a:effectLst/>
+                        </a:rPr>
+                        <a:t>Difficile</a:t>
+                      </a:r>
+                      <a:endParaRPr lang="fr-CH" sz="1200">
+                        <a:effectLst/>
+                        <a:latin typeface="Calibri" panose="020F0502020204030204" pitchFamily="34" charset="0"/>
+                        <a:ea typeface="Calibri" panose="020F0502020204030204" pitchFamily="34" charset="0"/>
+                        <a:cs typeface="Times New Roman" panose="02020603050405020304" pitchFamily="18" charset="0"/>
+                      </a:endParaRPr>
+                    </a:p>
+                  </a:txBody>
+                  <a:tcPr marL="68580" marR="68580" marT="0" marB="0" anchor="ctr"/>
+                </a:tc>
+                <a:tc>
+                  <a:txBody>
+                    <a:bodyPr/>
+                    <a:lstStyle/>
+                    <a:p>
+                      <a:pPr algn="l">
+                        <a:lnSpc>
+                          <a:spcPct val="115000"/>
+                        </a:lnSpc>
+                        <a:spcAft>
+                          <a:spcPts val="0"/>
+                        </a:spcAft>
+                      </a:pPr>
+                      <a:r>
+                        <a:rPr lang="fr-CH" sz="1200">
+                          <a:effectLst/>
+                        </a:rPr>
+                        <a:t>Risque difficilement détectable. La team devra penser à tous les cas possibles.</a:t>
+                      </a:r>
+                      <a:endParaRPr lang="fr-CH" sz="1200">
+                        <a:effectLst/>
+                        <a:latin typeface="Calibri" panose="020F0502020204030204" pitchFamily="34" charset="0"/>
+                        <a:ea typeface="Calibri" panose="020F0502020204030204" pitchFamily="34" charset="0"/>
+                        <a:cs typeface="Times New Roman" panose="02020603050405020304" pitchFamily="18" charset="0"/>
+                      </a:endParaRPr>
+                    </a:p>
+                  </a:txBody>
+                  <a:tcPr marL="68580" marR="68580" marT="0" marB="0" anchor="ctr"/>
+                </a:tc>
+              </a:tr>
+              <a:tr h="0">
+                <a:tc>
+                  <a:txBody>
+                    <a:bodyPr/>
+                    <a:lstStyle/>
+                    <a:p>
+                      <a:pPr algn="l">
+                        <a:lnSpc>
+                          <a:spcPct val="115000"/>
+                        </a:lnSpc>
+                        <a:spcAft>
+                          <a:spcPts val="0"/>
+                        </a:spcAft>
+                      </a:pPr>
+                      <a:r>
+                        <a:rPr lang="fr-CH" sz="1200">
+                          <a:effectLst/>
+                        </a:rPr>
+                        <a:t>3</a:t>
+                      </a:r>
+                      <a:endParaRPr lang="fr-CH" sz="1200">
+                        <a:effectLst/>
+                        <a:latin typeface="Calibri" panose="020F0502020204030204" pitchFamily="34" charset="0"/>
+                        <a:ea typeface="Calibri" panose="020F0502020204030204" pitchFamily="34" charset="0"/>
+                        <a:cs typeface="Times New Roman" panose="02020603050405020304" pitchFamily="18" charset="0"/>
+                      </a:endParaRPr>
+                    </a:p>
+                  </a:txBody>
+                  <a:tcPr marL="68580" marR="68580" marT="0" marB="0" anchor="ctr"/>
+                </a:tc>
+                <a:tc>
+                  <a:txBody>
+                    <a:bodyPr/>
+                    <a:lstStyle/>
+                    <a:p>
+                      <a:pPr algn="l">
+                        <a:lnSpc>
+                          <a:spcPct val="115000"/>
+                        </a:lnSpc>
+                        <a:spcAft>
+                          <a:spcPts val="0"/>
+                        </a:spcAft>
+                      </a:pPr>
+                      <a:r>
+                        <a:rPr lang="fr-CH" sz="1200">
+                          <a:effectLst/>
+                        </a:rPr>
+                        <a:t>Impossible</a:t>
+                      </a:r>
+                      <a:endParaRPr lang="fr-CH" sz="1200">
+                        <a:effectLst/>
+                        <a:latin typeface="Calibri" panose="020F0502020204030204" pitchFamily="34" charset="0"/>
+                        <a:ea typeface="Calibri" panose="020F0502020204030204" pitchFamily="34" charset="0"/>
+                        <a:cs typeface="Times New Roman" panose="02020603050405020304" pitchFamily="18" charset="0"/>
+                      </a:endParaRPr>
+                    </a:p>
+                  </a:txBody>
+                  <a:tcPr marL="68580" marR="68580" marT="0" marB="0" anchor="ctr"/>
+                </a:tc>
+                <a:tc>
+                  <a:txBody>
+                    <a:bodyPr/>
+                    <a:lstStyle/>
+                    <a:p>
+                      <a:pPr algn="l">
+                        <a:lnSpc>
+                          <a:spcPct val="115000"/>
+                        </a:lnSpc>
+                        <a:spcAft>
+                          <a:spcPts val="0"/>
+                        </a:spcAft>
+                      </a:pPr>
+                      <a:r>
+                        <a:rPr lang="fr-CH" sz="1200" dirty="0">
+                          <a:effectLst/>
+                        </a:rPr>
+                        <a:t>Impossible de prévoir le risque en avance.</a:t>
+                      </a:r>
+                      <a:endParaRPr lang="fr-CH" sz="1200" dirty="0">
+                        <a:effectLst/>
+                        <a:latin typeface="Calibri" panose="020F0502020204030204" pitchFamily="34" charset="0"/>
+                        <a:ea typeface="Calibri" panose="020F0502020204030204" pitchFamily="34" charset="0"/>
+                        <a:cs typeface="Times New Roman" panose="02020603050405020304" pitchFamily="18" charset="0"/>
+                      </a:endParaRPr>
+                    </a:p>
+                  </a:txBody>
+                  <a:tcPr marL="68580" marR="68580" marT="0" marB="0" anchor="ctr"/>
+                </a:tc>
+              </a:tr>
+            </a:tbl>
+          </a:graphicData>
+        </a:graphic>
+      </p:graphicFrame>
+    </p:spTree>
+    <p:extLst>
+      <p:ext uri="{BB962C8B-B14F-4D97-AF65-F5344CB8AC3E}">
+        <p14:creationId xmlns:p14="http://schemas.microsoft.com/office/powerpoint/2010/main" val="2454814417"/>
+      </p:ext>
+    </p:extLst>
+  </p:cSld>
+  <p:clrMapOvr>
+    <a:masterClrMapping/>
+  </p:clrMapOvr>
+  <p:timing>
+    <p:tnLst>
+      <p:par>
+        <p:cTn id="1" dur="indefinite" restart="never" nodeType="tmRoot"/>
+      </p:par>
+    </p:tnLst>
+  </p:timing>
+</p:sld>
+</file>
+
+<file path=ppt/slides/slide9.xml><?xml version="1.0" encoding="utf-8"?>
+<p:sld xmlns:a="http://schemas.openxmlformats.org/drawingml/2006/main" xmlns:r="http://schemas.openxmlformats.org/officeDocument/2006/relationships" xmlns:p="http://schemas.openxmlformats.org/presentationml/2006/main">
+  <p:cSld>
+    <p:spTree>
+      <p:nvGrpSpPr>
+        <p:cNvPr id="1" name=""/>
+        <p:cNvGrpSpPr/>
+        <p:nvPr/>
+      </p:nvGrpSpPr>
+      <p:grpSpPr>
+        <a:xfrm>
+          <a:off x="0" y="0"/>
+          <a:ext cx="0" cy="0"/>
+          <a:chOff x="0" y="0"/>
+          <a:chExt cx="0" cy="0"/>
+        </a:xfrm>
+      </p:grpSpPr>
+      <p:sp>
+        <p:nvSpPr>
+          <p:cNvPr id="2" name="Titre 1"/>
+          <p:cNvSpPr>
+            <a:spLocks noGrp="1"/>
+          </p:cNvSpPr>
+          <p:nvPr>
+            <p:ph type="title"/>
+            <p:custDataLst>
+              <p:tags r:id="rId1"/>
+            </p:custDataLst>
+          </p:nvPr>
+        </p:nvSpPr>
+        <p:spPr/>
+        <p:txBody>
+          <a:bodyPr/>
+          <a:lstStyle/>
+          <a:p>
+            <a:r>
+              <a:rPr lang="fr-CH" dirty="0"/>
+              <a:t>Liste des risques </a:t>
+            </a:r>
+            <a:r>
+              <a:rPr lang="fr-CH" dirty="0" smtClean="0"/>
+              <a:t>3</a:t>
+            </a:r>
+            <a:endParaRPr lang="fr-CH" dirty="0"/>
+          </a:p>
+        </p:txBody>
+      </p:sp>
+      <p:sp>
+        <p:nvSpPr>
+          <p:cNvPr id="3" name="Espace réservé du contenu 2"/>
+          <p:cNvSpPr>
+            <a:spLocks noGrp="1"/>
+          </p:cNvSpPr>
+          <p:nvPr>
+            <p:ph idx="1"/>
+            <p:custDataLst>
+              <p:tags r:id="rId2"/>
+            </p:custDataLst>
+          </p:nvPr>
+        </p:nvSpPr>
+        <p:spPr/>
+        <p:txBody>
+          <a:bodyPr/>
+          <a:lstStyle/>
+          <a:p>
+            <a:r>
+              <a:rPr lang="fr-CH" dirty="0" smtClean="0"/>
+              <a:t>Mesure de contrôle</a:t>
+            </a:r>
+          </a:p>
+          <a:p>
+            <a:endParaRPr lang="fr-CH" dirty="0"/>
+          </a:p>
+          <a:p>
+            <a:endParaRPr lang="fr-CH" dirty="0" smtClean="0"/>
+          </a:p>
+          <a:p>
+            <a:endParaRPr lang="fr-CH" dirty="0"/>
+          </a:p>
+          <a:p>
+            <a:endParaRPr lang="fr-CH" dirty="0" smtClean="0"/>
+          </a:p>
+          <a:p>
+            <a:endParaRPr lang="fr-CH" dirty="0"/>
+          </a:p>
+        </p:txBody>
+      </p:sp>
+      <p:graphicFrame>
+        <p:nvGraphicFramePr>
+          <p:cNvPr id="5" name="Tableau 4"/>
+          <p:cNvGraphicFramePr>
+            <a:graphicFrameLocks noGrp="1"/>
+          </p:cNvGraphicFramePr>
+          <p:nvPr>
+            <p:custDataLst>
+              <p:tags r:id="rId3"/>
+            </p:custDataLst>
+            <p:extLst>
+              <p:ext uri="{D42A27DB-BD31-4B8C-83A1-F6EECF244321}">
+                <p14:modId xmlns:p14="http://schemas.microsoft.com/office/powerpoint/2010/main" val="863273285"/>
+              </p:ext>
+            </p:extLst>
+          </p:nvPr>
+        </p:nvGraphicFramePr>
+        <p:xfrm>
+          <a:off x="1571308" y="2528983"/>
+          <a:ext cx="5115560" cy="1431228"/>
+        </p:xfrm>
+        <a:graphic>
+          <a:graphicData uri="http://schemas.openxmlformats.org/drawingml/2006/table">
+            <a:tbl>
+              <a:tblPr bandRow="1">
+                <a:tableStyleId>{5C22544A-7EE6-4342-B048-85BDC9FD1C3A}</a:tableStyleId>
+              </a:tblPr>
+              <a:tblGrid>
+                <a:gridCol w="447040"/>
+                <a:gridCol w="1623695"/>
+                <a:gridCol w="3044825"/>
+              </a:tblGrid>
+              <a:tr h="0">
+                <a:tc>
+                  <a:txBody>
+                    <a:bodyPr/>
+                    <a:lstStyle/>
+                    <a:p>
+                      <a:pPr algn="l">
+                        <a:lnSpc>
+                          <a:spcPct val="115000"/>
+                        </a:lnSpc>
+                        <a:spcAft>
+                          <a:spcPts val="0"/>
+                        </a:spcAft>
+                      </a:pPr>
+                      <a:r>
+                        <a:rPr lang="fr-CH" sz="1200">
+                          <a:effectLst/>
+                        </a:rPr>
+                        <a:t>1</a:t>
+                      </a:r>
+                      <a:endParaRPr lang="fr-CH" sz="1200">
+                        <a:effectLst/>
+                        <a:latin typeface="Calibri" panose="020F0502020204030204" pitchFamily="34" charset="0"/>
+                        <a:ea typeface="Calibri" panose="020F0502020204030204" pitchFamily="34" charset="0"/>
+                        <a:cs typeface="Times New Roman" panose="02020603050405020304" pitchFamily="18" charset="0"/>
+                      </a:endParaRPr>
+                    </a:p>
+                  </a:txBody>
+                  <a:tcPr marL="68580" marR="68580" marT="0" marB="0" anchor="ctr"/>
+                </a:tc>
+                <a:tc>
+                  <a:txBody>
+                    <a:bodyPr/>
+                    <a:lstStyle/>
+                    <a:p>
+                      <a:pPr algn="l">
+                        <a:lnSpc>
+                          <a:spcPct val="115000"/>
+                        </a:lnSpc>
+                        <a:spcAft>
+                          <a:spcPts val="0"/>
+                        </a:spcAft>
+                      </a:pPr>
+                      <a:r>
+                        <a:rPr lang="fr-CH" sz="1200">
+                          <a:effectLst/>
+                        </a:rPr>
+                        <a:t>Facile</a:t>
+                      </a:r>
+                      <a:endParaRPr lang="fr-CH" sz="1200">
+                        <a:effectLst/>
+                        <a:latin typeface="Calibri" panose="020F0502020204030204" pitchFamily="34" charset="0"/>
+                        <a:ea typeface="Calibri" panose="020F0502020204030204" pitchFamily="34" charset="0"/>
+                        <a:cs typeface="Times New Roman" panose="02020603050405020304" pitchFamily="18" charset="0"/>
+                      </a:endParaRPr>
+                    </a:p>
+                  </a:txBody>
+                  <a:tcPr marL="68580" marR="68580" marT="0" marB="0" anchor="ctr"/>
+                </a:tc>
+                <a:tc>
+                  <a:txBody>
+                    <a:bodyPr/>
+                    <a:lstStyle/>
+                    <a:p>
+                      <a:pPr algn="l">
+                        <a:lnSpc>
+                          <a:spcPct val="115000"/>
+                        </a:lnSpc>
+                        <a:spcAft>
+                          <a:spcPts val="0"/>
+                        </a:spcAft>
+                      </a:pPr>
+                      <a:r>
+                        <a:rPr lang="fr-CH" sz="1200">
+                          <a:effectLst/>
+                        </a:rPr>
+                        <a:t>Le problème peut être résolu rapidement et n’entraine pas de retard.</a:t>
+                      </a:r>
+                      <a:endParaRPr lang="fr-CH" sz="1200">
+                        <a:effectLst/>
+                        <a:latin typeface="Calibri" panose="020F0502020204030204" pitchFamily="34" charset="0"/>
+                        <a:ea typeface="Calibri" panose="020F0502020204030204" pitchFamily="34" charset="0"/>
+                        <a:cs typeface="Times New Roman" panose="02020603050405020304" pitchFamily="18" charset="0"/>
+                      </a:endParaRPr>
+                    </a:p>
+                  </a:txBody>
+                  <a:tcPr marL="68580" marR="68580" marT="0" marB="0" anchor="ctr"/>
+                </a:tc>
+              </a:tr>
+              <a:tr h="0">
+                <a:tc>
+                  <a:txBody>
+                    <a:bodyPr/>
+                    <a:lstStyle/>
+                    <a:p>
+                      <a:pPr algn="l">
+                        <a:lnSpc>
+                          <a:spcPct val="115000"/>
+                        </a:lnSpc>
+                        <a:spcAft>
+                          <a:spcPts val="0"/>
+                        </a:spcAft>
+                      </a:pPr>
+                      <a:r>
+                        <a:rPr lang="fr-CH" sz="1200">
+                          <a:effectLst/>
+                        </a:rPr>
+                        <a:t>2</a:t>
+                      </a:r>
+                      <a:endParaRPr lang="fr-CH" sz="1200">
+                        <a:effectLst/>
+                        <a:latin typeface="Calibri" panose="020F0502020204030204" pitchFamily="34" charset="0"/>
+                        <a:ea typeface="Calibri" panose="020F0502020204030204" pitchFamily="34" charset="0"/>
+                        <a:cs typeface="Times New Roman" panose="02020603050405020304" pitchFamily="18" charset="0"/>
+                      </a:endParaRPr>
+                    </a:p>
+                  </a:txBody>
+                  <a:tcPr marL="68580" marR="68580" marT="0" marB="0" anchor="ctr"/>
+                </a:tc>
+                <a:tc>
+                  <a:txBody>
+                    <a:bodyPr/>
+                    <a:lstStyle/>
+                    <a:p>
+                      <a:pPr algn="l">
+                        <a:lnSpc>
+                          <a:spcPct val="115000"/>
+                        </a:lnSpc>
+                        <a:spcAft>
+                          <a:spcPts val="0"/>
+                        </a:spcAft>
+                      </a:pPr>
+                      <a:r>
+                        <a:rPr lang="fr-CH" sz="1200">
+                          <a:effectLst/>
+                        </a:rPr>
+                        <a:t>Majeur</a:t>
+                      </a:r>
+                      <a:endParaRPr lang="fr-CH" sz="1200">
+                        <a:effectLst/>
+                        <a:latin typeface="Calibri" panose="020F0502020204030204" pitchFamily="34" charset="0"/>
+                        <a:ea typeface="Calibri" panose="020F0502020204030204" pitchFamily="34" charset="0"/>
+                        <a:cs typeface="Times New Roman" panose="02020603050405020304" pitchFamily="18" charset="0"/>
+                      </a:endParaRPr>
+                    </a:p>
+                  </a:txBody>
+                  <a:tcPr marL="68580" marR="68580" marT="0" marB="0" anchor="ctr"/>
+                </a:tc>
+                <a:tc>
+                  <a:txBody>
+                    <a:bodyPr/>
+                    <a:lstStyle/>
+                    <a:p>
+                      <a:pPr algn="l">
+                        <a:lnSpc>
+                          <a:spcPct val="115000"/>
+                        </a:lnSpc>
+                        <a:spcAft>
+                          <a:spcPts val="0"/>
+                        </a:spcAft>
+                      </a:pPr>
+                      <a:r>
+                        <a:rPr lang="fr-CH" sz="1200">
+                          <a:effectLst/>
+                        </a:rPr>
+                        <a:t>Le problème nécessite quelques heures pour sa résolution.</a:t>
+                      </a:r>
+                      <a:endParaRPr lang="fr-CH" sz="1200">
+                        <a:effectLst/>
+                        <a:latin typeface="Calibri" panose="020F0502020204030204" pitchFamily="34" charset="0"/>
+                        <a:ea typeface="Calibri" panose="020F0502020204030204" pitchFamily="34" charset="0"/>
+                        <a:cs typeface="Times New Roman" panose="02020603050405020304" pitchFamily="18" charset="0"/>
+                      </a:endParaRPr>
+                    </a:p>
+                  </a:txBody>
+                  <a:tcPr marL="68580" marR="68580" marT="0" marB="0" anchor="ctr"/>
+                </a:tc>
+              </a:tr>
+              <a:tr h="0">
+                <a:tc>
+                  <a:txBody>
+                    <a:bodyPr/>
+                    <a:lstStyle/>
+                    <a:p>
+                      <a:pPr algn="l">
+                        <a:lnSpc>
+                          <a:spcPct val="115000"/>
+                        </a:lnSpc>
+                        <a:spcAft>
+                          <a:spcPts val="0"/>
+                        </a:spcAft>
+                      </a:pPr>
+                      <a:r>
+                        <a:rPr lang="fr-CH" sz="1200">
+                          <a:effectLst/>
+                        </a:rPr>
+                        <a:t>3</a:t>
+                      </a:r>
+                      <a:endParaRPr lang="fr-CH" sz="1200">
+                        <a:effectLst/>
+                        <a:latin typeface="Calibri" panose="020F0502020204030204" pitchFamily="34" charset="0"/>
+                        <a:ea typeface="Calibri" panose="020F0502020204030204" pitchFamily="34" charset="0"/>
+                        <a:cs typeface="Times New Roman" panose="02020603050405020304" pitchFamily="18" charset="0"/>
+                      </a:endParaRPr>
+                    </a:p>
+                  </a:txBody>
+                  <a:tcPr marL="68580" marR="68580" marT="0" marB="0" anchor="ctr"/>
+                </a:tc>
+                <a:tc>
+                  <a:txBody>
+                    <a:bodyPr/>
+                    <a:lstStyle/>
+                    <a:p>
+                      <a:pPr algn="l">
+                        <a:lnSpc>
+                          <a:spcPct val="115000"/>
+                        </a:lnSpc>
+                        <a:spcAft>
+                          <a:spcPts val="0"/>
+                        </a:spcAft>
+                      </a:pPr>
+                      <a:r>
+                        <a:rPr lang="fr-CH" sz="1200">
+                          <a:effectLst/>
+                        </a:rPr>
+                        <a:t>Critique</a:t>
+                      </a:r>
+                      <a:endParaRPr lang="fr-CH" sz="1200">
+                        <a:effectLst/>
+                        <a:latin typeface="Calibri" panose="020F0502020204030204" pitchFamily="34" charset="0"/>
+                        <a:ea typeface="Calibri" panose="020F0502020204030204" pitchFamily="34" charset="0"/>
+                        <a:cs typeface="Times New Roman" panose="02020603050405020304" pitchFamily="18" charset="0"/>
+                      </a:endParaRPr>
+                    </a:p>
+                  </a:txBody>
+                  <a:tcPr marL="68580" marR="68580" marT="0" marB="0" anchor="ctr"/>
+                </a:tc>
+                <a:tc>
+                  <a:txBody>
+                    <a:bodyPr/>
+                    <a:lstStyle/>
+                    <a:p>
+                      <a:pPr algn="l">
+                        <a:lnSpc>
+                          <a:spcPct val="115000"/>
+                        </a:lnSpc>
+                        <a:spcAft>
+                          <a:spcPts val="0"/>
+                        </a:spcAft>
+                      </a:pPr>
+                      <a:r>
+                        <a:rPr lang="fr-CH" sz="1200" dirty="0">
+                          <a:effectLst/>
+                        </a:rPr>
+                        <a:t>Le problème prend beaucoup de temps pour être résolu par la team.</a:t>
+                      </a:r>
+                      <a:endParaRPr lang="fr-CH" sz="1200" dirty="0">
+                        <a:effectLst/>
+                        <a:latin typeface="Calibri" panose="020F0502020204030204" pitchFamily="34" charset="0"/>
+                        <a:ea typeface="Calibri" panose="020F0502020204030204" pitchFamily="34" charset="0"/>
+                        <a:cs typeface="Times New Roman" panose="02020603050405020304" pitchFamily="18" charset="0"/>
+                      </a:endParaRPr>
+                    </a:p>
+                  </a:txBody>
+                  <a:tcPr marL="68580" marR="68580" marT="0" marB="0" anchor="ctr"/>
+                </a:tc>
+              </a:tr>
+            </a:tbl>
+          </a:graphicData>
+        </a:graphic>
+      </p:graphicFrame>
+    </p:spTree>
+    <p:extLst>
+      <p:ext uri="{BB962C8B-B14F-4D97-AF65-F5344CB8AC3E}">
+        <p14:creationId xmlns:p14="http://schemas.microsoft.com/office/powerpoint/2010/main" val="2415851872"/>
+      </p:ext>
+    </p:extLst>
+  </p:cSld>
+  <p:clrMapOvr>
+    <a:masterClrMapping/>
+  </p:clrMapOvr>
+  <p:timing>
+    <p:tnLst>
+      <p:par>
+        <p:cTn id="1" dur="indefinite" restart="never" nodeType="tmRoot"/>
+      </p:par>
+    </p:tnLst>
+  </p:timing>
+</p:sld>
+</file>
+
+<file path=ppt/tags/tag1.xml><?xml version="1.0" encoding="utf-8"?>
+<p:tagLst xmlns:a="http://schemas.openxmlformats.org/drawingml/2006/main" xmlns:r="http://schemas.openxmlformats.org/officeDocument/2006/relationships" xmlns:p="http://schemas.openxmlformats.org/presentationml/2006/main">
+  <p:tag name="NUM" val="1"/>
+</p:tagLst>
+</file>
+
+<file path=ppt/tags/tag10.xml><?xml version="1.0" encoding="utf-8"?>
+<p:tagLst xmlns:a="http://schemas.openxmlformats.org/drawingml/2006/main" xmlns:r="http://schemas.openxmlformats.org/officeDocument/2006/relationships" xmlns:p="http://schemas.openxmlformats.org/presentationml/2006/main">
+  <p:tag name="NUM" val="2"/>
+</p:tagLst>
+</file>
+
+<file path=ppt/tags/tag11.xml><?xml version="1.0" encoding="utf-8"?>
+<p:tagLst xmlns:a="http://schemas.openxmlformats.org/drawingml/2006/main" xmlns:r="http://schemas.openxmlformats.org/officeDocument/2006/relationships" xmlns:p="http://schemas.openxmlformats.org/presentationml/2006/main">
+  <p:tag name="NUM" val="3"/>
+</p:tagLst>
+</file>
+
+<file path=ppt/tags/tag12.xml><?xml version="1.0" encoding="utf-8"?>
+<p:tagLst xmlns:a="http://schemas.openxmlformats.org/drawingml/2006/main" xmlns:r="http://schemas.openxmlformats.org/officeDocument/2006/relationships" xmlns:p="http://schemas.openxmlformats.org/presentationml/2006/main">
+  <p:tag name="NUM" val="4"/>
+</p:tagLst>
+</file>
+
+<file path=ppt/tags/tag13.xml><?xml version="1.0" encoding="utf-8"?>
+<p:tagLst xmlns:a="http://schemas.openxmlformats.org/drawingml/2006/main" xmlns:r="http://schemas.openxmlformats.org/officeDocument/2006/relationships" xmlns:p="http://schemas.openxmlformats.org/presentationml/2006/main">
+  <p:tag name="NUM" val="5"/>
+</p:tagLst>
+</file>
+
+<file path=ppt/tags/tag14.xml><?xml version="1.0" encoding="utf-8"?>
+<p:tagLst xmlns:a="http://schemas.openxmlformats.org/drawingml/2006/main" xmlns:r="http://schemas.openxmlformats.org/officeDocument/2006/relationships" xmlns:p="http://schemas.openxmlformats.org/presentationml/2006/main">
+  <p:tag name="NUM" val="6"/>
+</p:tagLst>
+</file>
+
+<file path=ppt/tags/tag15.xml><?xml version="1.0" encoding="utf-8"?>
+<p:tagLst xmlns:a="http://schemas.openxmlformats.org/drawingml/2006/main" xmlns:r="http://schemas.openxmlformats.org/officeDocument/2006/relationships" xmlns:p="http://schemas.openxmlformats.org/presentationml/2006/main">
+  <p:tag name="NUM" val="7"/>
+</p:tagLst>
+</file>
+
+<file path=ppt/tags/tag16.xml><?xml version="1.0" encoding="utf-8"?>
+<p:tagLst xmlns:a="http://schemas.openxmlformats.org/drawingml/2006/main" xmlns:r="http://schemas.openxmlformats.org/officeDocument/2006/relationships" xmlns:p="http://schemas.openxmlformats.org/presentationml/2006/main">
+  <p:tag name="NUM" val="8"/>
+</p:tagLst>
+</file>
+
+<file path=ppt/tags/tag17.xml><?xml version="1.0" encoding="utf-8"?>
+<p:tagLst xmlns:a="http://schemas.openxmlformats.org/drawingml/2006/main" xmlns:r="http://schemas.openxmlformats.org/officeDocument/2006/relationships" xmlns:p="http://schemas.openxmlformats.org/presentationml/2006/main">
+  <p:tag name="NUM" val="9"/>
+</p:tagLst>
+</file>
+
+<file path=ppt/tags/tag18.xml><?xml version="1.0" encoding="utf-8"?>
+<p:tagLst xmlns:a="http://schemas.openxmlformats.org/drawingml/2006/main" xmlns:r="http://schemas.openxmlformats.org/officeDocument/2006/relationships" xmlns:p="http://schemas.openxmlformats.org/presentationml/2006/main">
+  <p:tag name="NUM" val="10"/>
+</p:tagLst>
+</file>
+
+<file path=ppt/tags/tag19.xml><?xml version="1.0" encoding="utf-8"?>
+<p:tagLst xmlns:a="http://schemas.openxmlformats.org/drawingml/2006/main" xmlns:r="http://schemas.openxmlformats.org/officeDocument/2006/relationships" xmlns:p="http://schemas.openxmlformats.org/presentationml/2006/main">
+  <p:tag name="NUM" val="11"/>
+</p:tagLst>
+</file>
+
+<file path=ppt/tags/tag2.xml><?xml version="1.0" encoding="utf-8"?>
+<p:tagLst xmlns:a="http://schemas.openxmlformats.org/drawingml/2006/main" xmlns:r="http://schemas.openxmlformats.org/officeDocument/2006/relationships" xmlns:p="http://schemas.openxmlformats.org/presentationml/2006/main">
+  <p:tag name="NUM" val="2"/>
+</p:tagLst>
+</file>
+
+<file path=ppt/tags/tag20.xml><?xml version="1.0" encoding="utf-8"?>
+<p:tagLst xmlns:a="http://schemas.openxmlformats.org/drawingml/2006/main" xmlns:r="http://schemas.openxmlformats.org/officeDocument/2006/relationships" xmlns:p="http://schemas.openxmlformats.org/presentationml/2006/main">
+  <p:tag name="NUM" val="12"/>
+</p:tagLst>
+</file>
+
+<file path=ppt/tags/tag21.xml><?xml version="1.0" encoding="utf-8"?>
+<p:tagLst xmlns:a="http://schemas.openxmlformats.org/drawingml/2006/main" xmlns:r="http://schemas.openxmlformats.org/officeDocument/2006/relationships" xmlns:p="http://schemas.openxmlformats.org/presentationml/2006/main">
+  <p:tag name="NUM" val="13"/>
+</p:tagLst>
+</file>
+
+<file path=ppt/tags/tag22.xml><?xml version="1.0" encoding="utf-8"?>
+<p:tagLst xmlns:a="http://schemas.openxmlformats.org/drawingml/2006/main" xmlns:r="http://schemas.openxmlformats.org/officeDocument/2006/relationships" xmlns:p="http://schemas.openxmlformats.org/presentationml/2006/main">
+  <p:tag name="NUM" val="1"/>
+</p:tagLst>
+</file>
+
+<file path=ppt/tags/tag23.xml><?xml version="1.0" encoding="utf-8"?>
+<p:tagLst xmlns:a="http://schemas.openxmlformats.org/drawingml/2006/main" xmlns:r="http://schemas.openxmlformats.org/officeDocument/2006/relationships" xmlns:p="http://schemas.openxmlformats.org/presentationml/2006/main">
+  <p:tag name="NUM" val="2"/>
+</p:tagLst>
+</file>
+
+<file path=ppt/tags/tag24.xml><?xml version="1.0" encoding="utf-8"?>
+<p:tagLst xmlns:a="http://schemas.openxmlformats.org/drawingml/2006/main" xmlns:r="http://schemas.openxmlformats.org/officeDocument/2006/relationships" xmlns:p="http://schemas.openxmlformats.org/presentationml/2006/main">
+  <p:tag name="NUM" val="3"/>
+</p:tagLst>
+</file>
+
+<file path=ppt/tags/tag25.xml><?xml version="1.0" encoding="utf-8"?>
+<p:tagLst xmlns:a="http://schemas.openxmlformats.org/drawingml/2006/main" xmlns:r="http://schemas.openxmlformats.org/officeDocument/2006/relationships" xmlns:p="http://schemas.openxmlformats.org/presentationml/2006/main">
+  <p:tag name="NUM" val="1"/>
+</p:tagLst>
+</file>
+
+<file path=ppt/tags/tag26.xml><?xml version="1.0" encoding="utf-8"?>
+<p:tagLst xmlns:a="http://schemas.openxmlformats.org/drawingml/2006/main" xmlns:r="http://schemas.openxmlformats.org/officeDocument/2006/relationships" xmlns:p="http://schemas.openxmlformats.org/presentationml/2006/main">
+  <p:tag name="NUM" val="2"/>
+</p:tagLst>
+</file>
+
+<file path=ppt/tags/tag27.xml><?xml version="1.0" encoding="utf-8"?>
+<p:tagLst xmlns:a="http://schemas.openxmlformats.org/drawingml/2006/main" xmlns:r="http://schemas.openxmlformats.org/officeDocument/2006/relationships" xmlns:p="http://schemas.openxmlformats.org/presentationml/2006/main">
+  <p:tag name="NUM" val="3"/>
+</p:tagLst>
+</file>
+
+<file path=ppt/tags/tag28.xml><?xml version="1.0" encoding="utf-8"?>
+<p:tagLst xmlns:a="http://schemas.openxmlformats.org/drawingml/2006/main" xmlns:r="http://schemas.openxmlformats.org/officeDocument/2006/relationships" xmlns:p="http://schemas.openxmlformats.org/presentationml/2006/main">
+  <p:tag name="NUM" val="4"/>
+</p:tagLst>
+</file>
+
+<file path=ppt/tags/tag29.xml><?xml version="1.0" encoding="utf-8"?>
+<p:tagLst xmlns:a="http://schemas.openxmlformats.org/drawingml/2006/main" xmlns:r="http://schemas.openxmlformats.org/officeDocument/2006/relationships" xmlns:p="http://schemas.openxmlformats.org/presentationml/2006/main">
+  <p:tag name="NUM" val="1"/>
+</p:tagLst>
+</file>
+
+<file path=ppt/tags/tag3.xml><?xml version="1.0" encoding="utf-8"?>
+<p:tagLst xmlns:a="http://schemas.openxmlformats.org/drawingml/2006/main" xmlns:r="http://schemas.openxmlformats.org/officeDocument/2006/relationships" xmlns:p="http://schemas.openxmlformats.org/presentationml/2006/main">
+  <p:tag name="NUM" val="1"/>
+</p:tagLst>
+</file>
+
+<file path=ppt/tags/tag30.xml><?xml version="1.0" encoding="utf-8"?>
+<p:tagLst xmlns:a="http://schemas.openxmlformats.org/drawingml/2006/main" xmlns:r="http://schemas.openxmlformats.org/officeDocument/2006/relationships" xmlns:p="http://schemas.openxmlformats.org/presentationml/2006/main">
+  <p:tag name="NUM" val="2"/>
+</p:tagLst>
+</file>
+
+<file path=ppt/tags/tag31.xml><?xml version="1.0" encoding="utf-8"?>
+<p:tagLst xmlns:a="http://schemas.openxmlformats.org/drawingml/2006/main" xmlns:r="http://schemas.openxmlformats.org/officeDocument/2006/relationships" xmlns:p="http://schemas.openxmlformats.org/presentationml/2006/main">
+  <p:tag name="NUM" val="3"/>
+</p:tagLst>
+</file>
+
+<file path=ppt/tags/tag32.xml><?xml version="1.0" encoding="utf-8"?>
+<p:tagLst xmlns:a="http://schemas.openxmlformats.org/drawingml/2006/main" xmlns:r="http://schemas.openxmlformats.org/officeDocument/2006/relationships" xmlns:p="http://schemas.openxmlformats.org/presentationml/2006/main">
+  <p:tag name="NUM" val="1"/>
+</p:tagLst>
+</file>
+
+<file path=ppt/tags/tag33.xml><?xml version="1.0" encoding="utf-8"?>
+<p:tagLst xmlns:a="http://schemas.openxmlformats.org/drawingml/2006/main" xmlns:r="http://schemas.openxmlformats.org/officeDocument/2006/relationships" xmlns:p="http://schemas.openxmlformats.org/presentationml/2006/main">
+  <p:tag name="NUM" val="2"/>
+</p:tagLst>
+</file>
+
+<file path=ppt/tags/tag34.xml><?xml version="1.0" encoding="utf-8"?>
+<p:tagLst xmlns:a="http://schemas.openxmlformats.org/drawingml/2006/main" xmlns:r="http://schemas.openxmlformats.org/officeDocument/2006/relationships" xmlns:p="http://schemas.openxmlformats.org/presentationml/2006/main">
+  <p:tag name="NUM" val="3"/>
+</p:tagLst>
+</file>
+
+<file path=ppt/tags/tag35.xml><?xml version="1.0" encoding="utf-8"?>
+<p:tagLst xmlns:a="http://schemas.openxmlformats.org/drawingml/2006/main" xmlns:r="http://schemas.openxmlformats.org/officeDocument/2006/relationships" xmlns:p="http://schemas.openxmlformats.org/presentationml/2006/main">
+  <p:tag name="NUM" val="4"/>
+</p:tagLst>
+</file>
+
+<file path=ppt/tags/tag36.xml><?xml version="1.0" encoding="utf-8"?>
+<p:tagLst xmlns:a="http://schemas.openxmlformats.org/drawingml/2006/main" xmlns:r="http://schemas.openxmlformats.org/officeDocument/2006/relationships" xmlns:p="http://schemas.openxmlformats.org/presentationml/2006/main">
+  <p:tag name="NUM" val="1"/>
+</p:tagLst>
+</file>
+
+<file path=ppt/tags/tag37.xml><?xml version="1.0" encoding="utf-8"?>
+<p:tagLst xmlns:a="http://schemas.openxmlformats.org/drawingml/2006/main" xmlns:r="http://schemas.openxmlformats.org/officeDocument/2006/relationships" xmlns:p="http://schemas.openxmlformats.org/presentationml/2006/main">
+  <p:tag name="NUM" val="2"/>
+</p:tagLst>
+</file>
+
+<file path=ppt/tags/tag38.xml><?xml version="1.0" encoding="utf-8"?>
+<p:tagLst xmlns:a="http://schemas.openxmlformats.org/drawingml/2006/main" xmlns:r="http://schemas.openxmlformats.org/officeDocument/2006/relationships" xmlns:p="http://schemas.openxmlformats.org/presentationml/2006/main">
+  <p:tag name="NUM" val="1"/>
+</p:tagLst>
+</file>
+
+<file path=ppt/tags/tag39.xml><?xml version="1.0" encoding="utf-8"?>
+<p:tagLst xmlns:a="http://schemas.openxmlformats.org/drawingml/2006/main" xmlns:r="http://schemas.openxmlformats.org/officeDocument/2006/relationships" xmlns:p="http://schemas.openxmlformats.org/presentationml/2006/main">
+  <p:tag name="NUM" val="2"/>
+</p:tagLst>
+</file>
+
+<file path=ppt/tags/tag4.xml><?xml version="1.0" encoding="utf-8"?>
+<p:tagLst xmlns:a="http://schemas.openxmlformats.org/drawingml/2006/main" xmlns:r="http://schemas.openxmlformats.org/officeDocument/2006/relationships" xmlns:p="http://schemas.openxmlformats.org/presentationml/2006/main">
+  <p:tag name="NUM" val="2"/>
+</p:tagLst>
+</file>
+
+<file path=ppt/tags/tag5.xml><?xml version="1.0" encoding="utf-8"?>
+<p:tagLst xmlns:a="http://schemas.openxmlformats.org/drawingml/2006/main" xmlns:r="http://schemas.openxmlformats.org/officeDocument/2006/relationships" xmlns:p="http://schemas.openxmlformats.org/presentationml/2006/main">
+  <p:tag name="NUM" val="1"/>
+</p:tagLst>
+</file>
+
+<file path=ppt/tags/tag6.xml><?xml version="1.0" encoding="utf-8"?>
+<p:tagLst xmlns:a="http://schemas.openxmlformats.org/drawingml/2006/main" xmlns:r="http://schemas.openxmlformats.org/officeDocument/2006/relationships" xmlns:p="http://schemas.openxmlformats.org/presentationml/2006/main">
+  <p:tag name="NUM" val="2"/>
+</p:tagLst>
+</file>
+
+<file path=ppt/tags/tag7.xml><?xml version="1.0" encoding="utf-8"?>
+<p:tagLst xmlns:a="http://schemas.openxmlformats.org/drawingml/2006/main" xmlns:r="http://schemas.openxmlformats.org/officeDocument/2006/relationships" xmlns:p="http://schemas.openxmlformats.org/presentationml/2006/main">
+  <p:tag name="NUM" val="1"/>
+</p:tagLst>
+</file>
+
+<file path=ppt/tags/tag8.xml><?xml version="1.0" encoding="utf-8"?>
+<p:tagLst xmlns:a="http://schemas.openxmlformats.org/drawingml/2006/main" xmlns:r="http://schemas.openxmlformats.org/officeDocument/2006/relationships" xmlns:p="http://schemas.openxmlformats.org/presentationml/2006/main">
+  <p:tag name="NUM" val="2"/>
+</p:tagLst>
+</file>
+
+<file path=ppt/tags/tag9.xml><?xml version="1.0" encoding="utf-8"?>
+<p:tagLst xmlns:a="http://schemas.openxmlformats.org/drawingml/2006/main" xmlns:r="http://schemas.openxmlformats.org/officeDocument/2006/relationships" xmlns:p="http://schemas.openxmlformats.org/presentationml/2006/main">
+  <p:tag name="NUM" val="1"/>
+</p:tagLst>
 </file>
 
 <file path=ppt/theme/theme1.xml><?xml version="1.0" encoding="utf-8"?>
@@ -6612,7 +12593,7 @@
   <a:extraClrSchemeLst/>
   <a:extLst>
     <a:ext uri="{05A4C25C-085E-4340-85A3-A5531E510DB2}">
-      <thm15:themeFamily xmlns:thm15="http://schemas.microsoft.com/office/thememl/2012/main" name="Ion" id="{B8441ADB-2E43-4AF7-B97A-BD870242C6A8}" vid="{BACC050B-8757-4460-95D8-E37B46A6B421}"/>
+      <thm15:themeFamily xmlns:thm15="http://schemas.microsoft.com/office/thememl/2012/main" name="Noctambus.potx" id="{4FA968C9-B121-4968-8DB5-F38A3EC68A4C}" vid="{7D81EA7A-8D01-4E6F-AB0A-C16627ECA184}"/>
     </a:ext>
   </a:extLst>
 </a:theme>
